--- a/Nhom11_NguyenDinhLuc+PhamKhanhDuy/PHẦN MỀM QUẢN LÝ ĐIỀU HÀNH CÔNG VIỆC.pptx
+++ b/Nhom11_NguyenDinhLuc+PhamKhanhDuy/PHẦN MỀM QUẢN LÝ ĐIỀU HÀNH CÔNG VIỆC.pptx
@@ -1,54 +1,54 @@
 
 <file path=ppt/presentation.xml><?xml version="1.0" encoding="utf-8"?>
-<p:presentation xmlns:a="http://schemas.openxmlformats.org/drawingml/2006/main" xmlns:r="http://schemas.openxmlformats.org/officeDocument/2006/relationships" xmlns:p="http://schemas.openxmlformats.org/presentationml/2006/main" saveSubsetFonts="1" embedTrueTypeFonts="true">
+<p:presentation xmlns:a="http://schemas.openxmlformats.org/drawingml/2006/main" xmlns:r="http://schemas.openxmlformats.org/officeDocument/2006/relationships" xmlns:p="http://schemas.openxmlformats.org/presentationml/2006/main" embedTrueTypeFonts="1" saveSubsetFonts="1">
   <p:sldMasterIdLst>
     <p:sldMasterId id="2147483648" r:id="rId1"/>
   </p:sldMasterIdLst>
   <p:sldIdLst>
-    <p:sldId id="256" r:id="rId6"/>
-    <p:sldId id="257" r:id="rId7"/>
-    <p:sldId id="258" r:id="rId8"/>
-    <p:sldId id="259" r:id="rId9"/>
-    <p:sldId id="260" r:id="rId10"/>
-    <p:sldId id="261" r:id="rId11"/>
-    <p:sldId id="262" r:id="rId12"/>
-    <p:sldId id="263" r:id="rId13"/>
-    <p:sldId id="264" r:id="rId14"/>
-    <p:sldId id="265" r:id="rId15"/>
-    <p:sldId id="266" r:id="rId16"/>
-    <p:sldId id="267" r:id="rId17"/>
-    <p:sldId id="268" r:id="rId18"/>
-    <p:sldId id="269" r:id="rId19"/>
-    <p:sldId id="270" r:id="rId20"/>
-    <p:sldId id="271" r:id="rId21"/>
-    <p:sldId id="272" r:id="rId22"/>
-    <p:sldId id="273" r:id="rId23"/>
-    <p:sldId id="274" r:id="rId24"/>
-    <p:sldId id="275" r:id="rId25"/>
-    <p:sldId id="276" r:id="rId26"/>
+    <p:sldId id="256" r:id="rId2"/>
+    <p:sldId id="257" r:id="rId3"/>
+    <p:sldId id="258" r:id="rId4"/>
+    <p:sldId id="259" r:id="rId5"/>
+    <p:sldId id="260" r:id="rId6"/>
+    <p:sldId id="261" r:id="rId7"/>
+    <p:sldId id="262" r:id="rId8"/>
+    <p:sldId id="263" r:id="rId9"/>
+    <p:sldId id="264" r:id="rId10"/>
+    <p:sldId id="265" r:id="rId11"/>
+    <p:sldId id="266" r:id="rId12"/>
+    <p:sldId id="267" r:id="rId13"/>
+    <p:sldId id="268" r:id="rId14"/>
+    <p:sldId id="269" r:id="rId15"/>
+    <p:sldId id="270" r:id="rId16"/>
+    <p:sldId id="271" r:id="rId17"/>
+    <p:sldId id="272" r:id="rId18"/>
+    <p:sldId id="273" r:id="rId19"/>
+    <p:sldId id="274" r:id="rId20"/>
+    <p:sldId id="275" r:id="rId21"/>
+    <p:sldId id="276" r:id="rId22"/>
   </p:sldIdLst>
   <p:sldSz cx="18288000" cy="10287000"/>
   <p:notesSz cx="6858000" cy="9144000"/>
   <p:embeddedFontLst>
     <p:embeddedFont>
-      <p:font typeface="Cabin" charset="1" panose="00000500000000000000"/>
-      <p:regular r:id="rId27"/>
+      <p:font typeface="Cabin"/>
+      <p:regular r:id="rId23"/>
     </p:embeddedFont>
     <p:embeddedFont>
-      <p:font typeface="Cabin Semi-Bold" charset="1" panose="00000700000000000000"/>
-      <p:regular r:id="rId28"/>
+      <p:font typeface="Cabin Bold"/>
+      <p:regular r:id="rId24"/>
     </p:embeddedFont>
     <p:embeddedFont>
-      <p:font typeface="Cabin Medium" charset="1" panose="00000600000000000000"/>
-      <p:regular r:id="rId29"/>
+      <p:font typeface="Cabin Medium"/>
+      <p:regular r:id="rId25"/>
     </p:embeddedFont>
     <p:embeddedFont>
-      <p:font typeface="Noto Serif Display" charset="1" panose="02020502080505020204"/>
-      <p:regular r:id="rId30"/>
+      <p:font typeface="Cabin Semi-Bold"/>
+      <p:regular r:id="rId26"/>
     </p:embeddedFont>
     <p:embeddedFont>
-      <p:font typeface="Cabin Bold" charset="1" panose="00000800000000000000"/>
-      <p:regular r:id="rId31"/>
+      <p:font typeface="Noto Serif Display"/>
+      <p:regular r:id="rId27"/>
     </p:embeddedFont>
   </p:embeddedFontLst>
   <p:defaultTextStyle>
@@ -146,6 +146,22 @@
       </a:defRPr>
     </a:lvl9pPr>
   </p:defaultTextStyle>
+  <p:extLst>
+    <p:ext uri="{EFAFB233-063F-42B5-8137-9DF3F51BA10A}">
+      <p15:sldGuideLst xmlns:p15="http://schemas.microsoft.com/office/powerpoint/2012/main">
+        <p15:guide id="1" orient="horz" pos="2160">
+          <p15:clr>
+            <a:srgbClr val="A4A3A4"/>
+          </p15:clr>
+        </p15:guide>
+        <p15:guide id="2" pos="2880">
+          <p15:clr>
+            <a:srgbClr val="A4A3A4"/>
+          </p15:clr>
+        </p15:guide>
+      </p15:sldGuideLst>
+    </p:ext>
+  </p:extLst>
 </p:presentation>
 </file>
 
@@ -187,10 +203,9 @@
           <a:lstStyle/>
           <a:p>
             <a:r>
-              <a:rPr lang="en-US" smtClean="0"/>
+              <a:rPr lang="en-US"/>
               <a:t>Click to edit Master title style</a:t>
             </a:r>
-            <a:endParaRPr lang="en-US"/>
           </a:p>
         </p:txBody>
       </p:sp>
@@ -306,10 +321,9 @@
           </a:lstStyle>
           <a:p>
             <a:r>
-              <a:rPr lang="en-US" smtClean="0"/>
+              <a:rPr lang="en-US"/>
               <a:t>Click to edit Master subtitle style</a:t>
             </a:r>
-            <a:endParaRPr lang="en-US"/>
           </a:p>
         </p:txBody>
       </p:sp>
@@ -331,7 +345,7 @@
             <a:fld id="{1D8BD707-D9CF-40AE-B4C6-C98DA3205C09}" type="datetimeFigureOut">
               <a:rPr lang="en-US" smtClean="0"/>
               <a:pPr/>
-              <a:t>8/1/2011</a:t>
+              <a:t>11/8/2024</a:t>
             </a:fld>
             <a:endParaRPr lang="en-US"/>
           </a:p>
@@ -421,10 +435,9 @@
           <a:lstStyle/>
           <a:p>
             <a:r>
-              <a:rPr lang="en-US" smtClean="0"/>
+              <a:rPr lang="en-US"/>
               <a:t>Click to edit Master title style</a:t>
             </a:r>
-            <a:endParaRPr lang="en-US"/>
           </a:p>
         </p:txBody>
       </p:sp>
@@ -445,38 +458,37 @@
           <a:p>
             <a:pPr lvl="0"/>
             <a:r>
-              <a:rPr lang="en-US" smtClean="0"/>
+              <a:rPr lang="en-US"/>
               <a:t>Click to edit Master text styles</a:t>
             </a:r>
           </a:p>
           <a:p>
             <a:pPr lvl="1"/>
             <a:r>
-              <a:rPr lang="en-US" smtClean="0"/>
+              <a:rPr lang="en-US"/>
               <a:t>Second level</a:t>
             </a:r>
           </a:p>
           <a:p>
             <a:pPr lvl="2"/>
             <a:r>
-              <a:rPr lang="en-US" smtClean="0"/>
+              <a:rPr lang="en-US"/>
               <a:t>Third level</a:t>
             </a:r>
           </a:p>
           <a:p>
             <a:pPr lvl="3"/>
             <a:r>
-              <a:rPr lang="en-US" smtClean="0"/>
+              <a:rPr lang="en-US"/>
               <a:t>Fourth level</a:t>
             </a:r>
           </a:p>
           <a:p>
             <a:pPr lvl="4"/>
             <a:r>
-              <a:rPr lang="en-US" smtClean="0"/>
+              <a:rPr lang="en-US"/>
               <a:t>Fifth level</a:t>
             </a:r>
-            <a:endParaRPr lang="en-US"/>
           </a:p>
         </p:txBody>
       </p:sp>
@@ -498,7 +510,7 @@
             <a:fld id="{1D8BD707-D9CF-40AE-B4C6-C98DA3205C09}" type="datetimeFigureOut">
               <a:rPr lang="en-US" smtClean="0"/>
               <a:pPr/>
-              <a:t>8/1/2011</a:t>
+              <a:t>11/8/2024</a:t>
             </a:fld>
             <a:endParaRPr lang="en-US"/>
           </a:p>
@@ -593,10 +605,9 @@
           <a:lstStyle/>
           <a:p>
             <a:r>
-              <a:rPr lang="en-US" smtClean="0"/>
+              <a:rPr lang="en-US"/>
               <a:t>Click to edit Master title style</a:t>
             </a:r>
-            <a:endParaRPr lang="en-US"/>
           </a:p>
         </p:txBody>
       </p:sp>
@@ -622,38 +633,37 @@
           <a:p>
             <a:pPr lvl="0"/>
             <a:r>
-              <a:rPr lang="en-US" smtClean="0"/>
+              <a:rPr lang="en-US"/>
               <a:t>Click to edit Master text styles</a:t>
             </a:r>
           </a:p>
           <a:p>
             <a:pPr lvl="1"/>
             <a:r>
-              <a:rPr lang="en-US" smtClean="0"/>
+              <a:rPr lang="en-US"/>
               <a:t>Second level</a:t>
             </a:r>
           </a:p>
           <a:p>
             <a:pPr lvl="2"/>
             <a:r>
-              <a:rPr lang="en-US" smtClean="0"/>
+              <a:rPr lang="en-US"/>
               <a:t>Third level</a:t>
             </a:r>
           </a:p>
           <a:p>
             <a:pPr lvl="3"/>
             <a:r>
-              <a:rPr lang="en-US" smtClean="0"/>
+              <a:rPr lang="en-US"/>
               <a:t>Fourth level</a:t>
             </a:r>
           </a:p>
           <a:p>
             <a:pPr lvl="4"/>
             <a:r>
-              <a:rPr lang="en-US" smtClean="0"/>
+              <a:rPr lang="en-US"/>
               <a:t>Fifth level</a:t>
             </a:r>
-            <a:endParaRPr lang="en-US"/>
           </a:p>
         </p:txBody>
       </p:sp>
@@ -675,7 +685,7 @@
             <a:fld id="{1D8BD707-D9CF-40AE-B4C6-C98DA3205C09}" type="datetimeFigureOut">
               <a:rPr lang="en-US" smtClean="0"/>
               <a:pPr/>
-              <a:t>8/1/2011</a:t>
+              <a:t>11/8/2024</a:t>
             </a:fld>
             <a:endParaRPr lang="en-US"/>
           </a:p>
@@ -765,10 +775,9 @@
           <a:lstStyle/>
           <a:p>
             <a:r>
-              <a:rPr lang="en-US" smtClean="0"/>
+              <a:rPr lang="en-US"/>
               <a:t>Click to edit Master title style</a:t>
             </a:r>
-            <a:endParaRPr lang="en-US"/>
           </a:p>
         </p:txBody>
       </p:sp>
@@ -789,38 +798,37 @@
           <a:p>
             <a:pPr lvl="0"/>
             <a:r>
-              <a:rPr lang="en-US" smtClean="0"/>
+              <a:rPr lang="en-US"/>
               <a:t>Click to edit Master text styles</a:t>
             </a:r>
           </a:p>
           <a:p>
             <a:pPr lvl="1"/>
             <a:r>
-              <a:rPr lang="en-US" smtClean="0"/>
+              <a:rPr lang="en-US"/>
               <a:t>Second level</a:t>
             </a:r>
           </a:p>
           <a:p>
             <a:pPr lvl="2"/>
             <a:r>
-              <a:rPr lang="en-US" smtClean="0"/>
+              <a:rPr lang="en-US"/>
               <a:t>Third level</a:t>
             </a:r>
           </a:p>
           <a:p>
             <a:pPr lvl="3"/>
             <a:r>
-              <a:rPr lang="en-US" smtClean="0"/>
+              <a:rPr lang="en-US"/>
               <a:t>Fourth level</a:t>
             </a:r>
           </a:p>
           <a:p>
             <a:pPr lvl="4"/>
             <a:r>
-              <a:rPr lang="en-US" smtClean="0"/>
+              <a:rPr lang="en-US"/>
               <a:t>Fifth level</a:t>
             </a:r>
-            <a:endParaRPr lang="en-US"/>
           </a:p>
         </p:txBody>
       </p:sp>
@@ -842,7 +850,7 @@
             <a:fld id="{1D8BD707-D9CF-40AE-B4C6-C98DA3205C09}" type="datetimeFigureOut">
               <a:rPr lang="en-US" smtClean="0"/>
               <a:pPr/>
-              <a:t>8/1/2011</a:t>
+              <a:t>11/8/2024</a:t>
             </a:fld>
             <a:endParaRPr lang="en-US"/>
           </a:p>
@@ -941,10 +949,9 @@
           </a:lstStyle>
           <a:p>
             <a:r>
-              <a:rPr lang="en-US" smtClean="0"/>
+              <a:rPr lang="en-US"/>
               <a:t>Click to edit Master title style</a:t>
             </a:r>
-            <a:endParaRPr lang="en-US"/>
           </a:p>
         </p:txBody>
       </p:sp>
@@ -1061,7 +1068,7 @@
           <a:p>
             <a:pPr lvl="0"/>
             <a:r>
-              <a:rPr lang="en-US" smtClean="0"/>
+              <a:rPr lang="en-US"/>
               <a:t>Click to edit Master text styles</a:t>
             </a:r>
           </a:p>
@@ -1085,7 +1092,7 @@
             <a:fld id="{1D8BD707-D9CF-40AE-B4C6-C98DA3205C09}" type="datetimeFigureOut">
               <a:rPr lang="en-US" smtClean="0"/>
               <a:pPr/>
-              <a:t>8/1/2011</a:t>
+              <a:t>11/8/2024</a:t>
             </a:fld>
             <a:endParaRPr lang="en-US"/>
           </a:p>
@@ -1175,10 +1182,9 @@
           <a:lstStyle/>
           <a:p>
             <a:r>
-              <a:rPr lang="en-US" smtClean="0"/>
+              <a:rPr lang="en-US"/>
               <a:t>Click to edit Master title style</a:t>
             </a:r>
-            <a:endParaRPr lang="en-US"/>
           </a:p>
         </p:txBody>
       </p:sp>
@@ -1232,38 +1238,37 @@
           <a:p>
             <a:pPr lvl="0"/>
             <a:r>
-              <a:rPr lang="en-US" smtClean="0"/>
+              <a:rPr lang="en-US"/>
               <a:t>Click to edit Master text styles</a:t>
             </a:r>
           </a:p>
           <a:p>
             <a:pPr lvl="1"/>
             <a:r>
-              <a:rPr lang="en-US" smtClean="0"/>
+              <a:rPr lang="en-US"/>
               <a:t>Second level</a:t>
             </a:r>
           </a:p>
           <a:p>
             <a:pPr lvl="2"/>
             <a:r>
-              <a:rPr lang="en-US" smtClean="0"/>
+              <a:rPr lang="en-US"/>
               <a:t>Third level</a:t>
             </a:r>
           </a:p>
           <a:p>
             <a:pPr lvl="3"/>
             <a:r>
-              <a:rPr lang="en-US" smtClean="0"/>
+              <a:rPr lang="en-US"/>
               <a:t>Fourth level</a:t>
             </a:r>
           </a:p>
           <a:p>
             <a:pPr lvl="4"/>
             <a:r>
-              <a:rPr lang="en-US" smtClean="0"/>
+              <a:rPr lang="en-US"/>
               <a:t>Fifth level</a:t>
             </a:r>
-            <a:endParaRPr lang="en-US"/>
           </a:p>
         </p:txBody>
       </p:sp>
@@ -1317,38 +1322,37 @@
           <a:p>
             <a:pPr lvl="0"/>
             <a:r>
-              <a:rPr lang="en-US" smtClean="0"/>
+              <a:rPr lang="en-US"/>
               <a:t>Click to edit Master text styles</a:t>
             </a:r>
           </a:p>
           <a:p>
             <a:pPr lvl="1"/>
             <a:r>
-              <a:rPr lang="en-US" smtClean="0"/>
+              <a:rPr lang="en-US"/>
               <a:t>Second level</a:t>
             </a:r>
           </a:p>
           <a:p>
             <a:pPr lvl="2"/>
             <a:r>
-              <a:rPr lang="en-US" smtClean="0"/>
+              <a:rPr lang="en-US"/>
               <a:t>Third level</a:t>
             </a:r>
           </a:p>
           <a:p>
             <a:pPr lvl="3"/>
             <a:r>
-              <a:rPr lang="en-US" smtClean="0"/>
+              <a:rPr lang="en-US"/>
               <a:t>Fourth level</a:t>
             </a:r>
           </a:p>
           <a:p>
             <a:pPr lvl="4"/>
             <a:r>
-              <a:rPr lang="en-US" smtClean="0"/>
+              <a:rPr lang="en-US"/>
               <a:t>Fifth level</a:t>
             </a:r>
-            <a:endParaRPr lang="en-US"/>
           </a:p>
         </p:txBody>
       </p:sp>
@@ -1370,7 +1374,7 @@
             <a:fld id="{1D8BD707-D9CF-40AE-B4C6-C98DA3205C09}" type="datetimeFigureOut">
               <a:rPr lang="en-US" smtClean="0"/>
               <a:pPr/>
-              <a:t>8/1/2011</a:t>
+              <a:t>11/8/2024</a:t>
             </a:fld>
             <a:endParaRPr lang="en-US"/>
           </a:p>
@@ -1464,10 +1468,9 @@
           </a:lstStyle>
           <a:p>
             <a:r>
-              <a:rPr lang="en-US" smtClean="0"/>
+              <a:rPr lang="en-US"/>
               <a:t>Click to edit Master title style</a:t>
             </a:r>
-            <a:endParaRPr lang="en-US"/>
           </a:p>
         </p:txBody>
       </p:sp>
@@ -1530,7 +1533,7 @@
           <a:p>
             <a:pPr lvl="0"/>
             <a:r>
-              <a:rPr lang="en-US" smtClean="0"/>
+              <a:rPr lang="en-US"/>
               <a:t>Click to edit Master text styles</a:t>
             </a:r>
           </a:p>
@@ -1586,38 +1589,37 @@
           <a:p>
             <a:pPr lvl="0"/>
             <a:r>
-              <a:rPr lang="en-US" smtClean="0"/>
+              <a:rPr lang="en-US"/>
               <a:t>Click to edit Master text styles</a:t>
             </a:r>
           </a:p>
           <a:p>
             <a:pPr lvl="1"/>
             <a:r>
-              <a:rPr lang="en-US" smtClean="0"/>
+              <a:rPr lang="en-US"/>
               <a:t>Second level</a:t>
             </a:r>
           </a:p>
           <a:p>
             <a:pPr lvl="2"/>
             <a:r>
-              <a:rPr lang="en-US" smtClean="0"/>
+              <a:rPr lang="en-US"/>
               <a:t>Third level</a:t>
             </a:r>
           </a:p>
           <a:p>
             <a:pPr lvl="3"/>
             <a:r>
-              <a:rPr lang="en-US" smtClean="0"/>
+              <a:rPr lang="en-US"/>
               <a:t>Fourth level</a:t>
             </a:r>
           </a:p>
           <a:p>
             <a:pPr lvl="4"/>
             <a:r>
-              <a:rPr lang="en-US" smtClean="0"/>
+              <a:rPr lang="en-US"/>
               <a:t>Fifth level</a:t>
             </a:r>
-            <a:endParaRPr lang="en-US"/>
           </a:p>
         </p:txBody>
       </p:sp>
@@ -1680,7 +1682,7 @@
           <a:p>
             <a:pPr lvl="0"/>
             <a:r>
-              <a:rPr lang="en-US" smtClean="0"/>
+              <a:rPr lang="en-US"/>
               <a:t>Click to edit Master text styles</a:t>
             </a:r>
           </a:p>
@@ -1736,38 +1738,37 @@
           <a:p>
             <a:pPr lvl="0"/>
             <a:r>
-              <a:rPr lang="en-US" smtClean="0"/>
+              <a:rPr lang="en-US"/>
               <a:t>Click to edit Master text styles</a:t>
             </a:r>
           </a:p>
           <a:p>
             <a:pPr lvl="1"/>
             <a:r>
-              <a:rPr lang="en-US" smtClean="0"/>
+              <a:rPr lang="en-US"/>
               <a:t>Second level</a:t>
             </a:r>
           </a:p>
           <a:p>
             <a:pPr lvl="2"/>
             <a:r>
-              <a:rPr lang="en-US" smtClean="0"/>
+              <a:rPr lang="en-US"/>
               <a:t>Third level</a:t>
             </a:r>
           </a:p>
           <a:p>
             <a:pPr lvl="3"/>
             <a:r>
-              <a:rPr lang="en-US" smtClean="0"/>
+              <a:rPr lang="en-US"/>
               <a:t>Fourth level</a:t>
             </a:r>
           </a:p>
           <a:p>
             <a:pPr lvl="4"/>
             <a:r>
-              <a:rPr lang="en-US" smtClean="0"/>
+              <a:rPr lang="en-US"/>
               <a:t>Fifth level</a:t>
             </a:r>
-            <a:endParaRPr lang="en-US"/>
           </a:p>
         </p:txBody>
       </p:sp>
@@ -1789,7 +1790,7 @@
             <a:fld id="{1D8BD707-D9CF-40AE-B4C6-C98DA3205C09}" type="datetimeFigureOut">
               <a:rPr lang="en-US" smtClean="0"/>
               <a:pPr/>
-              <a:t>8/1/2011</a:t>
+              <a:t>11/8/2024</a:t>
             </a:fld>
             <a:endParaRPr lang="en-US"/>
           </a:p>
@@ -1879,10 +1880,9 @@
           <a:lstStyle/>
           <a:p>
             <a:r>
-              <a:rPr lang="en-US" smtClean="0"/>
+              <a:rPr lang="en-US"/>
               <a:t>Click to edit Master title style</a:t>
             </a:r>
-            <a:endParaRPr lang="en-US"/>
           </a:p>
         </p:txBody>
       </p:sp>
@@ -1904,7 +1904,7 @@
             <a:fld id="{1D8BD707-D9CF-40AE-B4C6-C98DA3205C09}" type="datetimeFigureOut">
               <a:rPr lang="en-US" smtClean="0"/>
               <a:pPr/>
-              <a:t>8/1/2011</a:t>
+              <a:t>11/8/2024</a:t>
             </a:fld>
             <a:endParaRPr lang="en-US"/>
           </a:p>
@@ -1996,7 +1996,7 @@
             <a:fld id="{1D8BD707-D9CF-40AE-B4C6-C98DA3205C09}" type="datetimeFigureOut">
               <a:rPr lang="en-US" smtClean="0"/>
               <a:pPr/>
-              <a:t>8/1/2011</a:t>
+              <a:t>11/8/2024</a:t>
             </a:fld>
             <a:endParaRPr lang="en-US"/>
           </a:p>
@@ -2095,10 +2095,9 @@
           </a:lstStyle>
           <a:p>
             <a:r>
-              <a:rPr lang="en-US" smtClean="0"/>
+              <a:rPr lang="en-US"/>
               <a:t>Click to edit Master title style</a:t>
             </a:r>
-            <a:endParaRPr lang="en-US"/>
           </a:p>
         </p:txBody>
       </p:sp>
@@ -2152,38 +2151,37 @@
           <a:p>
             <a:pPr lvl="0"/>
             <a:r>
-              <a:rPr lang="en-US" smtClean="0"/>
+              <a:rPr lang="en-US"/>
               <a:t>Click to edit Master text styles</a:t>
             </a:r>
           </a:p>
           <a:p>
             <a:pPr lvl="1"/>
             <a:r>
-              <a:rPr lang="en-US" smtClean="0"/>
+              <a:rPr lang="en-US"/>
               <a:t>Second level</a:t>
             </a:r>
           </a:p>
           <a:p>
             <a:pPr lvl="2"/>
             <a:r>
-              <a:rPr lang="en-US" smtClean="0"/>
+              <a:rPr lang="en-US"/>
               <a:t>Third level</a:t>
             </a:r>
           </a:p>
           <a:p>
             <a:pPr lvl="3"/>
             <a:r>
-              <a:rPr lang="en-US" smtClean="0"/>
+              <a:rPr lang="en-US"/>
               <a:t>Fourth level</a:t>
             </a:r>
           </a:p>
           <a:p>
             <a:pPr lvl="4"/>
             <a:r>
-              <a:rPr lang="en-US" smtClean="0"/>
+              <a:rPr lang="en-US"/>
               <a:t>Fifth level</a:t>
             </a:r>
-            <a:endParaRPr lang="en-US"/>
           </a:p>
         </p:txBody>
       </p:sp>
@@ -2246,7 +2244,7 @@
           <a:p>
             <a:pPr lvl="0"/>
             <a:r>
-              <a:rPr lang="en-US" smtClean="0"/>
+              <a:rPr lang="en-US"/>
               <a:t>Click to edit Master text styles</a:t>
             </a:r>
           </a:p>
@@ -2270,7 +2268,7 @@
             <a:fld id="{1D8BD707-D9CF-40AE-B4C6-C98DA3205C09}" type="datetimeFigureOut">
               <a:rPr lang="en-US" smtClean="0"/>
               <a:pPr/>
-              <a:t>8/1/2011</a:t>
+              <a:t>11/8/2024</a:t>
             </a:fld>
             <a:endParaRPr lang="en-US"/>
           </a:p>
@@ -2369,10 +2367,9 @@
           </a:lstStyle>
           <a:p>
             <a:r>
-              <a:rPr lang="en-US" smtClean="0"/>
+              <a:rPr lang="en-US"/>
               <a:t>Click to edit Master title style</a:t>
             </a:r>
-            <a:endParaRPr lang="en-US"/>
           </a:p>
         </p:txBody>
       </p:sp>
@@ -2496,7 +2493,7 @@
           <a:p>
             <a:pPr lvl="0"/>
             <a:r>
-              <a:rPr lang="en-US" smtClean="0"/>
+              <a:rPr lang="en-US"/>
               <a:t>Click to edit Master text styles</a:t>
             </a:r>
           </a:p>
@@ -2520,7 +2517,7 @@
             <a:fld id="{1D8BD707-D9CF-40AE-B4C6-C98DA3205C09}" type="datetimeFigureOut">
               <a:rPr lang="en-US" smtClean="0"/>
               <a:pPr/>
-              <a:t>8/1/2011</a:t>
+              <a:t>11/8/2024</a:t>
             </a:fld>
             <a:endParaRPr lang="en-US"/>
           </a:p>
@@ -2625,10 +2622,9 @@
           <a:lstStyle/>
           <a:p>
             <a:r>
-              <a:rPr lang="en-US" smtClean="0"/>
+              <a:rPr lang="en-US"/>
               <a:t>Click to edit Master title style</a:t>
             </a:r>
-            <a:endParaRPr lang="en-US"/>
           </a:p>
         </p:txBody>
       </p:sp>
@@ -2659,38 +2655,37 @@
           <a:p>
             <a:pPr lvl="0"/>
             <a:r>
-              <a:rPr lang="en-US" smtClean="0"/>
+              <a:rPr lang="en-US"/>
               <a:t>Click to edit Master text styles</a:t>
             </a:r>
           </a:p>
           <a:p>
             <a:pPr lvl="1"/>
             <a:r>
-              <a:rPr lang="en-US" smtClean="0"/>
+              <a:rPr lang="en-US"/>
               <a:t>Second level</a:t>
             </a:r>
           </a:p>
           <a:p>
             <a:pPr lvl="2"/>
             <a:r>
-              <a:rPr lang="en-US" smtClean="0"/>
+              <a:rPr lang="en-US"/>
               <a:t>Third level</a:t>
             </a:r>
           </a:p>
           <a:p>
             <a:pPr lvl="3"/>
             <a:r>
-              <a:rPr lang="en-US" smtClean="0"/>
+              <a:rPr lang="en-US"/>
               <a:t>Fourth level</a:t>
             </a:r>
           </a:p>
           <a:p>
             <a:pPr lvl="4"/>
             <a:r>
-              <a:rPr lang="en-US" smtClean="0"/>
+              <a:rPr lang="en-US"/>
               <a:t>Fifth level</a:t>
             </a:r>
-            <a:endParaRPr lang="en-US"/>
           </a:p>
         </p:txBody>
       </p:sp>
@@ -2730,7 +2725,7 @@
             <a:fld id="{1D8BD707-D9CF-40AE-B4C6-C98DA3205C09}" type="datetimeFigureOut">
               <a:rPr lang="en-US" smtClean="0"/>
               <a:pPr/>
-              <a:t>8/1/2011</a:t>
+              <a:t>11/8/2024</a:t>
             </a:fld>
             <a:endParaRPr lang="en-US"/>
           </a:p>
@@ -3085,13 +3080,14 @@
 </file>
 
 <file path=ppt/slides/slide1.xml><?xml version="1.0" encoding="utf-8"?>
-<p:sld xmlns:p="http://schemas.openxmlformats.org/presentationml/2006/main" xmlns:a="http://schemas.openxmlformats.org/drawingml/2006/main" xmlns:r="http://schemas.openxmlformats.org/officeDocument/2006/relationships">
+<p:sld xmlns:a="http://schemas.openxmlformats.org/drawingml/2006/main" xmlns:r="http://schemas.openxmlformats.org/officeDocument/2006/relationships" xmlns:p="http://schemas.openxmlformats.org/presentationml/2006/main">
   <p:cSld>
     <p:bg>
       <p:bgPr>
         <a:solidFill>
           <a:srgbClr val="F5F2E0"/>
         </a:solidFill>
+        <a:effectLst/>
       </p:bgPr>
     </p:bg>
     <p:spTree>
@@ -3110,12 +3106,12 @@
       </p:grpSpPr>
       <p:sp>
         <p:nvSpPr>
-          <p:cNvPr name="AutoShape 2" id="2"/>
+          <p:cNvPr id="2" name="AutoShape 2"/>
           <p:cNvSpPr/>
           <p:nvPr/>
         </p:nvSpPr>
         <p:spPr>
-          <a:xfrm rot="0">
+          <a:xfrm>
             <a:off x="0" y="8102791"/>
             <a:ext cx="18288000" cy="2174684"/>
           </a:xfrm>
@@ -3126,15 +3122,22 @@
             <a:srgbClr val="FFFFFF"/>
           </a:solidFill>
         </p:spPr>
+        <p:txBody>
+          <a:bodyPr/>
+          <a:lstStyle/>
+          <a:p>
+            <a:endParaRPr lang="vi-VN"/>
+          </a:p>
+        </p:txBody>
       </p:sp>
       <p:grpSp>
         <p:nvGrpSpPr>
-          <p:cNvPr name="Group 3" id="3"/>
+          <p:cNvPr id="3" name="Group 3"/>
           <p:cNvGrpSpPr/>
           <p:nvPr/>
         </p:nvGrpSpPr>
         <p:grpSpPr>
-          <a:xfrm rot="0">
+          <a:xfrm>
             <a:off x="7018826" y="8121841"/>
             <a:ext cx="2966001" cy="605955"/>
             <a:chOff x="0" y="0"/>
@@ -3143,12 +3146,12 @@
         </p:grpSpPr>
         <p:sp>
           <p:nvSpPr>
-            <p:cNvPr name="Freeform 4" id="4"/>
+            <p:cNvPr id="4" name="Freeform 4"/>
             <p:cNvSpPr/>
             <p:nvPr/>
           </p:nvSpPr>
           <p:spPr>
-            <a:xfrm flipH="false" flipV="false" rot="0">
+            <a:xfrm>
               <a:off x="0" y="0"/>
               <a:ext cx="690421" cy="807940"/>
             </a:xfrm>
@@ -3157,9 +3160,9 @@
               <a:gdLst/>
               <a:ahLst/>
               <a:cxnLst/>
-              <a:rect r="r" b="b" t="t" l="l"/>
+              <a:rect l="l" t="t" r="r" b="b"/>
               <a:pathLst>
-                <a:path h="807940" w="690421">
+                <a:path w="690421" h="807940">
                   <a:moveTo>
                     <a:pt x="0" y="0"/>
                   </a:moveTo>
@@ -3188,19 +3191,26 @@
                 </a:extLst>
               </a:blip>
               <a:stretch>
-                <a:fillRect l="0" t="0" r="0" b="0"/>
+                <a:fillRect/>
               </a:stretch>
             </a:blipFill>
           </p:spPr>
+          <p:txBody>
+            <a:bodyPr/>
+            <a:lstStyle/>
+            <a:p>
+              <a:endParaRPr lang="vi-VN"/>
+            </a:p>
+          </p:txBody>
         </p:sp>
         <p:sp>
           <p:nvSpPr>
-            <p:cNvPr name="TextBox 5" id="5"/>
-            <p:cNvSpPr txBox="true"/>
+            <p:cNvPr id="5" name="TextBox 5"/>
+            <p:cNvSpPr txBox="1"/>
             <p:nvPr/>
           </p:nvSpPr>
           <p:spPr>
-            <a:xfrm rot="0">
+            <a:xfrm>
               <a:off x="922300" y="89498"/>
               <a:ext cx="3032368" cy="619419"/>
             </a:xfrm>
@@ -3209,7 +3219,7 @@
             </a:prstGeom>
           </p:spPr>
           <p:txBody>
-            <a:bodyPr anchor="t" rtlCol="false" tIns="0" lIns="0" bIns="0" rIns="0">
+            <a:bodyPr lIns="0" tIns="0" rIns="0" bIns="0" rtlCol="0" anchor="t">
               <a:spAutoFit/>
             </a:bodyPr>
             <a:lstStyle/>
@@ -3237,7 +3247,7 @@
       </p:grpSp>
       <p:sp>
         <p:nvSpPr>
-          <p:cNvPr name="AutoShape 6" id="6"/>
+          <p:cNvPr id="6" name="AutoShape 6"/>
           <p:cNvSpPr/>
           <p:nvPr/>
         </p:nvSpPr>
@@ -3249,24 +3259,31 @@
           <a:prstGeom prst="line">
             <a:avLst/>
           </a:prstGeom>
-          <a:ln cap="flat" w="19050">
+          <a:ln w="19050" cap="flat">
             <a:solidFill>
               <a:srgbClr val="A6CD70"/>
             </a:solidFill>
             <a:prstDash val="solid"/>
-            <a:headEnd type="none" len="sm" w="sm"/>
-            <a:tailEnd type="none" len="sm" w="sm"/>
+            <a:headEnd type="none" w="sm" len="sm"/>
+            <a:tailEnd type="none" w="sm" len="sm"/>
           </a:ln>
         </p:spPr>
-      </p:sp>
-      <p:sp>
-        <p:nvSpPr>
-          <p:cNvPr name="Freeform 7" id="7"/>
+        <p:txBody>
+          <a:bodyPr/>
+          <a:lstStyle/>
+          <a:p>
+            <a:endParaRPr lang="vi-VN"/>
+          </a:p>
+        </p:txBody>
+      </p:sp>
+      <p:sp>
+        <p:nvSpPr>
+          <p:cNvPr id="7" name="Freeform 7"/>
           <p:cNvSpPr/>
           <p:nvPr/>
         </p:nvSpPr>
         <p:spPr>
-          <a:xfrm flipH="false" flipV="false" rot="-8952039">
+          <a:xfrm rot="-8952039">
             <a:off x="8150637" y="-1554803"/>
             <a:ext cx="3668381" cy="3448278"/>
           </a:xfrm>
@@ -3275,9 +3292,9 @@
             <a:gdLst/>
             <a:ahLst/>
             <a:cxnLst/>
-            <a:rect r="r" b="b" t="t" l="l"/>
+            <a:rect l="l" t="t" r="r" b="b"/>
             <a:pathLst>
-              <a:path h="3448278" w="3668381">
+              <a:path w="3668381" h="3448278">
                 <a:moveTo>
                   <a:pt x="0" y="0"/>
                 </a:moveTo>
@@ -3306,19 +3323,26 @@
               </a:extLst>
             </a:blip>
             <a:stretch>
-              <a:fillRect l="0" t="0" r="0" b="0"/>
+              <a:fillRect/>
             </a:stretch>
           </a:blipFill>
         </p:spPr>
-      </p:sp>
-      <p:sp>
-        <p:nvSpPr>
-          <p:cNvPr name="Freeform 8" id="8"/>
+        <p:txBody>
+          <a:bodyPr/>
+          <a:lstStyle/>
+          <a:p>
+            <a:endParaRPr lang="vi-VN"/>
+          </a:p>
+        </p:txBody>
+      </p:sp>
+      <p:sp>
+        <p:nvSpPr>
+          <p:cNvPr id="8" name="Freeform 8"/>
           <p:cNvSpPr/>
           <p:nvPr/>
         </p:nvSpPr>
         <p:spPr>
-          <a:xfrm flipH="false" flipV="false" rot="-5491021">
+          <a:xfrm rot="-5491021">
             <a:off x="3285683" y="4814882"/>
             <a:ext cx="597650" cy="2858325"/>
           </a:xfrm>
@@ -3327,9 +3351,9 @@
             <a:gdLst/>
             <a:ahLst/>
             <a:cxnLst/>
-            <a:rect r="r" b="b" t="t" l="l"/>
+            <a:rect l="l" t="t" r="r" b="b"/>
             <a:pathLst>
-              <a:path h="2858325" w="597650">
+              <a:path w="597650" h="2858325">
                 <a:moveTo>
                   <a:pt x="0" y="0"/>
                 </a:moveTo>
@@ -3358,19 +3382,26 @@
               </a:extLst>
             </a:blip>
             <a:stretch>
-              <a:fillRect l="0" t="0" r="0" b="0"/>
+              <a:fillRect/>
             </a:stretch>
           </a:blipFill>
         </p:spPr>
-      </p:sp>
-      <p:sp>
-        <p:nvSpPr>
-          <p:cNvPr name="Freeform 9" id="9"/>
+        <p:txBody>
+          <a:bodyPr/>
+          <a:lstStyle/>
+          <a:p>
+            <a:endParaRPr lang="vi-VN"/>
+          </a:p>
+        </p:txBody>
+      </p:sp>
+      <p:sp>
+        <p:nvSpPr>
+          <p:cNvPr id="9" name="Freeform 9"/>
           <p:cNvSpPr/>
           <p:nvPr/>
         </p:nvSpPr>
         <p:spPr>
-          <a:xfrm flipH="false" flipV="false" rot="0">
+          <a:xfrm>
             <a:off x="14477629" y="9559925"/>
             <a:ext cx="808585" cy="563070"/>
           </a:xfrm>
@@ -3379,9 +3410,9 @@
             <a:gdLst/>
             <a:ahLst/>
             <a:cxnLst/>
-            <a:rect r="r" b="b" t="t" l="l"/>
+            <a:rect l="l" t="t" r="r" b="b"/>
             <a:pathLst>
-              <a:path h="563070" w="808585">
+              <a:path w="808585" h="563070">
                 <a:moveTo>
                   <a:pt x="0" y="0"/>
                 </a:moveTo>
@@ -3410,19 +3441,26 @@
               </a:extLst>
             </a:blip>
             <a:stretch>
-              <a:fillRect l="0" t="0" r="0" b="0"/>
+              <a:fillRect/>
             </a:stretch>
           </a:blipFill>
         </p:spPr>
-      </p:sp>
-      <p:sp>
-        <p:nvSpPr>
-          <p:cNvPr name="Freeform 10" id="10"/>
+        <p:txBody>
+          <a:bodyPr/>
+          <a:lstStyle/>
+          <a:p>
+            <a:endParaRPr lang="vi-VN"/>
+          </a:p>
+        </p:txBody>
+      </p:sp>
+      <p:sp>
+        <p:nvSpPr>
+          <p:cNvPr id="10" name="Freeform 10"/>
           <p:cNvSpPr/>
           <p:nvPr/>
         </p:nvSpPr>
         <p:spPr>
-          <a:xfrm flipH="false" flipV="false" rot="0">
+          <a:xfrm>
             <a:off x="0" y="8102791"/>
             <a:ext cx="2174684" cy="2174684"/>
           </a:xfrm>
@@ -3431,9 +3469,9 @@
             <a:gdLst/>
             <a:ahLst/>
             <a:cxnLst/>
-            <a:rect r="r" b="b" t="t" l="l"/>
+            <a:rect l="l" t="t" r="r" b="b"/>
             <a:pathLst>
-              <a:path h="2174684" w="2174684">
+              <a:path w="2174684" h="2174684">
                 <a:moveTo>
                   <a:pt x="0" y="0"/>
                 </a:moveTo>
@@ -3456,19 +3494,26 @@
           <a:blipFill>
             <a:blip r:embed="rId10"/>
             <a:stretch>
-              <a:fillRect l="0" t="0" r="0" b="0"/>
+              <a:fillRect/>
             </a:stretch>
           </a:blipFill>
         </p:spPr>
-      </p:sp>
-      <p:sp>
-        <p:nvSpPr>
-          <p:cNvPr name="TextBox 11" id="11"/>
-          <p:cNvSpPr txBox="true"/>
-          <p:nvPr/>
-        </p:nvSpPr>
-        <p:spPr>
-          <a:xfrm rot="0">
+        <p:txBody>
+          <a:bodyPr/>
+          <a:lstStyle/>
+          <a:p>
+            <a:endParaRPr lang="vi-VN"/>
+          </a:p>
+        </p:txBody>
+      </p:sp>
+      <p:sp>
+        <p:nvSpPr>
+          <p:cNvPr id="11" name="TextBox 11"/>
+          <p:cNvSpPr txBox="1"/>
+          <p:nvPr/>
+        </p:nvSpPr>
+        <p:spPr>
+          <a:xfrm>
             <a:off x="1028700" y="3142069"/>
             <a:ext cx="12889555" cy="3101975"/>
           </a:xfrm>
@@ -3477,7 +3522,7 @@
           </a:prstGeom>
         </p:spPr>
         <p:txBody>
-          <a:bodyPr anchor="t" rtlCol="false" tIns="0" lIns="0" bIns="0" rIns="0">
+          <a:bodyPr lIns="0" tIns="0" rIns="0" bIns="0" rtlCol="0" anchor="t">
             <a:spAutoFit/>
           </a:bodyPr>
           <a:lstStyle/>
@@ -3488,7 +3533,7 @@
               </a:lnSpc>
             </a:pPr>
             <a:r>
-              <a:rPr lang="en-US" sz="11000" b="true">
+              <a:rPr lang="en-US" sz="11000" b="1">
                 <a:solidFill>
                   <a:srgbClr val="2E2E2E"/>
                 </a:solidFill>
@@ -3504,12 +3549,12 @@
       </p:sp>
       <p:grpSp>
         <p:nvGrpSpPr>
-          <p:cNvPr name="Group 12" id="12"/>
+          <p:cNvPr id="12" name="Group 12"/>
           <p:cNvGrpSpPr/>
           <p:nvPr/>
         </p:nvGrpSpPr>
         <p:grpSpPr>
-          <a:xfrm rot="0">
+          <a:xfrm>
             <a:off x="9673275" y="8267642"/>
             <a:ext cx="7007825" cy="1573818"/>
             <a:chOff x="0" y="0"/>
@@ -3518,12 +3563,12 @@
         </p:grpSpPr>
         <p:sp>
           <p:nvSpPr>
-            <p:cNvPr name="TextBox 13" id="13"/>
-            <p:cNvSpPr txBox="true"/>
+            <p:cNvPr id="13" name="TextBox 13"/>
+            <p:cNvSpPr txBox="1"/>
             <p:nvPr/>
           </p:nvSpPr>
           <p:spPr>
-            <a:xfrm rot="0">
+            <a:xfrm>
               <a:off x="0" y="11"/>
               <a:ext cx="9343767" cy="584200"/>
             </a:xfrm>
@@ -3532,12 +3577,12 @@
             </a:prstGeom>
           </p:spPr>
           <p:txBody>
-            <a:bodyPr anchor="t" rtlCol="false" tIns="0" lIns="0" bIns="0" rIns="0">
+            <a:bodyPr lIns="0" tIns="0" rIns="0" bIns="0" rtlCol="0" anchor="t">
               <a:spAutoFit/>
             </a:bodyPr>
             <a:lstStyle/>
             <a:p>
-              <a:pPr algn="l" marL="0" indent="0" lvl="0">
+              <a:pPr marL="0" lvl="0" indent="0" algn="l">
                 <a:lnSpc>
                   <a:spcPts val="3480"/>
                 </a:lnSpc>
@@ -3546,7 +3591,7 @@
                 </a:spcBef>
               </a:pPr>
               <a:r>
-                <a:rPr lang="en-US" b="true" sz="2900">
+                <a:rPr lang="en-US" sz="2900" b="1">
                   <a:solidFill>
                     <a:srgbClr val="2E2E2E"/>
                   </a:solidFill>
@@ -3562,12 +3607,12 @@
         </p:sp>
         <p:sp>
           <p:nvSpPr>
-            <p:cNvPr name="TextBox 14" id="14"/>
-            <p:cNvSpPr txBox="true"/>
+            <p:cNvPr id="14" name="TextBox 14"/>
+            <p:cNvSpPr txBox="1"/>
             <p:nvPr/>
           </p:nvSpPr>
           <p:spPr>
-            <a:xfrm rot="0">
+            <a:xfrm>
               <a:off x="0" y="798779"/>
               <a:ext cx="9343767" cy="1283124"/>
             </a:xfrm>
@@ -3576,7 +3621,7 @@
             </a:prstGeom>
           </p:spPr>
           <p:txBody>
-            <a:bodyPr anchor="t" rtlCol="false" tIns="0" lIns="0" bIns="0" rIns="0">
+            <a:bodyPr lIns="0" tIns="0" rIns="0" bIns="0" rtlCol="0" anchor="t">
               <a:spAutoFit/>
             </a:bodyPr>
             <a:lstStyle/>
@@ -3596,11 +3641,11 @@
                   <a:cs typeface="Cabin"/>
                   <a:sym typeface="Cabin"/>
                 </a:rPr>
-                <a:t>Nguyễn Đình Lực-1822041377</a:t>
+                <a:t>Nguyễn Đình Lực-1822041377 (code app)</a:t>
               </a:r>
             </a:p>
             <a:p>
-              <a:pPr algn="l" marL="0" indent="0" lvl="0">
+              <a:pPr marL="0" lvl="0" indent="0" algn="l">
                 <a:lnSpc>
                   <a:spcPts val="3919"/>
                 </a:lnSpc>
@@ -3618,7 +3663,7 @@
                   <a:cs typeface="Cabin"/>
                   <a:sym typeface="Cabin"/>
                 </a:rPr>
-                <a:t>Phạm Khánh Duy-1822041255</a:t>
+                <a:t>Phạm Khánh Duy-1822041255 (ppt,word,csdl)</a:t>
               </a:r>
             </a:p>
           </p:txBody>
@@ -3626,12 +3671,12 @@
       </p:grpSp>
       <p:sp>
         <p:nvSpPr>
-          <p:cNvPr name="TextBox 15" id="15"/>
-          <p:cNvSpPr txBox="true"/>
-          <p:nvPr/>
-        </p:nvSpPr>
-        <p:spPr>
-          <a:xfrm rot="0">
+          <p:cNvPr id="15" name="TextBox 15"/>
+          <p:cNvSpPr txBox="1"/>
+          <p:nvPr/>
+        </p:nvSpPr>
+        <p:spPr>
+          <a:xfrm>
             <a:off x="17259300" y="9220200"/>
             <a:ext cx="152400" cy="190500"/>
           </a:xfrm>
@@ -3640,7 +3685,7 @@
           </a:prstGeom>
         </p:spPr>
         <p:txBody>
-          <a:bodyPr anchor="t" rtlCol="false" tIns="0" lIns="0" bIns="0" rIns="0" wrap="none">
+          <a:bodyPr wrap="none" lIns="0" tIns="0" rIns="0" bIns="0" rtlCol="0" anchor="t">
             <a:spAutoFit/>
           </a:bodyPr>
           <a:lstStyle/>
@@ -3677,13 +3722,14 @@
 </file>
 
 <file path=ppt/slides/slide10.xml><?xml version="1.0" encoding="utf-8"?>
-<p:sld xmlns:p="http://schemas.openxmlformats.org/presentationml/2006/main" xmlns:a="http://schemas.openxmlformats.org/drawingml/2006/main" xmlns:r="http://schemas.openxmlformats.org/officeDocument/2006/relationships">
+<p:sld xmlns:a="http://schemas.openxmlformats.org/drawingml/2006/main" xmlns:r="http://schemas.openxmlformats.org/officeDocument/2006/relationships" xmlns:p="http://schemas.openxmlformats.org/presentationml/2006/main">
   <p:cSld>
     <p:bg>
       <p:bgPr>
         <a:solidFill>
           <a:srgbClr val="A6CD70"/>
         </a:solidFill>
+        <a:effectLst/>
       </p:bgPr>
     </p:bg>
     <p:spTree>
@@ -3702,12 +3748,12 @@
       </p:grpSpPr>
       <p:sp>
         <p:nvSpPr>
-          <p:cNvPr name="Freeform 2" id="2"/>
+          <p:cNvPr id="2" name="Freeform 2"/>
           <p:cNvSpPr/>
           <p:nvPr/>
         </p:nvSpPr>
         <p:spPr>
-          <a:xfrm flipH="false" flipV="false" rot="-5589959">
+          <a:xfrm rot="-5589959">
             <a:off x="1891045" y="5898401"/>
             <a:ext cx="453097" cy="3611641"/>
           </a:xfrm>
@@ -3716,9 +3762,9 @@
             <a:gdLst/>
             <a:ahLst/>
             <a:cxnLst/>
-            <a:rect r="r" b="b" t="t" l="l"/>
+            <a:rect l="l" t="t" r="r" b="b"/>
             <a:pathLst>
-              <a:path h="3611641" w="453097">
+              <a:path w="453097" h="3611641">
                 <a:moveTo>
                   <a:pt x="0" y="0"/>
                 </a:moveTo>
@@ -3747,19 +3793,26 @@
               </a:extLst>
             </a:blip>
             <a:stretch>
-              <a:fillRect l="0" t="0" r="0" b="0"/>
+              <a:fillRect/>
             </a:stretch>
           </a:blipFill>
         </p:spPr>
-      </p:sp>
-      <p:sp>
-        <p:nvSpPr>
-          <p:cNvPr name="Freeform 3" id="3"/>
+        <p:txBody>
+          <a:bodyPr/>
+          <a:lstStyle/>
+          <a:p>
+            <a:endParaRPr lang="vi-VN"/>
+          </a:p>
+        </p:txBody>
+      </p:sp>
+      <p:sp>
+        <p:nvSpPr>
+          <p:cNvPr id="3" name="Freeform 3"/>
           <p:cNvSpPr/>
           <p:nvPr/>
         </p:nvSpPr>
         <p:spPr>
-          <a:xfrm flipH="false" flipV="false" rot="0">
+          <a:xfrm>
             <a:off x="13310727" y="-2115057"/>
             <a:ext cx="3400271" cy="4758649"/>
           </a:xfrm>
@@ -3768,9 +3821,9 @@
             <a:gdLst/>
             <a:ahLst/>
             <a:cxnLst/>
-            <a:rect r="r" b="b" t="t" l="l"/>
+            <a:rect l="l" t="t" r="r" b="b"/>
             <a:pathLst>
-              <a:path h="4758649" w="3400271">
+              <a:path w="3400271" h="4758649">
                 <a:moveTo>
                   <a:pt x="0" y="0"/>
                 </a:moveTo>
@@ -3799,19 +3852,26 @@
               </a:extLst>
             </a:blip>
             <a:stretch>
-              <a:fillRect l="0" t="0" r="0" b="0"/>
+              <a:fillRect/>
             </a:stretch>
           </a:blipFill>
         </p:spPr>
-      </p:sp>
-      <p:sp>
-        <p:nvSpPr>
-          <p:cNvPr name="Freeform 4" id="4"/>
+        <p:txBody>
+          <a:bodyPr/>
+          <a:lstStyle/>
+          <a:p>
+            <a:endParaRPr lang="vi-VN"/>
+          </a:p>
+        </p:txBody>
+      </p:sp>
+      <p:sp>
+        <p:nvSpPr>
+          <p:cNvPr id="4" name="Freeform 4"/>
           <p:cNvSpPr/>
           <p:nvPr/>
         </p:nvSpPr>
         <p:spPr>
-          <a:xfrm flipH="false" flipV="false" rot="0">
+          <a:xfrm>
             <a:off x="10314799" y="2305343"/>
             <a:ext cx="7129167" cy="6952957"/>
           </a:xfrm>
@@ -3820,9 +3880,9 @@
             <a:gdLst/>
             <a:ahLst/>
             <a:cxnLst/>
-            <a:rect r="r" b="b" t="t" l="l"/>
+            <a:rect l="l" t="t" r="r" b="b"/>
             <a:pathLst>
-              <a:path h="6952957" w="7129167">
+              <a:path w="7129167" h="6952957">
                 <a:moveTo>
                   <a:pt x="0" y="0"/>
                 </a:moveTo>
@@ -3845,19 +3905,26 @@
           <a:blipFill>
             <a:blip r:embed="rId6"/>
             <a:stretch>
-              <a:fillRect l="-71127" t="-16495" r="-66191" b="0"/>
+              <a:fillRect l="-71127" t="-16495" r="-66191"/>
             </a:stretch>
           </a:blipFill>
         </p:spPr>
-      </p:sp>
-      <p:sp>
-        <p:nvSpPr>
-          <p:cNvPr name="TextBox 5" id="5"/>
-          <p:cNvSpPr txBox="true"/>
-          <p:nvPr/>
-        </p:nvSpPr>
-        <p:spPr>
-          <a:xfrm rot="0">
+        <p:txBody>
+          <a:bodyPr/>
+          <a:lstStyle/>
+          <a:p>
+            <a:endParaRPr lang="vi-VN"/>
+          </a:p>
+        </p:txBody>
+      </p:sp>
+      <p:sp>
+        <p:nvSpPr>
+          <p:cNvPr id="5" name="TextBox 5"/>
+          <p:cNvSpPr txBox="1"/>
+          <p:nvPr/>
+        </p:nvSpPr>
+        <p:spPr>
+          <a:xfrm>
             <a:off x="470659" y="523875"/>
             <a:ext cx="13616015" cy="1076325"/>
           </a:xfrm>
@@ -3866,7 +3933,7 @@
           </a:prstGeom>
         </p:spPr>
         <p:txBody>
-          <a:bodyPr anchor="t" rtlCol="false" tIns="0" lIns="0" bIns="0" rIns="0">
+          <a:bodyPr lIns="0" tIns="0" rIns="0" bIns="0" rtlCol="0" anchor="t">
             <a:spAutoFit/>
           </a:bodyPr>
           <a:lstStyle/>
@@ -3877,7 +3944,7 @@
               </a:lnSpc>
             </a:pPr>
             <a:r>
-              <a:rPr lang="en-US" sz="7500" b="true">
+              <a:rPr lang="en-US" sz="7500" b="1">
                 <a:solidFill>
                   <a:srgbClr val="2E2E2E"/>
                 </a:solidFill>
@@ -3893,12 +3960,12 @@
       </p:sp>
       <p:sp>
         <p:nvSpPr>
-          <p:cNvPr name="TextBox 6" id="6"/>
-          <p:cNvSpPr txBox="true"/>
-          <p:nvPr/>
-        </p:nvSpPr>
-        <p:spPr>
-          <a:xfrm rot="0">
+          <p:cNvPr id="6" name="TextBox 6"/>
+          <p:cNvSpPr txBox="1"/>
+          <p:nvPr/>
+        </p:nvSpPr>
+        <p:spPr>
+          <a:xfrm>
             <a:off x="470659" y="2253127"/>
             <a:ext cx="7744580" cy="3724275"/>
           </a:xfrm>
@@ -3907,7 +3974,7 @@
           </a:prstGeom>
         </p:spPr>
         <p:txBody>
-          <a:bodyPr anchor="t" rtlCol="false" tIns="0" lIns="0" bIns="0" rIns="0">
+          <a:bodyPr lIns="0" tIns="0" rIns="0" bIns="0" rtlCol="0" anchor="t">
             <a:spAutoFit/>
           </a:bodyPr>
           <a:lstStyle/>
@@ -3917,9 +3984,10 @@
                 <a:spcPts val="4200"/>
               </a:lnSpc>
             </a:pPr>
-          </a:p>
-          <a:p>
-            <a:pPr algn="l" marL="647700" indent="-323850" lvl="1">
+            <a:endParaRPr/>
+          </a:p>
+          <a:p>
+            <a:pPr marL="647700" lvl="1" indent="-323850" algn="l">
               <a:lnSpc>
                 <a:spcPts val="4200"/>
               </a:lnSpc>
@@ -3927,7 +3995,7 @@
               <a:buChar char="•"/>
             </a:pPr>
             <a:r>
-              <a:rPr lang="en-US" b="true" sz="3000">
+              <a:rPr lang="en-US" sz="3000" b="1">
                 <a:solidFill>
                   <a:srgbClr val="2E2E2E"/>
                 </a:solidFill>
@@ -3940,7 +4008,7 @@
             </a:r>
           </a:p>
           <a:p>
-            <a:pPr algn="l" marL="647700" indent="-323850" lvl="1">
+            <a:pPr marL="647700" lvl="1" indent="-323850" algn="l">
               <a:lnSpc>
                 <a:spcPts val="4200"/>
               </a:lnSpc>
@@ -3948,7 +4016,7 @@
               <a:buChar char="•"/>
             </a:pPr>
             <a:r>
-              <a:rPr lang="en-US" b="true" sz="3000">
+              <a:rPr lang="en-US" sz="3000" b="1">
                 <a:solidFill>
                   <a:srgbClr val="2E2E2E"/>
                 </a:solidFill>
@@ -3966,6 +4034,15 @@
                 <a:spcPts val="4200"/>
               </a:lnSpc>
             </a:pPr>
+            <a:endParaRPr lang="en-US" sz="3000" b="1">
+              <a:solidFill>
+                <a:srgbClr val="2E2E2E"/>
+              </a:solidFill>
+              <a:latin typeface="Cabin Bold"/>
+              <a:ea typeface="Cabin Bold"/>
+              <a:cs typeface="Cabin Bold"/>
+              <a:sym typeface="Cabin Bold"/>
+            </a:endParaRPr>
           </a:p>
           <a:p>
             <a:pPr algn="l">
@@ -3973,17 +4050,26 @@
                 <a:spcPts val="4200"/>
               </a:lnSpc>
             </a:pPr>
-          </a:p>
-        </p:txBody>
-      </p:sp>
-      <p:sp>
-        <p:nvSpPr>
-          <p:cNvPr name="TextBox 7" id="7"/>
-          <p:cNvSpPr txBox="true"/>
-          <p:nvPr/>
-        </p:nvSpPr>
-        <p:spPr>
-          <a:xfrm rot="0">
+            <a:endParaRPr lang="en-US" sz="3000" b="1">
+              <a:solidFill>
+                <a:srgbClr val="2E2E2E"/>
+              </a:solidFill>
+              <a:latin typeface="Cabin Bold"/>
+              <a:ea typeface="Cabin Bold"/>
+              <a:cs typeface="Cabin Bold"/>
+              <a:sym typeface="Cabin Bold"/>
+            </a:endParaRPr>
+          </a:p>
+        </p:txBody>
+      </p:sp>
+      <p:sp>
+        <p:nvSpPr>
+          <p:cNvPr id="7" name="TextBox 7"/>
+          <p:cNvSpPr txBox="1"/>
+          <p:nvPr/>
+        </p:nvSpPr>
+        <p:spPr>
+          <a:xfrm>
             <a:off x="17259300" y="9201150"/>
             <a:ext cx="152400" cy="209550"/>
           </a:xfrm>
@@ -3992,7 +4078,7 @@
           </a:prstGeom>
         </p:spPr>
         <p:txBody>
-          <a:bodyPr anchor="t" rtlCol="false" tIns="0" lIns="0" bIns="0" rIns="0" wrap="none">
+          <a:bodyPr wrap="none" lIns="0" tIns="0" rIns="0" bIns="0" rtlCol="0" anchor="t">
             <a:spAutoFit/>
           </a:bodyPr>
           <a:lstStyle/>
@@ -4022,12 +4108,12 @@
       </p:sp>
       <p:sp>
         <p:nvSpPr>
-          <p:cNvPr name="Freeform 8" id="8"/>
+          <p:cNvPr id="8" name="Freeform 8"/>
           <p:cNvSpPr/>
           <p:nvPr/>
         </p:nvSpPr>
         <p:spPr>
-          <a:xfrm flipH="false" flipV="false" rot="0">
+          <a:xfrm>
             <a:off x="470659" y="5781822"/>
             <a:ext cx="9484632" cy="3464842"/>
           </a:xfrm>
@@ -4036,9 +4122,9 @@
             <a:gdLst/>
             <a:ahLst/>
             <a:cxnLst/>
-            <a:rect r="r" b="b" t="t" l="l"/>
+            <a:rect l="l" t="t" r="r" b="b"/>
             <a:pathLst>
-              <a:path h="3464842" w="9484632">
+              <a:path w="9484632" h="3464842">
                 <a:moveTo>
                   <a:pt x="0" y="0"/>
                 </a:moveTo>
@@ -4061,10 +4147,17 @@
           <a:blipFill>
             <a:blip r:embed="rId7"/>
             <a:stretch>
-              <a:fillRect l="-7874" t="0" r="0" b="0"/>
+              <a:fillRect l="-7874"/>
             </a:stretch>
           </a:blipFill>
         </p:spPr>
+        <p:txBody>
+          <a:bodyPr/>
+          <a:lstStyle/>
+          <a:p>
+            <a:endParaRPr lang="vi-VN"/>
+          </a:p>
+        </p:txBody>
       </p:sp>
     </p:spTree>
   </p:cSld>
@@ -4075,13 +4168,14 @@
 </file>
 
 <file path=ppt/slides/slide11.xml><?xml version="1.0" encoding="utf-8"?>
-<p:sld xmlns:p="http://schemas.openxmlformats.org/presentationml/2006/main" xmlns:a="http://schemas.openxmlformats.org/drawingml/2006/main" xmlns:r="http://schemas.openxmlformats.org/officeDocument/2006/relationships">
+<p:sld xmlns:a="http://schemas.openxmlformats.org/drawingml/2006/main" xmlns:r="http://schemas.openxmlformats.org/officeDocument/2006/relationships" xmlns:p="http://schemas.openxmlformats.org/presentationml/2006/main">
   <p:cSld>
     <p:bg>
       <p:bgPr>
         <a:solidFill>
           <a:srgbClr val="A6CD70"/>
         </a:solidFill>
+        <a:effectLst/>
       </p:bgPr>
     </p:bg>
     <p:spTree>
@@ -4100,12 +4194,12 @@
       </p:grpSpPr>
       <p:sp>
         <p:nvSpPr>
-          <p:cNvPr name="Freeform 2" id="2"/>
+          <p:cNvPr id="2" name="Freeform 2"/>
           <p:cNvSpPr/>
           <p:nvPr/>
         </p:nvSpPr>
         <p:spPr>
-          <a:xfrm flipH="false" flipV="false" rot="0">
+          <a:xfrm>
             <a:off x="12656734" y="4298255"/>
             <a:ext cx="2220821" cy="2115837"/>
           </a:xfrm>
@@ -4114,9 +4208,9 @@
             <a:gdLst/>
             <a:ahLst/>
             <a:cxnLst/>
-            <a:rect r="r" b="b" t="t" l="l"/>
+            <a:rect l="l" t="t" r="r" b="b"/>
             <a:pathLst>
-              <a:path h="2115837" w="2220821">
+              <a:path w="2220821" h="2115837">
                 <a:moveTo>
                   <a:pt x="0" y="0"/>
                 </a:moveTo>
@@ -4145,19 +4239,26 @@
               </a:extLst>
             </a:blip>
             <a:stretch>
-              <a:fillRect l="0" t="0" r="0" b="0"/>
+              <a:fillRect/>
             </a:stretch>
           </a:blipFill>
         </p:spPr>
-      </p:sp>
-      <p:sp>
-        <p:nvSpPr>
-          <p:cNvPr name="TextBox 3" id="3"/>
-          <p:cNvSpPr txBox="true"/>
-          <p:nvPr/>
-        </p:nvSpPr>
-        <p:spPr>
-          <a:xfrm rot="0">
+        <p:txBody>
+          <a:bodyPr/>
+          <a:lstStyle/>
+          <a:p>
+            <a:endParaRPr lang="vi-VN"/>
+          </a:p>
+        </p:txBody>
+      </p:sp>
+      <p:sp>
+        <p:nvSpPr>
+          <p:cNvPr id="3" name="TextBox 3"/>
+          <p:cNvSpPr txBox="1"/>
+          <p:nvPr/>
+        </p:nvSpPr>
+        <p:spPr>
+          <a:xfrm>
             <a:off x="1859756" y="419100"/>
             <a:ext cx="13197376" cy="1295400"/>
           </a:xfrm>
@@ -4166,7 +4267,7 @@
           </a:prstGeom>
         </p:spPr>
         <p:txBody>
-          <a:bodyPr anchor="t" rtlCol="false" tIns="0" lIns="0" bIns="0" rIns="0">
+          <a:bodyPr lIns="0" tIns="0" rIns="0" bIns="0" rtlCol="0" anchor="t">
             <a:spAutoFit/>
           </a:bodyPr>
           <a:lstStyle/>
@@ -4177,7 +4278,7 @@
               </a:lnSpc>
             </a:pPr>
             <a:r>
-              <a:rPr lang="en-US" b="true" sz="9000">
+              <a:rPr lang="en-US" sz="9000" b="1">
                 <a:solidFill>
                   <a:srgbClr val="2E2E2E"/>
                 </a:solidFill>
@@ -4193,12 +4294,12 @@
       </p:sp>
       <p:sp>
         <p:nvSpPr>
-          <p:cNvPr name="Freeform 4" id="4"/>
+          <p:cNvPr id="4" name="Freeform 4"/>
           <p:cNvSpPr/>
           <p:nvPr/>
         </p:nvSpPr>
         <p:spPr>
-          <a:xfrm flipH="true" flipV="true" rot="1983610">
+          <a:xfrm rot="1983610" flipH="1" flipV="1">
             <a:off x="-2904556" y="1035349"/>
             <a:ext cx="4015639" cy="3278221"/>
           </a:xfrm>
@@ -4207,9 +4308,9 @@
             <a:gdLst/>
             <a:ahLst/>
             <a:cxnLst/>
-            <a:rect r="r" b="b" t="t" l="l"/>
+            <a:rect l="l" t="t" r="r" b="b"/>
             <a:pathLst>
-              <a:path h="3278221" w="4015639">
+              <a:path w="4015639" h="3278221">
                 <a:moveTo>
                   <a:pt x="4015639" y="3278221"/>
                 </a:moveTo>
@@ -4238,19 +4339,26 @@
               </a:extLst>
             </a:blip>
             <a:stretch>
-              <a:fillRect l="0" t="0" r="0" b="0"/>
+              <a:fillRect/>
             </a:stretch>
           </a:blipFill>
         </p:spPr>
-      </p:sp>
-      <p:sp>
-        <p:nvSpPr>
-          <p:cNvPr name="Freeform 5" id="5"/>
+        <p:txBody>
+          <a:bodyPr/>
+          <a:lstStyle/>
+          <a:p>
+            <a:endParaRPr lang="vi-VN"/>
+          </a:p>
+        </p:txBody>
+      </p:sp>
+      <p:sp>
+        <p:nvSpPr>
+          <p:cNvPr id="5" name="Freeform 5"/>
           <p:cNvSpPr/>
           <p:nvPr/>
         </p:nvSpPr>
         <p:spPr>
-          <a:xfrm flipH="false" flipV="false" rot="0">
+          <a:xfrm>
             <a:off x="15654170" y="3045285"/>
             <a:ext cx="5083780" cy="2098215"/>
           </a:xfrm>
@@ -4259,9 +4367,9 @@
             <a:gdLst/>
             <a:ahLst/>
             <a:cxnLst/>
-            <a:rect r="r" b="b" t="t" l="l"/>
+            <a:rect l="l" t="t" r="r" b="b"/>
             <a:pathLst>
-              <a:path h="2098215" w="5083780">
+              <a:path w="5083780" h="2098215">
                 <a:moveTo>
                   <a:pt x="0" y="0"/>
                 </a:moveTo>
@@ -4290,19 +4398,26 @@
               </a:extLst>
             </a:blip>
             <a:stretch>
-              <a:fillRect l="0" t="0" r="0" b="0"/>
+              <a:fillRect/>
             </a:stretch>
           </a:blipFill>
         </p:spPr>
-      </p:sp>
-      <p:sp>
-        <p:nvSpPr>
-          <p:cNvPr name="Freeform 6" id="6"/>
+        <p:txBody>
+          <a:bodyPr/>
+          <a:lstStyle/>
+          <a:p>
+            <a:endParaRPr lang="vi-VN"/>
+          </a:p>
+        </p:txBody>
+      </p:sp>
+      <p:sp>
+        <p:nvSpPr>
+          <p:cNvPr id="6" name="Freeform 6"/>
           <p:cNvSpPr/>
           <p:nvPr/>
         </p:nvSpPr>
         <p:spPr>
-          <a:xfrm flipH="false" flipV="false" rot="0">
+          <a:xfrm>
             <a:off x="2633830" y="2150620"/>
             <a:ext cx="13020339" cy="6266038"/>
           </a:xfrm>
@@ -4311,9 +4426,9 @@
             <a:gdLst/>
             <a:ahLst/>
             <a:cxnLst/>
-            <a:rect r="r" b="b" t="t" l="l"/>
+            <a:rect l="l" t="t" r="r" b="b"/>
             <a:pathLst>
-              <a:path h="6266038" w="13020339">
+              <a:path w="13020339" h="6266038">
                 <a:moveTo>
                   <a:pt x="0" y="0"/>
                 </a:moveTo>
@@ -4336,19 +4451,26 @@
           <a:blipFill>
             <a:blip r:embed="rId8"/>
             <a:stretch>
-              <a:fillRect l="0" t="0" r="0" b="0"/>
+              <a:fillRect/>
             </a:stretch>
           </a:blipFill>
         </p:spPr>
-      </p:sp>
-      <p:sp>
-        <p:nvSpPr>
-          <p:cNvPr name="TextBox 7" id="7"/>
-          <p:cNvSpPr txBox="true"/>
-          <p:nvPr/>
-        </p:nvSpPr>
-        <p:spPr>
-          <a:xfrm rot="0">
+        <p:txBody>
+          <a:bodyPr/>
+          <a:lstStyle/>
+          <a:p>
+            <a:endParaRPr lang="vi-VN"/>
+          </a:p>
+        </p:txBody>
+      </p:sp>
+      <p:sp>
+        <p:nvSpPr>
+          <p:cNvPr id="7" name="TextBox 7"/>
+          <p:cNvSpPr txBox="1"/>
+          <p:nvPr/>
+        </p:nvSpPr>
+        <p:spPr>
+          <a:xfrm>
             <a:off x="17259300" y="9201150"/>
             <a:ext cx="152400" cy="209550"/>
           </a:xfrm>
@@ -4357,7 +4479,7 @@
           </a:prstGeom>
         </p:spPr>
         <p:txBody>
-          <a:bodyPr anchor="t" rtlCol="false" tIns="0" lIns="0" bIns="0" rIns="0" wrap="none">
+          <a:bodyPr wrap="none" lIns="0" tIns="0" rIns="0" bIns="0" rtlCol="0" anchor="t">
             <a:spAutoFit/>
           </a:bodyPr>
           <a:lstStyle/>
@@ -4387,12 +4509,12 @@
       </p:sp>
       <p:sp>
         <p:nvSpPr>
-          <p:cNvPr name="TextBox 8" id="8"/>
-          <p:cNvSpPr txBox="true"/>
-          <p:nvPr/>
-        </p:nvSpPr>
-        <p:spPr>
-          <a:xfrm rot="0">
+          <p:cNvPr id="8" name="TextBox 8"/>
+          <p:cNvSpPr txBox="1"/>
+          <p:nvPr/>
+        </p:nvSpPr>
+        <p:spPr>
+          <a:xfrm>
             <a:off x="1671147" y="8839200"/>
             <a:ext cx="14945707" cy="857250"/>
           </a:xfrm>
@@ -4401,18 +4523,18 @@
           </a:prstGeom>
         </p:spPr>
         <p:txBody>
-          <a:bodyPr anchor="t" rtlCol="false" tIns="0" lIns="0" bIns="0" rIns="0">
+          <a:bodyPr lIns="0" tIns="0" rIns="0" bIns="0" rtlCol="0" anchor="t">
             <a:spAutoFit/>
           </a:bodyPr>
           <a:lstStyle/>
           <a:p>
-            <a:pPr algn="l" marL="0" indent="0" lvl="0">
+            <a:pPr marL="0" lvl="0" indent="0" algn="l">
               <a:lnSpc>
                 <a:spcPts val="3300"/>
               </a:lnSpc>
             </a:pPr>
             <a:r>
-              <a:rPr lang="en-US" b="true" sz="3000">
+              <a:rPr lang="en-US" sz="3000" b="1">
                 <a:solidFill>
                   <a:srgbClr val="2E2E2E"/>
                 </a:solidFill>
@@ -4435,7 +4557,7 @@
 </file>
 
 <file path=ppt/slides/slide12.xml><?xml version="1.0" encoding="utf-8"?>
-<p:sld xmlns:p="http://schemas.openxmlformats.org/presentationml/2006/main" xmlns:a="http://schemas.openxmlformats.org/drawingml/2006/main" xmlns:r="http://schemas.openxmlformats.org/officeDocument/2006/relationships">
+<p:sld xmlns:a="http://schemas.openxmlformats.org/drawingml/2006/main" xmlns:r="http://schemas.openxmlformats.org/officeDocument/2006/relationships" xmlns:p="http://schemas.openxmlformats.org/presentationml/2006/main">
   <p:cSld>
     <p:spTree>
       <p:nvGrpSpPr>
@@ -4453,12 +4575,12 @@
       </p:grpSpPr>
       <p:grpSp>
         <p:nvGrpSpPr>
-          <p:cNvPr name="Group 2" id="2"/>
+          <p:cNvPr id="2" name="Group 2"/>
           <p:cNvGrpSpPr/>
           <p:nvPr/>
         </p:nvGrpSpPr>
         <p:grpSpPr>
-          <a:xfrm rot="0">
+          <a:xfrm>
             <a:off x="-1590643" y="-377767"/>
             <a:ext cx="6760109" cy="11042534"/>
             <a:chOff x="0" y="0"/>
@@ -4467,12 +4589,12 @@
         </p:grpSpPr>
         <p:sp>
           <p:nvSpPr>
-            <p:cNvPr name="Freeform 3" id="3"/>
+            <p:cNvPr id="3" name="Freeform 3"/>
             <p:cNvSpPr/>
             <p:nvPr/>
           </p:nvSpPr>
           <p:spPr>
-            <a:xfrm flipH="false" flipV="false" rot="0">
+            <a:xfrm>
               <a:off x="72390" y="72390"/>
               <a:ext cx="45328293" cy="74134789"/>
             </a:xfrm>
@@ -4481,9 +4603,9 @@
               <a:gdLst/>
               <a:ahLst/>
               <a:cxnLst/>
-              <a:rect r="r" b="b" t="t" l="l"/>
+              <a:rect l="l" t="t" r="r" b="b"/>
               <a:pathLst>
-                <a:path h="74134789" w="45328293">
+                <a:path w="45328293" h="74134789">
                   <a:moveTo>
                     <a:pt x="0" y="0"/>
                   </a:moveTo>
@@ -4507,15 +4629,22 @@
               <a:srgbClr val="F5F2E0"/>
             </a:solidFill>
           </p:spPr>
+          <p:txBody>
+            <a:bodyPr/>
+            <a:lstStyle/>
+            <a:p>
+              <a:endParaRPr lang="vi-VN"/>
+            </a:p>
+          </p:txBody>
         </p:sp>
         <p:sp>
           <p:nvSpPr>
-            <p:cNvPr name="Freeform 4" id="4"/>
+            <p:cNvPr id="4" name="Freeform 4"/>
             <p:cNvSpPr/>
             <p:nvPr/>
           </p:nvSpPr>
           <p:spPr>
-            <a:xfrm flipH="false" flipV="false" rot="0">
+            <a:xfrm>
               <a:off x="0" y="0"/>
               <a:ext cx="45473072" cy="74279571"/>
             </a:xfrm>
@@ -4524,9 +4653,9 @@
               <a:gdLst/>
               <a:ahLst/>
               <a:cxnLst/>
-              <a:rect r="r" b="b" t="t" l="l"/>
+              <a:rect l="l" t="t" r="r" b="b"/>
               <a:pathLst>
-                <a:path h="74279571" w="45473072">
+                <a:path w="45473072" h="74279571">
                   <a:moveTo>
                     <a:pt x="45328294" y="74134793"/>
                   </a:moveTo>
@@ -4662,16 +4791,23 @@
               <a:srgbClr val="A6CD70"/>
             </a:solidFill>
           </p:spPr>
+          <p:txBody>
+            <a:bodyPr/>
+            <a:lstStyle/>
+            <a:p>
+              <a:endParaRPr lang="vi-VN"/>
+            </a:p>
+          </p:txBody>
         </p:sp>
       </p:grpSp>
       <p:sp>
         <p:nvSpPr>
-          <p:cNvPr name="Freeform 5" id="5"/>
+          <p:cNvPr id="5" name="Freeform 5"/>
           <p:cNvSpPr/>
           <p:nvPr/>
         </p:nvSpPr>
         <p:spPr>
-          <a:xfrm flipH="false" flipV="false" rot="0">
+          <a:xfrm>
             <a:off x="-639688" y="9059525"/>
             <a:ext cx="5227623" cy="684343"/>
           </a:xfrm>
@@ -4680,9 +4816,9 @@
             <a:gdLst/>
             <a:ahLst/>
             <a:cxnLst/>
-            <a:rect r="r" b="b" t="t" l="l"/>
+            <a:rect l="l" t="t" r="r" b="b"/>
             <a:pathLst>
-              <a:path h="684343" w="5227623">
+              <a:path w="5227623" h="684343">
                 <a:moveTo>
                   <a:pt x="0" y="0"/>
                 </a:moveTo>
@@ -4711,19 +4847,26 @@
               </a:extLst>
             </a:blip>
             <a:stretch>
-              <a:fillRect l="0" t="0" r="0" b="0"/>
+              <a:fillRect/>
             </a:stretch>
           </a:blipFill>
         </p:spPr>
-      </p:sp>
-      <p:sp>
-        <p:nvSpPr>
-          <p:cNvPr name="Freeform 6" id="6"/>
+        <p:txBody>
+          <a:bodyPr/>
+          <a:lstStyle/>
+          <a:p>
+            <a:endParaRPr lang="vi-VN"/>
+          </a:p>
+        </p:txBody>
+      </p:sp>
+      <p:sp>
+        <p:nvSpPr>
+          <p:cNvPr id="6" name="Freeform 6"/>
           <p:cNvSpPr/>
           <p:nvPr/>
         </p:nvSpPr>
         <p:spPr>
-          <a:xfrm flipH="false" flipV="false" rot="0">
+          <a:xfrm>
             <a:off x="5317418" y="4130346"/>
             <a:ext cx="12416283" cy="5897734"/>
           </a:xfrm>
@@ -4732,9 +4875,9 @@
             <a:gdLst/>
             <a:ahLst/>
             <a:cxnLst/>
-            <a:rect r="r" b="b" t="t" l="l"/>
+            <a:rect l="l" t="t" r="r" b="b"/>
             <a:pathLst>
-              <a:path h="5897734" w="12416283">
+              <a:path w="12416283" h="5897734">
                 <a:moveTo>
                   <a:pt x="0" y="0"/>
                 </a:moveTo>
@@ -4757,19 +4900,26 @@
           <a:blipFill>
             <a:blip r:embed="rId4"/>
             <a:stretch>
-              <a:fillRect l="0" t="0" r="0" b="0"/>
+              <a:fillRect/>
             </a:stretch>
           </a:blipFill>
         </p:spPr>
-      </p:sp>
-      <p:sp>
-        <p:nvSpPr>
-          <p:cNvPr name="TextBox 7" id="7"/>
-          <p:cNvSpPr txBox="true"/>
-          <p:nvPr/>
-        </p:nvSpPr>
-        <p:spPr>
-          <a:xfrm rot="0">
+        <p:txBody>
+          <a:bodyPr/>
+          <a:lstStyle/>
+          <a:p>
+            <a:endParaRPr lang="vi-VN"/>
+          </a:p>
+        </p:txBody>
+      </p:sp>
+      <p:sp>
+        <p:nvSpPr>
+          <p:cNvPr id="7" name="TextBox 7"/>
+          <p:cNvSpPr txBox="1"/>
+          <p:nvPr/>
+        </p:nvSpPr>
+        <p:spPr>
+          <a:xfrm>
             <a:off x="426408" y="1104900"/>
             <a:ext cx="3833829" cy="7581900"/>
           </a:xfrm>
@@ -4778,7 +4928,7 @@
           </a:prstGeom>
         </p:spPr>
         <p:txBody>
-          <a:bodyPr anchor="t" rtlCol="false" tIns="0" lIns="0" bIns="0" rIns="0">
+          <a:bodyPr lIns="0" tIns="0" rIns="0" bIns="0" rtlCol="0" anchor="t">
             <a:spAutoFit/>
           </a:bodyPr>
           <a:lstStyle/>
@@ -4789,7 +4939,7 @@
               </a:lnSpc>
             </a:pPr>
             <a:r>
-              <a:rPr lang="en-US" b="true" sz="9000">
+              <a:rPr lang="en-US" sz="9000" b="1">
                 <a:solidFill>
                   <a:srgbClr val="2E2E2E"/>
                 </a:solidFill>
@@ -4805,12 +4955,12 @@
       </p:sp>
       <p:grpSp>
         <p:nvGrpSpPr>
-          <p:cNvPr name="Group 8" id="8"/>
+          <p:cNvPr id="8" name="Group 8"/>
           <p:cNvGrpSpPr/>
           <p:nvPr/>
         </p:nvGrpSpPr>
         <p:grpSpPr>
-          <a:xfrm rot="0">
+          <a:xfrm>
             <a:off x="5642530" y="394045"/>
             <a:ext cx="10838403" cy="3426112"/>
             <a:chOff x="0" y="0"/>
@@ -4819,12 +4969,12 @@
         </p:grpSpPr>
         <p:sp>
           <p:nvSpPr>
-            <p:cNvPr name="TextBox 9" id="9"/>
-            <p:cNvSpPr txBox="true"/>
+            <p:cNvPr id="9" name="TextBox 9"/>
+            <p:cNvSpPr txBox="1"/>
             <p:nvPr/>
           </p:nvSpPr>
           <p:spPr>
-            <a:xfrm rot="0">
+            <a:xfrm>
               <a:off x="0" y="-9514"/>
               <a:ext cx="14451204" cy="1546225"/>
             </a:xfrm>
@@ -4833,12 +4983,12 @@
             </a:prstGeom>
           </p:spPr>
           <p:txBody>
-            <a:bodyPr anchor="t" rtlCol="false" tIns="0" lIns="0" bIns="0" rIns="0">
+            <a:bodyPr lIns="0" tIns="0" rIns="0" bIns="0" rtlCol="0" anchor="t">
               <a:spAutoFit/>
             </a:bodyPr>
             <a:lstStyle/>
             <a:p>
-              <a:pPr algn="l" marL="0" indent="0" lvl="0">
+              <a:pPr marL="0" lvl="0" indent="0" algn="l">
                 <a:lnSpc>
                   <a:spcPts val="9119"/>
                 </a:lnSpc>
@@ -4847,7 +4997,7 @@
                 </a:spcBef>
               </a:pPr>
               <a:r>
-                <a:rPr lang="en-US" b="true" sz="7599">
+                <a:rPr lang="en-US" sz="7599" b="1">
                   <a:solidFill>
                     <a:srgbClr val="2E2E2E"/>
                   </a:solidFill>
@@ -4863,12 +5013,12 @@
         </p:sp>
         <p:sp>
           <p:nvSpPr>
-            <p:cNvPr name="TextBox 10" id="10"/>
-            <p:cNvSpPr txBox="true"/>
+            <p:cNvPr id="10" name="TextBox 10"/>
+            <p:cNvSpPr txBox="1"/>
             <p:nvPr/>
           </p:nvSpPr>
           <p:spPr>
-            <a:xfrm rot="0">
+            <a:xfrm>
               <a:off x="0" y="1741754"/>
               <a:ext cx="14451204" cy="2809875"/>
             </a:xfrm>
@@ -4877,7 +5027,7 @@
             </a:prstGeom>
           </p:spPr>
           <p:txBody>
-            <a:bodyPr anchor="t" rtlCol="false" tIns="0" lIns="0" bIns="0" rIns="0">
+            <a:bodyPr lIns="0" tIns="0" rIns="0" bIns="0" rtlCol="0" anchor="t">
               <a:spAutoFit/>
             </a:bodyPr>
             <a:lstStyle/>
@@ -4888,7 +5038,7 @@
                 </a:lnSpc>
               </a:pPr>
               <a:r>
-                <a:rPr lang="en-US" sz="3000" b="true">
+                <a:rPr lang="en-US" sz="3000" b="1">
                   <a:solidFill>
                     <a:srgbClr val="2E2E2E"/>
                   </a:solidFill>
@@ -4901,7 +5051,7 @@
               </a:r>
             </a:p>
             <a:p>
-              <a:pPr algn="l" marL="647700" indent="-323850" lvl="1">
+              <a:pPr marL="647700" lvl="1" indent="-323850" algn="l">
                 <a:lnSpc>
                   <a:spcPts val="4200"/>
                 </a:lnSpc>
@@ -4909,7 +5059,7 @@
                 <a:buChar char="•"/>
               </a:pPr>
               <a:r>
-                <a:rPr lang="en-US" b="true" sz="3000">
+                <a:rPr lang="en-US" sz="3000" b="1">
                   <a:solidFill>
                     <a:srgbClr val="2E2E2E"/>
                   </a:solidFill>
@@ -4918,23 +5068,11 @@
                   <a:cs typeface="Cabin Bold"/>
                   <a:sym typeface="Cabin Bold"/>
                 </a:rPr>
-                <a:t>H</a:t>
-              </a:r>
-              <a:r>
-                <a:rPr lang="en-US" b="true" sz="3000">
-                  <a:solidFill>
-                    <a:srgbClr val="2E2E2E"/>
-                  </a:solidFill>
-                  <a:latin typeface="Cabin Bold"/>
-                  <a:ea typeface="Cabin Bold"/>
-                  <a:cs typeface="Cabin Bold"/>
-                  <a:sym typeface="Cabin Bold"/>
-                </a:rPr>
-                <a:t>iển thị danh sách văn bản đến với các thông tin chi tiết.</a:t>
+                <a:t>Hiển thị danh sách văn bản đến với các thông tin chi tiết.</a:t>
               </a:r>
             </a:p>
             <a:p>
-              <a:pPr algn="l" marL="647700" indent="-323850" lvl="1">
+              <a:pPr marL="647700" lvl="1" indent="-323850" algn="l">
                 <a:lnSpc>
                   <a:spcPts val="4200"/>
                 </a:lnSpc>
@@ -4945,7 +5083,7 @@
                 <a:buChar char="•"/>
               </a:pPr>
               <a:r>
-                <a:rPr lang="en-US" b="true" sz="3000">
+                <a:rPr lang="en-US" sz="3000" b="1">
                   <a:solidFill>
                     <a:srgbClr val="2E2E2E"/>
                   </a:solidFill>
@@ -4954,23 +5092,11 @@
                   <a:cs typeface="Cabin Bold"/>
                   <a:sym typeface="Cabin Bold"/>
                 </a:rPr>
-                <a:t>Ch</a:t>
-              </a:r>
-              <a:r>
-                <a:rPr lang="en-US" b="true" sz="3000">
-                  <a:solidFill>
-                    <a:srgbClr val="2E2E2E"/>
-                  </a:solidFill>
-                  <a:latin typeface="Cabin Bold"/>
-                  <a:ea typeface="Cabin Bold"/>
-                  <a:cs typeface="Cabin Bold"/>
-                  <a:sym typeface="Cabin Bold"/>
-                </a:rPr>
-                <a:t>o phép sửa, xóa và thêm mới văn bản đến.</a:t>
+                <a:t>Cho phép sửa, xóa và thêm mới văn bản đến.</a:t>
               </a:r>
             </a:p>
             <a:p>
-              <a:pPr algn="l" marL="0" indent="0" lvl="0">
+              <a:pPr marL="0" lvl="0" indent="0" algn="l">
                 <a:lnSpc>
                   <a:spcPts val="4200"/>
                 </a:lnSpc>
@@ -4978,18 +5104,27 @@
                   <a:spcPct val="0"/>
                 </a:spcBef>
               </a:pPr>
+              <a:endParaRPr lang="en-US" sz="3000" b="1">
+                <a:solidFill>
+                  <a:srgbClr val="2E2E2E"/>
+                </a:solidFill>
+                <a:latin typeface="Cabin Bold"/>
+                <a:ea typeface="Cabin Bold"/>
+                <a:cs typeface="Cabin Bold"/>
+                <a:sym typeface="Cabin Bold"/>
+              </a:endParaRPr>
             </a:p>
           </p:txBody>
         </p:sp>
       </p:grpSp>
       <p:sp>
         <p:nvSpPr>
-          <p:cNvPr name="TextBox 11" id="11"/>
-          <p:cNvSpPr txBox="true"/>
-          <p:nvPr/>
-        </p:nvSpPr>
-        <p:spPr>
-          <a:xfrm rot="0">
+          <p:cNvPr id="11" name="TextBox 11"/>
+          <p:cNvSpPr txBox="1"/>
+          <p:nvPr/>
+        </p:nvSpPr>
+        <p:spPr>
+          <a:xfrm>
             <a:off x="17259300" y="9210675"/>
             <a:ext cx="152400" cy="200025"/>
           </a:xfrm>
@@ -4998,7 +5133,7 @@
           </a:prstGeom>
         </p:spPr>
         <p:txBody>
-          <a:bodyPr anchor="t" rtlCol="false" tIns="0" lIns="0" bIns="0" rIns="0" wrap="none">
+          <a:bodyPr wrap="none" lIns="0" tIns="0" rIns="0" bIns="0" rtlCol="0" anchor="t">
             <a:spAutoFit/>
           </a:bodyPr>
           <a:lstStyle/>
@@ -5035,13 +5170,14 @@
 </file>
 
 <file path=ppt/slides/slide13.xml><?xml version="1.0" encoding="utf-8"?>
-<p:sld xmlns:p="http://schemas.openxmlformats.org/presentationml/2006/main" xmlns:a="http://schemas.openxmlformats.org/drawingml/2006/main" xmlns:r="http://schemas.openxmlformats.org/officeDocument/2006/relationships">
+<p:sld xmlns:a="http://schemas.openxmlformats.org/drawingml/2006/main" xmlns:r="http://schemas.openxmlformats.org/officeDocument/2006/relationships" xmlns:p="http://schemas.openxmlformats.org/presentationml/2006/main">
   <p:cSld>
     <p:bg>
       <p:bgPr>
         <a:solidFill>
           <a:srgbClr val="F5F2E0"/>
         </a:solidFill>
+        <a:effectLst/>
       </p:bgPr>
     </p:bg>
     <p:spTree>
@@ -5060,12 +5196,12 @@
       </p:grpSpPr>
       <p:sp>
         <p:nvSpPr>
-          <p:cNvPr name="Freeform 2" id="2"/>
+          <p:cNvPr id="2" name="Freeform 2"/>
           <p:cNvSpPr/>
           <p:nvPr/>
         </p:nvSpPr>
         <p:spPr>
-          <a:xfrm flipH="false" flipV="false" rot="3640828">
+          <a:xfrm rot="3640828">
             <a:off x="1766078" y="185683"/>
             <a:ext cx="2206170" cy="3422604"/>
           </a:xfrm>
@@ -5074,9 +5210,9 @@
             <a:gdLst/>
             <a:ahLst/>
             <a:cxnLst/>
-            <a:rect r="r" b="b" t="t" l="l"/>
+            <a:rect l="l" t="t" r="r" b="b"/>
             <a:pathLst>
-              <a:path h="3422604" w="2206170">
+              <a:path w="2206170" h="3422604">
                 <a:moveTo>
                   <a:pt x="0" y="0"/>
                 </a:moveTo>
@@ -5105,19 +5241,26 @@
               </a:extLst>
             </a:blip>
             <a:stretch>
-              <a:fillRect l="0" t="0" r="0" b="0"/>
+              <a:fillRect/>
             </a:stretch>
           </a:blipFill>
         </p:spPr>
-      </p:sp>
-      <p:sp>
-        <p:nvSpPr>
-          <p:cNvPr name="Freeform 3" id="3"/>
+        <p:txBody>
+          <a:bodyPr/>
+          <a:lstStyle/>
+          <a:p>
+            <a:endParaRPr lang="vi-VN"/>
+          </a:p>
+        </p:txBody>
+      </p:sp>
+      <p:sp>
+        <p:nvSpPr>
+          <p:cNvPr id="3" name="Freeform 3"/>
           <p:cNvSpPr/>
           <p:nvPr/>
         </p:nvSpPr>
         <p:spPr>
-          <a:xfrm flipH="false" flipV="false" rot="-4390734">
+          <a:xfrm rot="-4390734">
             <a:off x="13396501" y="9213572"/>
             <a:ext cx="2399087" cy="3357501"/>
           </a:xfrm>
@@ -5126,9 +5269,9 @@
             <a:gdLst/>
             <a:ahLst/>
             <a:cxnLst/>
-            <a:rect r="r" b="b" t="t" l="l"/>
+            <a:rect l="l" t="t" r="r" b="b"/>
             <a:pathLst>
-              <a:path h="3357501" w="2399087">
+              <a:path w="2399087" h="3357501">
                 <a:moveTo>
                   <a:pt x="0" y="0"/>
                 </a:moveTo>
@@ -5157,19 +5300,26 @@
               </a:extLst>
             </a:blip>
             <a:stretch>
-              <a:fillRect l="0" t="0" r="0" b="0"/>
+              <a:fillRect/>
             </a:stretch>
           </a:blipFill>
         </p:spPr>
-      </p:sp>
-      <p:sp>
-        <p:nvSpPr>
-          <p:cNvPr name="Freeform 4" id="4"/>
+        <p:txBody>
+          <a:bodyPr/>
+          <a:lstStyle/>
+          <a:p>
+            <a:endParaRPr lang="vi-VN"/>
+          </a:p>
+        </p:txBody>
+      </p:sp>
+      <p:sp>
+        <p:nvSpPr>
+          <p:cNvPr id="4" name="Freeform 4"/>
           <p:cNvSpPr/>
           <p:nvPr/>
         </p:nvSpPr>
         <p:spPr>
-          <a:xfrm flipH="false" flipV="false" rot="0">
+          <a:xfrm>
             <a:off x="1665544" y="1697577"/>
             <a:ext cx="14377610" cy="6793421"/>
           </a:xfrm>
@@ -5178,9 +5328,9 @@
             <a:gdLst/>
             <a:ahLst/>
             <a:cxnLst/>
-            <a:rect r="r" b="b" t="t" l="l"/>
+            <a:rect l="l" t="t" r="r" b="b"/>
             <a:pathLst>
-              <a:path h="6793421" w="14377610">
+              <a:path w="14377610" h="6793421">
                 <a:moveTo>
                   <a:pt x="0" y="0"/>
                 </a:moveTo>
@@ -5203,19 +5353,26 @@
           <a:blipFill>
             <a:blip r:embed="rId6"/>
             <a:stretch>
-              <a:fillRect l="0" t="0" r="0" b="0"/>
+              <a:fillRect/>
             </a:stretch>
           </a:blipFill>
         </p:spPr>
-      </p:sp>
-      <p:sp>
-        <p:nvSpPr>
-          <p:cNvPr name="TextBox 5" id="5"/>
-          <p:cNvSpPr txBox="true"/>
-          <p:nvPr/>
-        </p:nvSpPr>
-        <p:spPr>
-          <a:xfrm rot="0">
+        <p:txBody>
+          <a:bodyPr/>
+          <a:lstStyle/>
+          <a:p>
+            <a:endParaRPr lang="vi-VN"/>
+          </a:p>
+        </p:txBody>
+      </p:sp>
+      <p:sp>
+        <p:nvSpPr>
+          <p:cNvPr id="5" name="TextBox 5"/>
+          <p:cNvSpPr txBox="1"/>
+          <p:nvPr/>
+        </p:nvSpPr>
+        <p:spPr>
+          <a:xfrm>
             <a:off x="3449772" y="523875"/>
             <a:ext cx="11388456" cy="1076325"/>
           </a:xfrm>
@@ -5224,7 +5381,7 @@
           </a:prstGeom>
         </p:spPr>
         <p:txBody>
-          <a:bodyPr anchor="t" rtlCol="false" tIns="0" lIns="0" bIns="0" rIns="0">
+          <a:bodyPr lIns="0" tIns="0" rIns="0" bIns="0" rtlCol="0" anchor="t">
             <a:spAutoFit/>
           </a:bodyPr>
           <a:lstStyle/>
@@ -5235,7 +5392,7 @@
               </a:lnSpc>
             </a:pPr>
             <a:r>
-              <a:rPr lang="en-US" sz="7500" b="true">
+              <a:rPr lang="en-US" sz="7500" b="1">
                 <a:solidFill>
                   <a:srgbClr val="2E2E2E"/>
                 </a:solidFill>
@@ -5251,12 +5408,12 @@
       </p:sp>
       <p:sp>
         <p:nvSpPr>
-          <p:cNvPr name="TextBox 6" id="6"/>
-          <p:cNvSpPr txBox="true"/>
-          <p:nvPr/>
-        </p:nvSpPr>
-        <p:spPr>
-          <a:xfrm rot="0">
+          <p:cNvPr id="6" name="TextBox 6"/>
+          <p:cNvSpPr txBox="1"/>
+          <p:nvPr/>
+        </p:nvSpPr>
+        <p:spPr>
+          <a:xfrm>
             <a:off x="1028700" y="8715375"/>
             <a:ext cx="16034865" cy="1028700"/>
           </a:xfrm>
@@ -5265,12 +5422,12 @@
           </a:prstGeom>
         </p:spPr>
         <p:txBody>
-          <a:bodyPr anchor="t" rtlCol="false" tIns="0" lIns="0" bIns="0" rIns="0">
+          <a:bodyPr lIns="0" tIns="0" rIns="0" bIns="0" rtlCol="0" anchor="t">
             <a:spAutoFit/>
           </a:bodyPr>
           <a:lstStyle/>
           <a:p>
-            <a:pPr algn="l" marL="647698" indent="-323849" lvl="1">
+            <a:pPr marL="647698" lvl="1" indent="-323849" algn="l">
               <a:lnSpc>
                 <a:spcPts val="4199"/>
               </a:lnSpc>
@@ -5278,7 +5435,7 @@
               <a:buChar char="•"/>
             </a:pPr>
             <a:r>
-              <a:rPr lang="en-US" b="true" sz="2999">
+              <a:rPr lang="en-US" sz="2999" b="1">
                 <a:solidFill>
                   <a:srgbClr val="2E2E2E"/>
                 </a:solidFill>
@@ -5294,12 +5451,12 @@
       </p:sp>
       <p:sp>
         <p:nvSpPr>
-          <p:cNvPr name="TextBox 7" id="7"/>
-          <p:cNvSpPr txBox="true"/>
-          <p:nvPr/>
-        </p:nvSpPr>
-        <p:spPr>
-          <a:xfrm rot="0">
+          <p:cNvPr id="7" name="TextBox 7"/>
+          <p:cNvSpPr txBox="1"/>
+          <p:nvPr/>
+        </p:nvSpPr>
+        <p:spPr>
+          <a:xfrm>
             <a:off x="17259300" y="9210675"/>
             <a:ext cx="152400" cy="200025"/>
           </a:xfrm>
@@ -5308,7 +5465,7 @@
           </a:prstGeom>
         </p:spPr>
         <p:txBody>
-          <a:bodyPr anchor="t" rtlCol="false" tIns="0" lIns="0" bIns="0" rIns="0" wrap="none">
+          <a:bodyPr wrap="none" lIns="0" tIns="0" rIns="0" bIns="0" rtlCol="0" anchor="t">
             <a:spAutoFit/>
           </a:bodyPr>
           <a:lstStyle/>
@@ -5345,13 +5502,14 @@
 </file>
 
 <file path=ppt/slides/slide14.xml><?xml version="1.0" encoding="utf-8"?>
-<p:sld xmlns:p="http://schemas.openxmlformats.org/presentationml/2006/main" xmlns:a="http://schemas.openxmlformats.org/drawingml/2006/main" xmlns:r="http://schemas.openxmlformats.org/officeDocument/2006/relationships">
+<p:sld xmlns:a="http://schemas.openxmlformats.org/drawingml/2006/main" xmlns:r="http://schemas.openxmlformats.org/officeDocument/2006/relationships" xmlns:p="http://schemas.openxmlformats.org/presentationml/2006/main">
   <p:cSld>
     <p:bg>
       <p:bgPr>
         <a:solidFill>
           <a:srgbClr val="F5F2E0"/>
         </a:solidFill>
+        <a:effectLst/>
       </p:bgPr>
     </p:bg>
     <p:spTree>
@@ -5370,12 +5528,12 @@
       </p:grpSpPr>
       <p:sp>
         <p:nvSpPr>
-          <p:cNvPr name="Freeform 2" id="2"/>
+          <p:cNvPr id="2" name="Freeform 2"/>
           <p:cNvSpPr/>
           <p:nvPr/>
         </p:nvSpPr>
         <p:spPr>
-          <a:xfrm flipH="false" flipV="false" rot="601004">
+          <a:xfrm rot="601004">
             <a:off x="16725609" y="1226107"/>
             <a:ext cx="2339971" cy="799844"/>
           </a:xfrm>
@@ -5384,9 +5542,9 @@
             <a:gdLst/>
             <a:ahLst/>
             <a:cxnLst/>
-            <a:rect r="r" b="b" t="t" l="l"/>
+            <a:rect l="l" t="t" r="r" b="b"/>
             <a:pathLst>
-              <a:path h="799844" w="2339971">
+              <a:path w="2339971" h="799844">
                 <a:moveTo>
                   <a:pt x="0" y="0"/>
                 </a:moveTo>
@@ -5415,19 +5573,26 @@
               </a:extLst>
             </a:blip>
             <a:stretch>
-              <a:fillRect l="0" t="0" r="0" b="0"/>
+              <a:fillRect/>
             </a:stretch>
           </a:blipFill>
         </p:spPr>
-      </p:sp>
-      <p:sp>
-        <p:nvSpPr>
-          <p:cNvPr name="Freeform 3" id="3"/>
+        <p:txBody>
+          <a:bodyPr/>
+          <a:lstStyle/>
+          <a:p>
+            <a:endParaRPr lang="vi-VN"/>
+          </a:p>
+        </p:txBody>
+      </p:sp>
+      <p:sp>
+        <p:nvSpPr>
+          <p:cNvPr id="3" name="Freeform 3"/>
           <p:cNvSpPr/>
           <p:nvPr/>
         </p:nvSpPr>
         <p:spPr>
-          <a:xfrm flipH="false" flipV="false" rot="0">
+          <a:xfrm>
             <a:off x="1806462" y="2290403"/>
             <a:ext cx="14669257" cy="6967897"/>
           </a:xfrm>
@@ -5436,9 +5601,9 @@
             <a:gdLst/>
             <a:ahLst/>
             <a:cxnLst/>
-            <a:rect r="r" b="b" t="t" l="l"/>
+            <a:rect l="l" t="t" r="r" b="b"/>
             <a:pathLst>
-              <a:path h="6967897" w="14669257">
+              <a:path w="14669257" h="6967897">
                 <a:moveTo>
                   <a:pt x="0" y="0"/>
                 </a:moveTo>
@@ -5461,19 +5626,26 @@
           <a:blipFill>
             <a:blip r:embed="rId4"/>
             <a:stretch>
-              <a:fillRect l="0" t="0" r="0" b="0"/>
+              <a:fillRect/>
             </a:stretch>
           </a:blipFill>
         </p:spPr>
-      </p:sp>
-      <p:sp>
-        <p:nvSpPr>
-          <p:cNvPr name="TextBox 4" id="4"/>
-          <p:cNvSpPr txBox="true"/>
-          <p:nvPr/>
-        </p:nvSpPr>
-        <p:spPr>
-          <a:xfrm rot="0">
+        <p:txBody>
+          <a:bodyPr/>
+          <a:lstStyle/>
+          <a:p>
+            <a:endParaRPr lang="vi-VN"/>
+          </a:p>
+        </p:txBody>
+      </p:sp>
+      <p:sp>
+        <p:nvSpPr>
+          <p:cNvPr id="4" name="TextBox 4"/>
+          <p:cNvSpPr txBox="1"/>
+          <p:nvPr/>
+        </p:nvSpPr>
+        <p:spPr>
+          <a:xfrm>
             <a:off x="3501253" y="921410"/>
             <a:ext cx="11279675" cy="1076325"/>
           </a:xfrm>
@@ -5482,7 +5654,7 @@
           </a:prstGeom>
         </p:spPr>
         <p:txBody>
-          <a:bodyPr anchor="t" rtlCol="false" tIns="0" lIns="0" bIns="0" rIns="0">
+          <a:bodyPr lIns="0" tIns="0" rIns="0" bIns="0" rtlCol="0" anchor="t">
             <a:spAutoFit/>
           </a:bodyPr>
           <a:lstStyle/>
@@ -5493,7 +5665,7 @@
               </a:lnSpc>
             </a:pPr>
             <a:r>
-              <a:rPr lang="en-US" b="true" sz="7500">
+              <a:rPr lang="en-US" sz="7500" b="1">
                 <a:solidFill>
                   <a:srgbClr val="2E2E2E"/>
                 </a:solidFill>
@@ -5509,12 +5681,12 @@
       </p:sp>
       <p:sp>
         <p:nvSpPr>
-          <p:cNvPr name="TextBox 5" id="5"/>
-          <p:cNvSpPr txBox="true"/>
-          <p:nvPr/>
-        </p:nvSpPr>
-        <p:spPr>
-          <a:xfrm rot="0">
+          <p:cNvPr id="5" name="TextBox 5"/>
+          <p:cNvSpPr txBox="1"/>
+          <p:nvPr/>
+        </p:nvSpPr>
+        <p:spPr>
+          <a:xfrm>
             <a:off x="17259300" y="9210675"/>
             <a:ext cx="152400" cy="200025"/>
           </a:xfrm>
@@ -5523,7 +5695,7 @@
           </a:prstGeom>
         </p:spPr>
         <p:txBody>
-          <a:bodyPr anchor="t" rtlCol="false" tIns="0" lIns="0" bIns="0" rIns="0" wrap="none">
+          <a:bodyPr wrap="none" lIns="0" tIns="0" rIns="0" bIns="0" rtlCol="0" anchor="t">
             <a:spAutoFit/>
           </a:bodyPr>
           <a:lstStyle/>
@@ -5560,13 +5732,14 @@
 </file>
 
 <file path=ppt/slides/slide15.xml><?xml version="1.0" encoding="utf-8"?>
-<p:sld xmlns:p="http://schemas.openxmlformats.org/presentationml/2006/main" xmlns:a="http://schemas.openxmlformats.org/drawingml/2006/main" xmlns:r="http://schemas.openxmlformats.org/officeDocument/2006/relationships">
+<p:sld xmlns:a="http://schemas.openxmlformats.org/drawingml/2006/main" xmlns:r="http://schemas.openxmlformats.org/officeDocument/2006/relationships" xmlns:p="http://schemas.openxmlformats.org/presentationml/2006/main">
   <p:cSld>
     <p:bg>
       <p:bgPr>
         <a:solidFill>
           <a:srgbClr val="A6CD70"/>
         </a:solidFill>
+        <a:effectLst/>
       </p:bgPr>
     </p:bg>
     <p:spTree>
@@ -5585,12 +5758,12 @@
       </p:grpSpPr>
       <p:sp>
         <p:nvSpPr>
-          <p:cNvPr name="Freeform 2" id="2"/>
+          <p:cNvPr id="2" name="Freeform 2"/>
           <p:cNvSpPr/>
           <p:nvPr/>
         </p:nvSpPr>
         <p:spPr>
-          <a:xfrm flipH="false" flipV="false" rot="1772929">
+          <a:xfrm rot="1772929">
             <a:off x="15869681" y="-268594"/>
             <a:ext cx="3047931" cy="2865055"/>
           </a:xfrm>
@@ -5599,9 +5772,9 @@
             <a:gdLst/>
             <a:ahLst/>
             <a:cxnLst/>
-            <a:rect r="r" b="b" t="t" l="l"/>
+            <a:rect l="l" t="t" r="r" b="b"/>
             <a:pathLst>
-              <a:path h="2865055" w="3047931">
+              <a:path w="3047931" h="2865055">
                 <a:moveTo>
                   <a:pt x="0" y="0"/>
                 </a:moveTo>
@@ -5630,19 +5803,26 @@
               </a:extLst>
             </a:blip>
             <a:stretch>
-              <a:fillRect l="0" t="0" r="0" b="0"/>
+              <a:fillRect/>
             </a:stretch>
           </a:blipFill>
         </p:spPr>
-      </p:sp>
-      <p:sp>
-        <p:nvSpPr>
-          <p:cNvPr name="TextBox 3" id="3"/>
-          <p:cNvSpPr txBox="true"/>
-          <p:nvPr/>
-        </p:nvSpPr>
-        <p:spPr>
-          <a:xfrm rot="0">
+        <p:txBody>
+          <a:bodyPr/>
+          <a:lstStyle/>
+          <a:p>
+            <a:endParaRPr lang="vi-VN"/>
+          </a:p>
+        </p:txBody>
+      </p:sp>
+      <p:sp>
+        <p:nvSpPr>
+          <p:cNvPr id="3" name="TextBox 3"/>
+          <p:cNvSpPr txBox="1"/>
+          <p:nvPr/>
+        </p:nvSpPr>
+        <p:spPr>
+          <a:xfrm>
             <a:off x="2033722" y="269039"/>
             <a:ext cx="6991209" cy="1295400"/>
           </a:xfrm>
@@ -5651,7 +5831,7 @@
           </a:prstGeom>
         </p:spPr>
         <p:txBody>
-          <a:bodyPr anchor="t" rtlCol="false" tIns="0" lIns="0" bIns="0" rIns="0">
+          <a:bodyPr lIns="0" tIns="0" rIns="0" bIns="0" rtlCol="0" anchor="t">
             <a:spAutoFit/>
           </a:bodyPr>
           <a:lstStyle/>
@@ -5662,7 +5842,7 @@
               </a:lnSpc>
             </a:pPr>
             <a:r>
-              <a:rPr lang="en-US" sz="9000" b="true">
+              <a:rPr lang="en-US" sz="9000" b="1">
                 <a:solidFill>
                   <a:srgbClr val="2E2E2E"/>
                 </a:solidFill>
@@ -5678,12 +5858,12 @@
       </p:sp>
       <p:sp>
         <p:nvSpPr>
-          <p:cNvPr name="Freeform 4" id="4"/>
+          <p:cNvPr id="4" name="Freeform 4"/>
           <p:cNvSpPr/>
           <p:nvPr/>
         </p:nvSpPr>
         <p:spPr>
-          <a:xfrm flipH="false" flipV="false" rot="264926">
+          <a:xfrm rot="264926">
             <a:off x="1027084" y="3076498"/>
             <a:ext cx="4223507" cy="1036679"/>
           </a:xfrm>
@@ -5692,9 +5872,9 @@
             <a:gdLst/>
             <a:ahLst/>
             <a:cxnLst/>
-            <a:rect r="r" b="b" t="t" l="l"/>
+            <a:rect l="l" t="t" r="r" b="b"/>
             <a:pathLst>
-              <a:path h="1036679" w="4223507">
+              <a:path w="4223507" h="1036679">
                 <a:moveTo>
                   <a:pt x="0" y="0"/>
                 </a:moveTo>
@@ -5723,19 +5903,26 @@
               </a:extLst>
             </a:blip>
             <a:stretch>
-              <a:fillRect l="0" t="0" r="0" b="0"/>
+              <a:fillRect/>
             </a:stretch>
           </a:blipFill>
         </p:spPr>
-      </p:sp>
-      <p:sp>
-        <p:nvSpPr>
-          <p:cNvPr name="Freeform 5" id="5"/>
+        <p:txBody>
+          <a:bodyPr/>
+          <a:lstStyle/>
+          <a:p>
+            <a:endParaRPr lang="vi-VN"/>
+          </a:p>
+        </p:txBody>
+      </p:sp>
+      <p:sp>
+        <p:nvSpPr>
+          <p:cNvPr id="5" name="Freeform 5"/>
           <p:cNvSpPr/>
           <p:nvPr/>
         </p:nvSpPr>
         <p:spPr>
-          <a:xfrm flipH="false" flipV="false" rot="5517698">
+          <a:xfrm rot="5517698">
             <a:off x="1227288" y="8313635"/>
             <a:ext cx="852480" cy="2190954"/>
           </a:xfrm>
@@ -5744,9 +5931,9 @@
             <a:gdLst/>
             <a:ahLst/>
             <a:cxnLst/>
-            <a:rect r="r" b="b" t="t" l="l"/>
+            <a:rect l="l" t="t" r="r" b="b"/>
             <a:pathLst>
-              <a:path h="2190954" w="852480">
+              <a:path w="852480" h="2190954">
                 <a:moveTo>
                   <a:pt x="0" y="0"/>
                 </a:moveTo>
@@ -5775,19 +5962,26 @@
               </a:extLst>
             </a:blip>
             <a:stretch>
-              <a:fillRect l="0" t="0" r="0" b="0"/>
+              <a:fillRect/>
             </a:stretch>
           </a:blipFill>
         </p:spPr>
-      </p:sp>
-      <p:sp>
-        <p:nvSpPr>
-          <p:cNvPr name="Freeform 6" id="6"/>
+        <p:txBody>
+          <a:bodyPr/>
+          <a:lstStyle/>
+          <a:p>
+            <a:endParaRPr lang="vi-VN"/>
+          </a:p>
+        </p:txBody>
+      </p:sp>
+      <p:sp>
+        <p:nvSpPr>
+          <p:cNvPr id="6" name="Freeform 6"/>
           <p:cNvSpPr/>
           <p:nvPr/>
         </p:nvSpPr>
         <p:spPr>
-          <a:xfrm flipH="false" flipV="false" rot="0">
+          <a:xfrm>
             <a:off x="2060169" y="3161708"/>
             <a:ext cx="13929524" cy="6710894"/>
           </a:xfrm>
@@ -5796,9 +5990,9 @@
             <a:gdLst/>
             <a:ahLst/>
             <a:cxnLst/>
-            <a:rect r="r" b="b" t="t" l="l"/>
+            <a:rect l="l" t="t" r="r" b="b"/>
             <a:pathLst>
-              <a:path h="6710894" w="13929524">
+              <a:path w="13929524" h="6710894">
                 <a:moveTo>
                   <a:pt x="0" y="0"/>
                 </a:moveTo>
@@ -5821,19 +6015,26 @@
           <a:blipFill>
             <a:blip r:embed="rId8"/>
             <a:stretch>
-              <a:fillRect l="-1426" t="0" r="0" b="0"/>
+              <a:fillRect l="-1426"/>
             </a:stretch>
           </a:blipFill>
         </p:spPr>
-      </p:sp>
-      <p:sp>
-        <p:nvSpPr>
-          <p:cNvPr name="TextBox 7" id="7"/>
-          <p:cNvSpPr txBox="true"/>
-          <p:nvPr/>
-        </p:nvSpPr>
-        <p:spPr>
-          <a:xfrm rot="0">
+        <p:txBody>
+          <a:bodyPr/>
+          <a:lstStyle/>
+          <a:p>
+            <a:endParaRPr lang="vi-VN"/>
+          </a:p>
+        </p:txBody>
+      </p:sp>
+      <p:sp>
+        <p:nvSpPr>
+          <p:cNvPr id="7" name="TextBox 7"/>
+          <p:cNvSpPr txBox="1"/>
+          <p:nvPr/>
+        </p:nvSpPr>
+        <p:spPr>
+          <a:xfrm>
             <a:off x="2060169" y="2013596"/>
             <a:ext cx="14588645" cy="1153765"/>
           </a:xfrm>
@@ -5842,7 +6043,7 @@
           </a:prstGeom>
         </p:spPr>
         <p:txBody>
-          <a:bodyPr anchor="t" rtlCol="false" tIns="0" lIns="0" bIns="0" rIns="0">
+          <a:bodyPr lIns="0" tIns="0" rIns="0" bIns="0" rtlCol="0" anchor="t">
             <a:spAutoFit/>
           </a:bodyPr>
           <a:lstStyle/>
@@ -5853,7 +6054,7 @@
               </a:lnSpc>
             </a:pPr>
             <a:r>
-              <a:rPr lang="en-US" sz="3326" b="true">
+              <a:rPr lang="en-US" sz="3326" b="1">
                 <a:solidFill>
                   <a:srgbClr val="2E2E2E"/>
                 </a:solidFill>
@@ -5869,12 +6070,12 @@
       </p:sp>
       <p:sp>
         <p:nvSpPr>
-          <p:cNvPr name="TextBox 8" id="8"/>
-          <p:cNvSpPr txBox="true"/>
-          <p:nvPr/>
-        </p:nvSpPr>
-        <p:spPr>
-          <a:xfrm rot="0">
+          <p:cNvPr id="8" name="TextBox 8"/>
+          <p:cNvSpPr txBox="1"/>
+          <p:nvPr/>
+        </p:nvSpPr>
+        <p:spPr>
+          <a:xfrm>
             <a:off x="17259300" y="9210675"/>
             <a:ext cx="152400" cy="200025"/>
           </a:xfrm>
@@ -5883,7 +6084,7 @@
           </a:prstGeom>
         </p:spPr>
         <p:txBody>
-          <a:bodyPr anchor="t" rtlCol="false" tIns="0" lIns="0" bIns="0" rIns="0" wrap="none">
+          <a:bodyPr wrap="none" lIns="0" tIns="0" rIns="0" bIns="0" rtlCol="0" anchor="t">
             <a:spAutoFit/>
           </a:bodyPr>
           <a:lstStyle/>
@@ -5920,13 +6121,14 @@
 </file>
 
 <file path=ppt/slides/slide16.xml><?xml version="1.0" encoding="utf-8"?>
-<p:sld xmlns:p="http://schemas.openxmlformats.org/presentationml/2006/main" xmlns:a="http://schemas.openxmlformats.org/drawingml/2006/main" xmlns:r="http://schemas.openxmlformats.org/officeDocument/2006/relationships">
+<p:sld xmlns:a="http://schemas.openxmlformats.org/drawingml/2006/main" xmlns:r="http://schemas.openxmlformats.org/officeDocument/2006/relationships" xmlns:p="http://schemas.openxmlformats.org/presentationml/2006/main">
   <p:cSld>
     <p:bg>
       <p:bgPr>
         <a:solidFill>
           <a:srgbClr val="F5F2E0"/>
         </a:solidFill>
+        <a:effectLst/>
       </p:bgPr>
     </p:bg>
     <p:spTree>
@@ -5945,12 +6147,12 @@
       </p:grpSpPr>
       <p:sp>
         <p:nvSpPr>
-          <p:cNvPr name="Freeform 2" id="2"/>
+          <p:cNvPr id="2" name="Freeform 2"/>
           <p:cNvSpPr/>
           <p:nvPr/>
         </p:nvSpPr>
         <p:spPr>
-          <a:xfrm flipH="false" flipV="false" rot="3262718">
+          <a:xfrm rot="3262718">
             <a:off x="14164149" y="7923655"/>
             <a:ext cx="2169405" cy="2669291"/>
           </a:xfrm>
@@ -5959,9 +6161,9 @@
             <a:gdLst/>
             <a:ahLst/>
             <a:cxnLst/>
-            <a:rect r="r" b="b" t="t" l="l"/>
+            <a:rect l="l" t="t" r="r" b="b"/>
             <a:pathLst>
-              <a:path h="2669291" w="2169405">
+              <a:path w="2169405" h="2669291">
                 <a:moveTo>
                   <a:pt x="0" y="0"/>
                 </a:moveTo>
@@ -5990,19 +6192,26 @@
               </a:extLst>
             </a:blip>
             <a:stretch>
-              <a:fillRect l="0" t="0" r="0" b="0"/>
+              <a:fillRect/>
             </a:stretch>
           </a:blipFill>
         </p:spPr>
-      </p:sp>
-      <p:sp>
-        <p:nvSpPr>
-          <p:cNvPr name="Freeform 3" id="3"/>
+        <p:txBody>
+          <a:bodyPr/>
+          <a:lstStyle/>
+          <a:p>
+            <a:endParaRPr lang="vi-VN"/>
+          </a:p>
+        </p:txBody>
+      </p:sp>
+      <p:sp>
+        <p:nvSpPr>
+          <p:cNvPr id="3" name="Freeform 3"/>
           <p:cNvSpPr/>
           <p:nvPr/>
         </p:nvSpPr>
         <p:spPr>
-          <a:xfrm flipH="false" flipV="false" rot="-622545">
+          <a:xfrm rot="-622545">
             <a:off x="2772840" y="880344"/>
             <a:ext cx="3190575" cy="777340"/>
           </a:xfrm>
@@ -6011,9 +6220,9 @@
             <a:gdLst/>
             <a:ahLst/>
             <a:cxnLst/>
-            <a:rect r="r" b="b" t="t" l="l"/>
+            <a:rect l="l" t="t" r="r" b="b"/>
             <a:pathLst>
-              <a:path h="777340" w="3190575">
+              <a:path w="3190575" h="777340">
                 <a:moveTo>
                   <a:pt x="0" y="0"/>
                 </a:moveTo>
@@ -6042,19 +6251,26 @@
               </a:extLst>
             </a:blip>
             <a:stretch>
-              <a:fillRect l="0" t="0" r="0" b="0"/>
+              <a:fillRect/>
             </a:stretch>
           </a:blipFill>
         </p:spPr>
-      </p:sp>
-      <p:sp>
-        <p:nvSpPr>
-          <p:cNvPr name="Freeform 4" id="4"/>
+        <p:txBody>
+          <a:bodyPr/>
+          <a:lstStyle/>
+          <a:p>
+            <a:endParaRPr lang="vi-VN"/>
+          </a:p>
+        </p:txBody>
+      </p:sp>
+      <p:sp>
+        <p:nvSpPr>
+          <p:cNvPr id="4" name="Freeform 4"/>
           <p:cNvSpPr/>
           <p:nvPr/>
         </p:nvSpPr>
         <p:spPr>
-          <a:xfrm flipH="false" flipV="false" rot="0">
+          <a:xfrm>
             <a:off x="1506727" y="2240270"/>
             <a:ext cx="15289096" cy="7319655"/>
           </a:xfrm>
@@ -6063,9 +6279,9 @@
             <a:gdLst/>
             <a:ahLst/>
             <a:cxnLst/>
-            <a:rect r="r" b="b" t="t" l="l"/>
+            <a:rect l="l" t="t" r="r" b="b"/>
             <a:pathLst>
-              <a:path h="7319655" w="15289096">
+              <a:path w="15289096" h="7319655">
                 <a:moveTo>
                   <a:pt x="0" y="0"/>
                 </a:moveTo>
@@ -6088,19 +6304,26 @@
           <a:blipFill>
             <a:blip r:embed="rId6"/>
             <a:stretch>
-              <a:fillRect l="0" t="0" r="0" b="0"/>
+              <a:fillRect/>
             </a:stretch>
           </a:blipFill>
         </p:spPr>
-      </p:sp>
-      <p:sp>
-        <p:nvSpPr>
-          <p:cNvPr name="TextBox 5" id="5"/>
-          <p:cNvSpPr txBox="true"/>
-          <p:nvPr/>
-        </p:nvSpPr>
-        <p:spPr>
-          <a:xfrm rot="0">
+        <p:txBody>
+          <a:bodyPr/>
+          <a:lstStyle/>
+          <a:p>
+            <a:endParaRPr lang="vi-VN"/>
+          </a:p>
+        </p:txBody>
+      </p:sp>
+      <p:sp>
+        <p:nvSpPr>
+          <p:cNvPr id="5" name="TextBox 5"/>
+          <p:cNvSpPr txBox="1"/>
+          <p:nvPr/>
+        </p:nvSpPr>
+        <p:spPr>
+          <a:xfrm>
             <a:off x="1043250" y="783300"/>
             <a:ext cx="16216050" cy="1076325"/>
           </a:xfrm>
@@ -6109,7 +6332,7 @@
           </a:prstGeom>
         </p:spPr>
         <p:txBody>
-          <a:bodyPr anchor="t" rtlCol="false" tIns="0" lIns="0" bIns="0" rIns="0">
+          <a:bodyPr lIns="0" tIns="0" rIns="0" bIns="0" rtlCol="0" anchor="t">
             <a:spAutoFit/>
           </a:bodyPr>
           <a:lstStyle/>
@@ -6136,12 +6359,12 @@
       </p:sp>
       <p:sp>
         <p:nvSpPr>
-          <p:cNvPr name="TextBox 6" id="6"/>
-          <p:cNvSpPr txBox="true"/>
-          <p:nvPr/>
-        </p:nvSpPr>
-        <p:spPr>
-          <a:xfrm rot="0">
+          <p:cNvPr id="6" name="TextBox 6"/>
+          <p:cNvSpPr txBox="1"/>
+          <p:nvPr/>
+        </p:nvSpPr>
+        <p:spPr>
+          <a:xfrm>
             <a:off x="17259300" y="9210675"/>
             <a:ext cx="152400" cy="200025"/>
           </a:xfrm>
@@ -6150,7 +6373,7 @@
           </a:prstGeom>
         </p:spPr>
         <p:txBody>
-          <a:bodyPr anchor="t" rtlCol="false" tIns="0" lIns="0" bIns="0" rIns="0" wrap="none">
+          <a:bodyPr wrap="none" lIns="0" tIns="0" rIns="0" bIns="0" rtlCol="0" anchor="t">
             <a:spAutoFit/>
           </a:bodyPr>
           <a:lstStyle/>
@@ -6187,13 +6410,14 @@
 </file>
 
 <file path=ppt/slides/slide17.xml><?xml version="1.0" encoding="utf-8"?>
-<p:sld xmlns:p="http://schemas.openxmlformats.org/presentationml/2006/main" xmlns:a="http://schemas.openxmlformats.org/drawingml/2006/main" xmlns:r="http://schemas.openxmlformats.org/officeDocument/2006/relationships">
+<p:sld xmlns:a="http://schemas.openxmlformats.org/drawingml/2006/main" xmlns:r="http://schemas.openxmlformats.org/officeDocument/2006/relationships" xmlns:p="http://schemas.openxmlformats.org/presentationml/2006/main">
   <p:cSld>
     <p:bg>
       <p:bgPr>
         <a:solidFill>
           <a:srgbClr val="A6CD70"/>
         </a:solidFill>
+        <a:effectLst/>
       </p:bgPr>
     </p:bg>
     <p:spTree>
@@ -6212,12 +6436,12 @@
       </p:grpSpPr>
       <p:sp>
         <p:nvSpPr>
-          <p:cNvPr name="Freeform 2" id="2"/>
+          <p:cNvPr id="2" name="Freeform 2"/>
           <p:cNvSpPr/>
           <p:nvPr/>
         </p:nvSpPr>
         <p:spPr>
-          <a:xfrm flipH="false" flipV="false" rot="0">
+          <a:xfrm>
             <a:off x="-1144329" y="-332874"/>
             <a:ext cx="4346057" cy="1793736"/>
           </a:xfrm>
@@ -6226,9 +6450,9 @@
             <a:gdLst/>
             <a:ahLst/>
             <a:cxnLst/>
-            <a:rect r="r" b="b" t="t" l="l"/>
+            <a:rect l="l" t="t" r="r" b="b"/>
             <a:pathLst>
-              <a:path h="1793736" w="4346057">
+              <a:path w="4346057" h="1793736">
                 <a:moveTo>
                   <a:pt x="0" y="0"/>
                 </a:moveTo>
@@ -6257,19 +6481,26 @@
               </a:extLst>
             </a:blip>
             <a:stretch>
-              <a:fillRect l="0" t="0" r="0" b="0"/>
+              <a:fillRect/>
             </a:stretch>
           </a:blipFill>
         </p:spPr>
-      </p:sp>
-      <p:sp>
-        <p:nvSpPr>
-          <p:cNvPr name="Freeform 3" id="3"/>
+        <p:txBody>
+          <a:bodyPr/>
+          <a:lstStyle/>
+          <a:p>
+            <a:endParaRPr lang="vi-VN"/>
+          </a:p>
+        </p:txBody>
+      </p:sp>
+      <p:sp>
+        <p:nvSpPr>
+          <p:cNvPr id="3" name="Freeform 3"/>
           <p:cNvSpPr/>
           <p:nvPr/>
         </p:nvSpPr>
         <p:spPr>
-          <a:xfrm flipH="false" flipV="false" rot="-10271255">
+          <a:xfrm rot="-10271255">
             <a:off x="-425614" y="9296590"/>
             <a:ext cx="3880458" cy="952476"/>
           </a:xfrm>
@@ -6278,9 +6509,9 @@
             <a:gdLst/>
             <a:ahLst/>
             <a:cxnLst/>
-            <a:rect r="r" b="b" t="t" l="l"/>
+            <a:rect l="l" t="t" r="r" b="b"/>
             <a:pathLst>
-              <a:path h="952476" w="3880458">
+              <a:path w="3880458" h="952476">
                 <a:moveTo>
                   <a:pt x="0" y="0"/>
                 </a:moveTo>
@@ -6309,19 +6540,26 @@
               </a:extLst>
             </a:blip>
             <a:stretch>
-              <a:fillRect l="0" t="0" r="0" b="0"/>
+              <a:fillRect/>
             </a:stretch>
           </a:blipFill>
         </p:spPr>
-      </p:sp>
-      <p:sp>
-        <p:nvSpPr>
-          <p:cNvPr name="Freeform 4" id="4"/>
+        <p:txBody>
+          <a:bodyPr/>
+          <a:lstStyle/>
+          <a:p>
+            <a:endParaRPr lang="vi-VN"/>
+          </a:p>
+        </p:txBody>
+      </p:sp>
+      <p:sp>
+        <p:nvSpPr>
+          <p:cNvPr id="4" name="Freeform 4"/>
           <p:cNvSpPr/>
           <p:nvPr/>
         </p:nvSpPr>
         <p:spPr>
-          <a:xfrm flipH="false" flipV="false" rot="-1063250">
+          <a:xfrm rot="-1063250">
             <a:off x="16460965" y="6663028"/>
             <a:ext cx="2349652" cy="803154"/>
           </a:xfrm>
@@ -6330,9 +6568,9 @@
             <a:gdLst/>
             <a:ahLst/>
             <a:cxnLst/>
-            <a:rect r="r" b="b" t="t" l="l"/>
+            <a:rect l="l" t="t" r="r" b="b"/>
             <a:pathLst>
-              <a:path h="803154" w="2349652">
+              <a:path w="2349652" h="803154">
                 <a:moveTo>
                   <a:pt x="0" y="0"/>
                 </a:moveTo>
@@ -6361,19 +6599,26 @@
               </a:extLst>
             </a:blip>
             <a:stretch>
-              <a:fillRect l="0" t="0" r="0" b="0"/>
+              <a:fillRect/>
             </a:stretch>
           </a:blipFill>
         </p:spPr>
-      </p:sp>
-      <p:sp>
-        <p:nvSpPr>
-          <p:cNvPr name="Freeform 5" id="5"/>
+        <p:txBody>
+          <a:bodyPr/>
+          <a:lstStyle/>
+          <a:p>
+            <a:endParaRPr lang="vi-VN"/>
+          </a:p>
+        </p:txBody>
+      </p:sp>
+      <p:sp>
+        <p:nvSpPr>
+          <p:cNvPr id="5" name="Freeform 5"/>
           <p:cNvSpPr/>
           <p:nvPr/>
         </p:nvSpPr>
         <p:spPr>
-          <a:xfrm flipH="false" flipV="false" rot="0">
+          <a:xfrm>
             <a:off x="1271658" y="1930387"/>
             <a:ext cx="15744685" cy="7478725"/>
           </a:xfrm>
@@ -6382,9 +6627,9 @@
             <a:gdLst/>
             <a:ahLst/>
             <a:cxnLst/>
-            <a:rect r="r" b="b" t="t" l="l"/>
+            <a:rect l="l" t="t" r="r" b="b"/>
             <a:pathLst>
-              <a:path h="7478725" w="15744685">
+              <a:path w="15744685" h="7478725">
                 <a:moveTo>
                   <a:pt x="0" y="0"/>
                 </a:moveTo>
@@ -6407,19 +6652,26 @@
           <a:blipFill>
             <a:blip r:embed="rId8"/>
             <a:stretch>
-              <a:fillRect l="0" t="0" r="0" b="0"/>
+              <a:fillRect/>
             </a:stretch>
           </a:blipFill>
         </p:spPr>
-      </p:sp>
-      <p:sp>
-        <p:nvSpPr>
-          <p:cNvPr name="TextBox 6" id="6"/>
-          <p:cNvSpPr txBox="true"/>
-          <p:nvPr/>
-        </p:nvSpPr>
-        <p:spPr>
-          <a:xfrm rot="0">
+        <p:txBody>
+          <a:bodyPr/>
+          <a:lstStyle/>
+          <a:p>
+            <a:endParaRPr lang="vi-VN"/>
+          </a:p>
+        </p:txBody>
+      </p:sp>
+      <p:sp>
+        <p:nvSpPr>
+          <p:cNvPr id="6" name="TextBox 6"/>
+          <p:cNvSpPr txBox="1"/>
+          <p:nvPr/>
+        </p:nvSpPr>
+        <p:spPr>
+          <a:xfrm>
             <a:off x="3504900" y="630669"/>
             <a:ext cx="11059002" cy="1076325"/>
           </a:xfrm>
@@ -6428,7 +6680,7 @@
           </a:prstGeom>
         </p:spPr>
         <p:txBody>
-          <a:bodyPr anchor="t" rtlCol="false" tIns="0" lIns="0" bIns="0" rIns="0">
+          <a:bodyPr lIns="0" tIns="0" rIns="0" bIns="0" rtlCol="0" anchor="t">
             <a:spAutoFit/>
           </a:bodyPr>
           <a:lstStyle/>
@@ -6439,7 +6691,7 @@
               </a:lnSpc>
             </a:pPr>
             <a:r>
-              <a:rPr lang="en-US" sz="7500" b="true">
+              <a:rPr lang="en-US" sz="7500" b="1">
                 <a:solidFill>
                   <a:srgbClr val="2E2E2E"/>
                 </a:solidFill>
@@ -6455,12 +6707,12 @@
       </p:sp>
       <p:sp>
         <p:nvSpPr>
-          <p:cNvPr name="TextBox 7" id="7"/>
-          <p:cNvSpPr txBox="true"/>
-          <p:nvPr/>
-        </p:nvSpPr>
-        <p:spPr>
-          <a:xfrm rot="0">
+          <p:cNvPr id="7" name="TextBox 7"/>
+          <p:cNvSpPr txBox="1"/>
+          <p:nvPr/>
+        </p:nvSpPr>
+        <p:spPr>
+          <a:xfrm>
             <a:off x="17259300" y="9210675"/>
             <a:ext cx="152400" cy="200025"/>
           </a:xfrm>
@@ -6469,7 +6721,7 @@
           </a:prstGeom>
         </p:spPr>
         <p:txBody>
-          <a:bodyPr anchor="t" rtlCol="false" tIns="0" lIns="0" bIns="0" rIns="0" wrap="none">
+          <a:bodyPr wrap="none" lIns="0" tIns="0" rIns="0" bIns="0" rtlCol="0" anchor="t">
             <a:spAutoFit/>
           </a:bodyPr>
           <a:lstStyle/>
@@ -6506,13 +6758,14 @@
 </file>
 
 <file path=ppt/slides/slide18.xml><?xml version="1.0" encoding="utf-8"?>
-<p:sld xmlns:p="http://schemas.openxmlformats.org/presentationml/2006/main" xmlns:a="http://schemas.openxmlformats.org/drawingml/2006/main" xmlns:r="http://schemas.openxmlformats.org/officeDocument/2006/relationships">
+<p:sld xmlns:a="http://schemas.openxmlformats.org/drawingml/2006/main" xmlns:r="http://schemas.openxmlformats.org/officeDocument/2006/relationships" xmlns:p="http://schemas.openxmlformats.org/presentationml/2006/main">
   <p:cSld>
     <p:bg>
       <p:bgPr>
         <a:solidFill>
           <a:srgbClr val="F5F2E0"/>
         </a:solidFill>
+        <a:effectLst/>
       </p:bgPr>
     </p:bg>
     <p:spTree>
@@ -6531,12 +6784,12 @@
       </p:grpSpPr>
       <p:sp>
         <p:nvSpPr>
-          <p:cNvPr name="Freeform 2" id="2"/>
+          <p:cNvPr id="2" name="Freeform 2"/>
           <p:cNvSpPr/>
           <p:nvPr/>
         </p:nvSpPr>
         <p:spPr>
-          <a:xfrm flipH="false" flipV="false" rot="-8885388">
+          <a:xfrm rot="-8885388">
             <a:off x="12669202" y="-1440180"/>
             <a:ext cx="4418045" cy="4152962"/>
           </a:xfrm>
@@ -6545,9 +6798,9 @@
             <a:gdLst/>
             <a:ahLst/>
             <a:cxnLst/>
-            <a:rect r="r" b="b" t="t" l="l"/>
+            <a:rect l="l" t="t" r="r" b="b"/>
             <a:pathLst>
-              <a:path h="4152962" w="4418045">
+              <a:path w="4418045" h="4152962">
                 <a:moveTo>
                   <a:pt x="0" y="0"/>
                 </a:moveTo>
@@ -6576,19 +6829,26 @@
               </a:extLst>
             </a:blip>
             <a:stretch>
-              <a:fillRect l="0" t="0" r="0" b="0"/>
+              <a:fillRect/>
             </a:stretch>
           </a:blipFill>
         </p:spPr>
+        <p:txBody>
+          <a:bodyPr/>
+          <a:lstStyle/>
+          <a:p>
+            <a:endParaRPr lang="vi-VN"/>
+          </a:p>
+        </p:txBody>
       </p:sp>
       <p:grpSp>
         <p:nvGrpSpPr>
-          <p:cNvPr name="Group 3" id="3"/>
+          <p:cNvPr id="3" name="Group 3"/>
           <p:cNvGrpSpPr/>
           <p:nvPr/>
         </p:nvGrpSpPr>
         <p:grpSpPr>
-          <a:xfrm rot="0">
+          <a:xfrm>
             <a:off x="2219238" y="1207801"/>
             <a:ext cx="13849525" cy="1546479"/>
             <a:chOff x="0" y="0"/>
@@ -6597,12 +6857,12 @@
         </p:grpSpPr>
         <p:sp>
           <p:nvSpPr>
-            <p:cNvPr name="Freeform 4" id="4"/>
+            <p:cNvPr id="4" name="Freeform 4"/>
             <p:cNvSpPr/>
             <p:nvPr/>
           </p:nvSpPr>
           <p:spPr>
-            <a:xfrm flipH="false" flipV="false" rot="0">
+            <a:xfrm>
               <a:off x="0" y="0"/>
               <a:ext cx="10448281" cy="1166686"/>
             </a:xfrm>
@@ -6611,9 +6871,9 @@
               <a:gdLst/>
               <a:ahLst/>
               <a:cxnLst/>
-              <a:rect r="r" b="b" t="t" l="l"/>
+              <a:rect l="l" t="t" r="r" b="b"/>
               <a:pathLst>
-                <a:path h="1166686" w="10448281">
+                <a:path w="10448281" h="1166686">
                   <a:moveTo>
                     <a:pt x="16770" y="0"/>
                   </a:moveTo>
@@ -6667,11 +6927,18 @@
               <a:round/>
             </a:ln>
           </p:spPr>
+          <p:txBody>
+            <a:bodyPr/>
+            <a:lstStyle/>
+            <a:p>
+              <a:endParaRPr lang="vi-VN"/>
+            </a:p>
+          </p:txBody>
         </p:sp>
         <p:sp>
           <p:nvSpPr>
-            <p:cNvPr name="TextBox 5" id="5"/>
-            <p:cNvSpPr txBox="true"/>
+            <p:cNvPr id="5" name="TextBox 5"/>
+            <p:cNvSpPr txBox="1"/>
             <p:nvPr/>
           </p:nvSpPr>
           <p:spPr>
@@ -6684,7 +6951,7 @@
             </a:prstGeom>
           </p:spPr>
           <p:txBody>
-            <a:bodyPr anchor="ctr" rtlCol="false" tIns="254000" lIns="254000" bIns="254000" rIns="254000"/>
+            <a:bodyPr lIns="254000" tIns="254000" rIns="254000" bIns="254000" rtlCol="0" anchor="ctr"/>
             <a:lstStyle/>
             <a:p>
               <a:pPr algn="just">
@@ -6693,7 +6960,7 @@
                 </a:lnSpc>
               </a:pPr>
               <a:r>
-                <a:rPr lang="en-US" sz="3000" b="true">
+                <a:rPr lang="en-US" sz="3000" b="1">
                   <a:solidFill>
                     <a:srgbClr val="2E2E2E"/>
                   </a:solidFill>
@@ -6710,12 +6977,12 @@
       </p:grpSp>
       <p:sp>
         <p:nvSpPr>
-          <p:cNvPr name="Freeform 6" id="6"/>
+          <p:cNvPr id="6" name="Freeform 6"/>
           <p:cNvSpPr/>
           <p:nvPr/>
         </p:nvSpPr>
         <p:spPr>
-          <a:xfrm flipH="false" flipV="false" rot="0">
+          <a:xfrm>
             <a:off x="-2429156" y="9910693"/>
             <a:ext cx="4858312" cy="1183661"/>
           </a:xfrm>
@@ -6724,9 +6991,9 @@
             <a:gdLst/>
             <a:ahLst/>
             <a:cxnLst/>
-            <a:rect r="r" b="b" t="t" l="l"/>
+            <a:rect l="l" t="t" r="r" b="b"/>
             <a:pathLst>
-              <a:path h="1183661" w="4858312">
+              <a:path w="4858312" h="1183661">
                 <a:moveTo>
                   <a:pt x="0" y="0"/>
                 </a:moveTo>
@@ -6755,19 +7022,26 @@
               </a:extLst>
             </a:blip>
             <a:stretch>
-              <a:fillRect l="0" t="0" r="0" b="0"/>
+              <a:fillRect/>
             </a:stretch>
           </a:blipFill>
         </p:spPr>
-      </p:sp>
-      <p:sp>
-        <p:nvSpPr>
-          <p:cNvPr name="Freeform 7" id="7"/>
+        <p:txBody>
+          <a:bodyPr/>
+          <a:lstStyle/>
+          <a:p>
+            <a:endParaRPr lang="vi-VN"/>
+          </a:p>
+        </p:txBody>
+      </p:sp>
+      <p:sp>
+        <p:nvSpPr>
+          <p:cNvPr id="7" name="Freeform 7"/>
           <p:cNvSpPr/>
           <p:nvPr/>
         </p:nvSpPr>
         <p:spPr>
-          <a:xfrm flipH="false" flipV="false" rot="-1880317">
+          <a:xfrm rot="-1880317">
             <a:off x="15359690" y="6876827"/>
             <a:ext cx="1435609" cy="999706"/>
           </a:xfrm>
@@ -6776,9 +7050,9 @@
             <a:gdLst/>
             <a:ahLst/>
             <a:cxnLst/>
-            <a:rect r="r" b="b" t="t" l="l"/>
+            <a:rect l="l" t="t" r="r" b="b"/>
             <a:pathLst>
-              <a:path h="999706" w="1435609">
+              <a:path w="1435609" h="999706">
                 <a:moveTo>
                   <a:pt x="0" y="0"/>
                 </a:moveTo>
@@ -6807,19 +7081,26 @@
               </a:extLst>
             </a:blip>
             <a:stretch>
-              <a:fillRect l="0" t="0" r="0" b="0"/>
+              <a:fillRect/>
             </a:stretch>
           </a:blipFill>
         </p:spPr>
-      </p:sp>
-      <p:sp>
-        <p:nvSpPr>
-          <p:cNvPr name="Freeform 8" id="8"/>
+        <p:txBody>
+          <a:bodyPr/>
+          <a:lstStyle/>
+          <a:p>
+            <a:endParaRPr lang="vi-VN"/>
+          </a:p>
+        </p:txBody>
+      </p:sp>
+      <p:sp>
+        <p:nvSpPr>
+          <p:cNvPr id="8" name="Freeform 8"/>
           <p:cNvSpPr/>
           <p:nvPr/>
         </p:nvSpPr>
         <p:spPr>
-          <a:xfrm flipH="false" flipV="false" rot="0">
+          <a:xfrm>
             <a:off x="2219238" y="3008601"/>
             <a:ext cx="13849525" cy="6647772"/>
           </a:xfrm>
@@ -6828,9 +7109,9 @@
             <a:gdLst/>
             <a:ahLst/>
             <a:cxnLst/>
-            <a:rect r="r" b="b" t="t" l="l"/>
+            <a:rect l="l" t="t" r="r" b="b"/>
             <a:pathLst>
-              <a:path h="6647772" w="13849525">
+              <a:path w="13849525" h="6647772">
                 <a:moveTo>
                   <a:pt x="0" y="0"/>
                 </a:moveTo>
@@ -6853,19 +7134,26 @@
           <a:blipFill>
             <a:blip r:embed="rId8"/>
             <a:stretch>
-              <a:fillRect l="0" t="0" r="0" b="0"/>
+              <a:fillRect/>
             </a:stretch>
           </a:blipFill>
         </p:spPr>
-      </p:sp>
-      <p:sp>
-        <p:nvSpPr>
-          <p:cNvPr name="TextBox 9" id="9"/>
-          <p:cNvSpPr txBox="true"/>
-          <p:nvPr/>
-        </p:nvSpPr>
-        <p:spPr>
-          <a:xfrm rot="0">
+        <p:txBody>
+          <a:bodyPr/>
+          <a:lstStyle/>
+          <a:p>
+            <a:endParaRPr lang="vi-VN"/>
+          </a:p>
+        </p:txBody>
+      </p:sp>
+      <p:sp>
+        <p:nvSpPr>
+          <p:cNvPr id="9" name="TextBox 9"/>
+          <p:cNvSpPr txBox="1"/>
+          <p:nvPr/>
+        </p:nvSpPr>
+        <p:spPr>
+          <a:xfrm>
             <a:off x="4748735" y="131476"/>
             <a:ext cx="8790530" cy="1076325"/>
           </a:xfrm>
@@ -6874,7 +7162,7 @@
           </a:prstGeom>
         </p:spPr>
         <p:txBody>
-          <a:bodyPr anchor="t" rtlCol="false" tIns="0" lIns="0" bIns="0" rIns="0">
+          <a:bodyPr lIns="0" tIns="0" rIns="0" bIns="0" rtlCol="0" anchor="t">
             <a:spAutoFit/>
           </a:bodyPr>
           <a:lstStyle/>
@@ -6885,7 +7173,7 @@
               </a:lnSpc>
             </a:pPr>
             <a:r>
-              <a:rPr lang="en-US" sz="7500" b="true">
+              <a:rPr lang="en-US" sz="7500" b="1">
                 <a:solidFill>
                   <a:srgbClr val="2E2E2E"/>
                 </a:solidFill>
@@ -6901,12 +7189,12 @@
       </p:sp>
       <p:sp>
         <p:nvSpPr>
-          <p:cNvPr name="TextBox 10" id="10"/>
-          <p:cNvSpPr txBox="true"/>
-          <p:nvPr/>
-        </p:nvSpPr>
-        <p:spPr>
-          <a:xfrm rot="0">
+          <p:cNvPr id="10" name="TextBox 10"/>
+          <p:cNvSpPr txBox="1"/>
+          <p:nvPr/>
+        </p:nvSpPr>
+        <p:spPr>
+          <a:xfrm>
             <a:off x="17259300" y="9210675"/>
             <a:ext cx="152400" cy="200025"/>
           </a:xfrm>
@@ -6915,7 +7203,7 @@
           </a:prstGeom>
         </p:spPr>
         <p:txBody>
-          <a:bodyPr anchor="t" rtlCol="false" tIns="0" lIns="0" bIns="0" rIns="0" wrap="none">
+          <a:bodyPr wrap="none" lIns="0" tIns="0" rIns="0" bIns="0" rtlCol="0" anchor="t">
             <a:spAutoFit/>
           </a:bodyPr>
           <a:lstStyle/>
@@ -6952,7 +7240,7 @@
 </file>
 
 <file path=ppt/slides/slide19.xml><?xml version="1.0" encoding="utf-8"?>
-<p:sld xmlns:p="http://schemas.openxmlformats.org/presentationml/2006/main" xmlns:a="http://schemas.openxmlformats.org/drawingml/2006/main" xmlns:r="http://schemas.openxmlformats.org/officeDocument/2006/relationships">
+<p:sld xmlns:a="http://schemas.openxmlformats.org/drawingml/2006/main" xmlns:r="http://schemas.openxmlformats.org/officeDocument/2006/relationships" xmlns:p="http://schemas.openxmlformats.org/presentationml/2006/main">
   <p:cSld>
     <p:spTree>
       <p:nvGrpSpPr>
@@ -6970,12 +7258,12 @@
       </p:grpSpPr>
       <p:grpSp>
         <p:nvGrpSpPr>
-          <p:cNvPr name="Group 2" id="2"/>
+          <p:cNvPr id="2" name="Group 2"/>
           <p:cNvGrpSpPr/>
           <p:nvPr/>
         </p:nvGrpSpPr>
         <p:grpSpPr>
-          <a:xfrm rot="0">
+          <a:xfrm>
             <a:off x="-468923" y="-83950"/>
             <a:ext cx="19450143" cy="2251635"/>
             <a:chOff x="0" y="0"/>
@@ -6984,12 +7272,12 @@
         </p:grpSpPr>
         <p:sp>
           <p:nvSpPr>
-            <p:cNvPr name="Freeform 3" id="3"/>
+            <p:cNvPr id="3" name="Freeform 3"/>
             <p:cNvSpPr/>
             <p:nvPr/>
           </p:nvSpPr>
           <p:spPr>
-            <a:xfrm flipH="false" flipV="false" rot="0">
+            <a:xfrm>
               <a:off x="72390" y="72390"/>
               <a:ext cx="130690059" cy="15001243"/>
             </a:xfrm>
@@ -6998,9 +7286,9 @@
               <a:gdLst/>
               <a:ahLst/>
               <a:cxnLst/>
-              <a:rect r="r" b="b" t="t" l="l"/>
+              <a:rect l="l" t="t" r="r" b="b"/>
               <a:pathLst>
-                <a:path h="15001243" w="130690059">
+                <a:path w="130690059" h="15001243">
                   <a:moveTo>
                     <a:pt x="0" y="0"/>
                   </a:moveTo>
@@ -7024,15 +7312,22 @@
               <a:srgbClr val="F5F2E0"/>
             </a:solidFill>
           </p:spPr>
+          <p:txBody>
+            <a:bodyPr/>
+            <a:lstStyle/>
+            <a:p>
+              <a:endParaRPr lang="vi-VN"/>
+            </a:p>
+          </p:txBody>
         </p:sp>
         <p:sp>
           <p:nvSpPr>
-            <p:cNvPr name="Freeform 4" id="4"/>
+            <p:cNvPr id="4" name="Freeform 4"/>
             <p:cNvSpPr/>
             <p:nvPr/>
           </p:nvSpPr>
           <p:spPr>
-            <a:xfrm flipH="false" flipV="false" rot="0">
+            <a:xfrm>
               <a:off x="0" y="0"/>
               <a:ext cx="130834842" cy="15146023"/>
             </a:xfrm>
@@ -7041,9 +7336,9 @@
               <a:gdLst/>
               <a:ahLst/>
               <a:cxnLst/>
-              <a:rect r="r" b="b" t="t" l="l"/>
+              <a:rect l="l" t="t" r="r" b="b"/>
               <a:pathLst>
-                <a:path h="15146023" w="130834842">
+                <a:path w="130834842" h="15146023">
                   <a:moveTo>
                     <a:pt x="130690057" y="15001244"/>
                   </a:moveTo>
@@ -7179,16 +7474,23 @@
               <a:srgbClr val="A6CD70"/>
             </a:solidFill>
           </p:spPr>
+          <p:txBody>
+            <a:bodyPr/>
+            <a:lstStyle/>
+            <a:p>
+              <a:endParaRPr lang="vi-VN"/>
+            </a:p>
+          </p:txBody>
         </p:sp>
       </p:grpSp>
       <p:grpSp>
         <p:nvGrpSpPr>
-          <p:cNvPr name="Group 5" id="5"/>
+          <p:cNvPr id="5" name="Group 5"/>
           <p:cNvGrpSpPr/>
           <p:nvPr/>
         </p:nvGrpSpPr>
         <p:grpSpPr>
-          <a:xfrm rot="0">
+          <a:xfrm>
             <a:off x="995002" y="8549861"/>
             <a:ext cx="16264298" cy="1718504"/>
             <a:chOff x="0" y="0"/>
@@ -7197,12 +7499,12 @@
         </p:grpSpPr>
         <p:sp>
           <p:nvSpPr>
-            <p:cNvPr name="Freeform 6" id="6"/>
+            <p:cNvPr id="6" name="Freeform 6"/>
             <p:cNvSpPr/>
             <p:nvPr/>
           </p:nvSpPr>
           <p:spPr>
-            <a:xfrm flipH="false" flipV="false" rot="0">
+            <a:xfrm>
               <a:off x="0" y="0"/>
               <a:ext cx="12270021" cy="1296464"/>
             </a:xfrm>
@@ -7211,9 +7513,9 @@
               <a:gdLst/>
               <a:ahLst/>
               <a:cxnLst/>
-              <a:rect r="r" b="b" t="t" l="l"/>
+              <a:rect l="l" t="t" r="r" b="b"/>
               <a:pathLst>
-                <a:path h="1296464" w="12270021">
+                <a:path w="12270021" h="1296464">
                   <a:moveTo>
                     <a:pt x="14280" y="0"/>
                   </a:moveTo>
@@ -7282,11 +7584,18 @@
               <a:round/>
             </a:ln>
           </p:spPr>
+          <p:txBody>
+            <a:bodyPr/>
+            <a:lstStyle/>
+            <a:p>
+              <a:endParaRPr lang="vi-VN"/>
+            </a:p>
+          </p:txBody>
         </p:sp>
         <p:sp>
           <p:nvSpPr>
-            <p:cNvPr name="TextBox 7" id="7"/>
-            <p:cNvSpPr txBox="true"/>
+            <p:cNvPr id="7" name="TextBox 7"/>
+            <p:cNvSpPr txBox="1"/>
             <p:nvPr/>
           </p:nvSpPr>
           <p:spPr>
@@ -7299,7 +7608,7 @@
             </a:prstGeom>
           </p:spPr>
           <p:txBody>
-            <a:bodyPr anchor="ctr" rtlCol="false" tIns="254000" lIns="254000" bIns="254000" rIns="254000"/>
+            <a:bodyPr lIns="254000" tIns="254000" rIns="254000" bIns="254000" rtlCol="0" anchor="ctr"/>
             <a:lstStyle/>
             <a:p>
               <a:pPr algn="ctr">
@@ -7308,7 +7617,7 @@
                 </a:lnSpc>
               </a:pPr>
               <a:r>
-                <a:rPr lang="en-US" sz="3000" b="true">
+                <a:rPr lang="en-US" sz="3000" b="1">
                   <a:solidFill>
                     <a:srgbClr val="2E2E2E"/>
                   </a:solidFill>
@@ -7325,12 +7634,12 @@
       </p:grpSp>
       <p:sp>
         <p:nvSpPr>
-          <p:cNvPr name="Freeform 8" id="8"/>
+          <p:cNvPr id="8" name="Freeform 8"/>
           <p:cNvSpPr/>
           <p:nvPr/>
         </p:nvSpPr>
         <p:spPr>
-          <a:xfrm flipH="false" flipV="false" rot="0">
+          <a:xfrm>
             <a:off x="2542747" y="2264103"/>
             <a:ext cx="13168808" cy="6189340"/>
           </a:xfrm>
@@ -7339,9 +7648,9 @@
             <a:gdLst/>
             <a:ahLst/>
             <a:cxnLst/>
-            <a:rect r="r" b="b" t="t" l="l"/>
+            <a:rect l="l" t="t" r="r" b="b"/>
             <a:pathLst>
-              <a:path h="6189340" w="13168808">
+              <a:path w="13168808" h="6189340">
                 <a:moveTo>
                   <a:pt x="0" y="0"/>
                 </a:moveTo>
@@ -7364,19 +7673,26 @@
           <a:blipFill>
             <a:blip r:embed="rId2"/>
             <a:stretch>
-              <a:fillRect l="0" t="0" r="0" b="0"/>
+              <a:fillRect/>
             </a:stretch>
           </a:blipFill>
         </p:spPr>
-      </p:sp>
-      <p:sp>
-        <p:nvSpPr>
-          <p:cNvPr name="TextBox 9" id="9"/>
-          <p:cNvSpPr txBox="true"/>
-          <p:nvPr/>
-        </p:nvSpPr>
-        <p:spPr>
-          <a:xfrm rot="0">
+        <p:txBody>
+          <a:bodyPr/>
+          <a:lstStyle/>
+          <a:p>
+            <a:endParaRPr lang="vi-VN"/>
+          </a:p>
+        </p:txBody>
+      </p:sp>
+      <p:sp>
+        <p:nvSpPr>
+          <p:cNvPr id="9" name="TextBox 9"/>
+          <p:cNvSpPr txBox="1"/>
+          <p:nvPr/>
+        </p:nvSpPr>
+        <p:spPr>
+          <a:xfrm>
             <a:off x="1028700" y="898524"/>
             <a:ext cx="10835455" cy="1076325"/>
           </a:xfrm>
@@ -7385,7 +7701,7 @@
           </a:prstGeom>
         </p:spPr>
         <p:txBody>
-          <a:bodyPr anchor="t" rtlCol="false" tIns="0" lIns="0" bIns="0" rIns="0">
+          <a:bodyPr lIns="0" tIns="0" rIns="0" bIns="0" rtlCol="0" anchor="t">
             <a:spAutoFit/>
           </a:bodyPr>
           <a:lstStyle/>
@@ -7396,7 +7712,7 @@
               </a:lnSpc>
             </a:pPr>
             <a:r>
-              <a:rPr lang="en-US" sz="7500" b="true">
+              <a:rPr lang="en-US" sz="7500" b="1">
                 <a:solidFill>
                   <a:srgbClr val="2E2E2E"/>
                 </a:solidFill>
@@ -7412,12 +7728,12 @@
       </p:sp>
       <p:sp>
         <p:nvSpPr>
-          <p:cNvPr name="TextBox 10" id="10"/>
-          <p:cNvSpPr txBox="true"/>
-          <p:nvPr/>
-        </p:nvSpPr>
-        <p:spPr>
-          <a:xfrm rot="0">
+          <p:cNvPr id="10" name="TextBox 10"/>
+          <p:cNvSpPr txBox="1"/>
+          <p:nvPr/>
+        </p:nvSpPr>
+        <p:spPr>
+          <a:xfrm>
             <a:off x="17259300" y="9210675"/>
             <a:ext cx="152400" cy="200025"/>
           </a:xfrm>
@@ -7426,7 +7742,7 @@
           </a:prstGeom>
         </p:spPr>
         <p:txBody>
-          <a:bodyPr anchor="t" rtlCol="false" tIns="0" lIns="0" bIns="0" rIns="0" wrap="none">
+          <a:bodyPr wrap="none" lIns="0" tIns="0" rIns="0" bIns="0" rtlCol="0" anchor="t">
             <a:spAutoFit/>
           </a:bodyPr>
           <a:lstStyle/>
@@ -7463,7 +7779,7 @@
 </file>
 
 <file path=ppt/slides/slide2.xml><?xml version="1.0" encoding="utf-8"?>
-<p:sld xmlns:p="http://schemas.openxmlformats.org/presentationml/2006/main" xmlns:a="http://schemas.openxmlformats.org/drawingml/2006/main" xmlns:r="http://schemas.openxmlformats.org/officeDocument/2006/relationships">
+<p:sld xmlns:a="http://schemas.openxmlformats.org/drawingml/2006/main" xmlns:r="http://schemas.openxmlformats.org/officeDocument/2006/relationships" xmlns:p="http://schemas.openxmlformats.org/presentationml/2006/main">
   <p:cSld>
     <p:spTree>
       <p:nvGrpSpPr>
@@ -7481,12 +7797,12 @@
       </p:grpSpPr>
       <p:grpSp>
         <p:nvGrpSpPr>
-          <p:cNvPr name="Group 2" id="2"/>
+          <p:cNvPr id="2" name="Group 2"/>
           <p:cNvGrpSpPr/>
           <p:nvPr/>
         </p:nvGrpSpPr>
         <p:grpSpPr>
-          <a:xfrm rot="0">
+          <a:xfrm>
             <a:off x="7257139" y="3697239"/>
             <a:ext cx="10229249" cy="4874378"/>
             <a:chOff x="0" y="0"/>
@@ -7495,12 +7811,12 @@
         </p:grpSpPr>
         <p:sp>
           <p:nvSpPr>
-            <p:cNvPr name="Freeform 3" id="3"/>
+            <p:cNvPr id="3" name="Freeform 3"/>
             <p:cNvSpPr/>
             <p:nvPr/>
           </p:nvSpPr>
           <p:spPr>
-            <a:xfrm flipH="false" flipV="false" rot="0">
+            <a:xfrm>
               <a:off x="0" y="0"/>
               <a:ext cx="7717093" cy="3677301"/>
             </a:xfrm>
@@ -7509,9 +7825,9 @@
               <a:gdLst/>
               <a:ahLst/>
               <a:cxnLst/>
-              <a:rect r="r" b="b" t="t" l="l"/>
+              <a:rect l="l" t="t" r="r" b="b"/>
               <a:pathLst>
-                <a:path h="3677301" w="7717093">
+                <a:path w="7717093" h="3677301">
                   <a:moveTo>
                     <a:pt x="22705" y="0"/>
                   </a:moveTo>
@@ -7575,11 +7891,18 @@
               <a:round/>
             </a:ln>
           </p:spPr>
+          <p:txBody>
+            <a:bodyPr/>
+            <a:lstStyle/>
+            <a:p>
+              <a:endParaRPr lang="vi-VN"/>
+            </a:p>
+          </p:txBody>
         </p:sp>
         <p:sp>
           <p:nvSpPr>
-            <p:cNvPr name="TextBox 4" id="4"/>
-            <p:cNvSpPr txBox="true"/>
+            <p:cNvPr id="4" name="TextBox 4"/>
+            <p:cNvSpPr txBox="1"/>
             <p:nvPr/>
           </p:nvSpPr>
           <p:spPr>
@@ -7592,7 +7915,7 @@
             </a:prstGeom>
           </p:spPr>
           <p:txBody>
-            <a:bodyPr anchor="ctr" rtlCol="false" tIns="254000" lIns="254000" bIns="254000" rIns="254000"/>
+            <a:bodyPr lIns="254000" tIns="254000" rIns="254000" bIns="254000" rtlCol="0" anchor="ctr"/>
             <a:lstStyle/>
             <a:p>
               <a:pPr algn="l">
@@ -7601,7 +7924,7 @@
                 </a:lnSpc>
               </a:pPr>
               <a:r>
-                <a:rPr lang="en-US" sz="3399" b="true">
+                <a:rPr lang="en-US" sz="3399" b="1">
                   <a:solidFill>
                     <a:srgbClr val="2E2E2E"/>
                   </a:solidFill>
@@ -7610,23 +7933,11 @@
                   <a:cs typeface="Cabin Bold"/>
                   <a:sym typeface="Cabin Bold"/>
                 </a:rPr>
-                <a:t>Hệ thống quản lý</a:t>
-              </a:r>
-              <a:r>
-                <a:rPr lang="en-US" sz="3399" b="true">
-                  <a:solidFill>
-                    <a:srgbClr val="2E2E2E"/>
-                  </a:solidFill>
-                  <a:latin typeface="Cabin Bold"/>
-                  <a:ea typeface="Cabin Bold"/>
-                  <a:cs typeface="Cabin Bold"/>
-                  <a:sym typeface="Cabin Bold"/>
-                </a:rPr>
-                <a:t> văn bản đến và đi</a:t>
+                <a:t>Hệ thống quản lý văn bản đến và đi</a:t>
               </a:r>
             </a:p>
             <a:p>
-              <a:pPr algn="l" marL="734051" indent="-367026" lvl="1">
+              <a:pPr marL="734051" lvl="1" indent="-367026" algn="l">
                 <a:lnSpc>
                   <a:spcPts val="4759"/>
                 </a:lnSpc>
@@ -7634,7 +7945,7 @@
                 <a:buChar char="•"/>
               </a:pPr>
               <a:r>
-                <a:rPr lang="en-US" b="true" sz="3399">
+                <a:rPr lang="en-US" sz="3399" b="1">
                   <a:solidFill>
                     <a:srgbClr val="2E2E2E"/>
                   </a:solidFill>
@@ -7647,7 +7958,7 @@
               </a:r>
             </a:p>
             <a:p>
-              <a:pPr algn="l" marL="734051" indent="-367026" lvl="1">
+              <a:pPr marL="734051" lvl="1" indent="-367026" algn="l">
                 <a:lnSpc>
                   <a:spcPts val="4759"/>
                 </a:lnSpc>
@@ -7655,7 +7966,7 @@
                 <a:buChar char="•"/>
               </a:pPr>
               <a:r>
-                <a:rPr lang="en-US" b="true" sz="3399">
+                <a:rPr lang="en-US" sz="3399" b="1">
                   <a:solidFill>
                     <a:srgbClr val="2E2E2E"/>
                   </a:solidFill>
@@ -7673,18 +7984,27 @@
                   <a:spcPts val="4619"/>
                 </a:lnSpc>
               </a:pPr>
+              <a:endParaRPr lang="en-US" sz="3399" b="1">
+                <a:solidFill>
+                  <a:srgbClr val="2E2E2E"/>
+                </a:solidFill>
+                <a:latin typeface="Cabin Bold"/>
+                <a:ea typeface="Cabin Bold"/>
+                <a:cs typeface="Cabin Bold"/>
+                <a:sym typeface="Cabin Bold"/>
+              </a:endParaRPr>
             </a:p>
           </p:txBody>
         </p:sp>
       </p:grpSp>
       <p:sp>
         <p:nvSpPr>
-          <p:cNvPr name="Freeform 5" id="5"/>
+          <p:cNvPr id="5" name="Freeform 5"/>
           <p:cNvSpPr/>
           <p:nvPr/>
         </p:nvSpPr>
         <p:spPr>
-          <a:xfrm flipH="false" flipV="false" rot="-199484">
+          <a:xfrm rot="-199484">
             <a:off x="-573792" y="3129308"/>
             <a:ext cx="6335897" cy="1543655"/>
           </a:xfrm>
@@ -7693,9 +8013,9 @@
             <a:gdLst/>
             <a:ahLst/>
             <a:cxnLst/>
-            <a:rect r="r" b="b" t="t" l="l"/>
+            <a:rect l="l" t="t" r="r" b="b"/>
             <a:pathLst>
-              <a:path h="1543655" w="6335897">
+              <a:path w="6335897" h="1543655">
                 <a:moveTo>
                   <a:pt x="0" y="0"/>
                 </a:moveTo>
@@ -7724,19 +8044,26 @@
               </a:extLst>
             </a:blip>
             <a:stretch>
-              <a:fillRect l="0" t="0" r="0" b="0"/>
+              <a:fillRect/>
             </a:stretch>
           </a:blipFill>
         </p:spPr>
-      </p:sp>
-      <p:sp>
-        <p:nvSpPr>
-          <p:cNvPr name="TextBox 6" id="6"/>
-          <p:cNvSpPr txBox="true"/>
-          <p:nvPr/>
-        </p:nvSpPr>
-        <p:spPr>
-          <a:xfrm rot="0">
+        <p:txBody>
+          <a:bodyPr/>
+          <a:lstStyle/>
+          <a:p>
+            <a:endParaRPr lang="vi-VN"/>
+          </a:p>
+        </p:txBody>
+      </p:sp>
+      <p:sp>
+        <p:nvSpPr>
+          <p:cNvPr id="6" name="TextBox 6"/>
+          <p:cNvSpPr txBox="1"/>
+          <p:nvPr/>
+        </p:nvSpPr>
+        <p:spPr>
+          <a:xfrm>
             <a:off x="1028700" y="2133522"/>
             <a:ext cx="7663584" cy="1295400"/>
           </a:xfrm>
@@ -7745,18 +8072,18 @@
           </a:prstGeom>
         </p:spPr>
         <p:txBody>
-          <a:bodyPr anchor="t" rtlCol="false" tIns="0" lIns="0" bIns="0" rIns="0">
+          <a:bodyPr lIns="0" tIns="0" rIns="0" bIns="0" rtlCol="0" anchor="t">
             <a:spAutoFit/>
           </a:bodyPr>
           <a:lstStyle/>
           <a:p>
-            <a:pPr algn="ctr" marL="0" indent="0" lvl="0">
+            <a:pPr marL="0" lvl="0" indent="0" algn="ctr">
               <a:lnSpc>
                 <a:spcPts val="9900"/>
               </a:lnSpc>
             </a:pPr>
             <a:r>
-              <a:rPr lang="en-US" b="true" sz="9000">
+              <a:rPr lang="en-US" sz="9000" b="1">
                 <a:solidFill>
                   <a:srgbClr val="2E2E2E"/>
                 </a:solidFill>
@@ -7772,12 +8099,12 @@
       </p:sp>
       <p:sp>
         <p:nvSpPr>
-          <p:cNvPr name="Freeform 7" id="7"/>
+          <p:cNvPr id="7" name="Freeform 7"/>
           <p:cNvSpPr/>
           <p:nvPr/>
         </p:nvSpPr>
         <p:spPr>
-          <a:xfrm flipH="true" flipV="false" rot="-1262787">
+          <a:xfrm rot="-1262787" flipH="1">
             <a:off x="16285969" y="571726"/>
             <a:ext cx="7112830" cy="931134"/>
           </a:xfrm>
@@ -7786,9 +8113,9 @@
             <a:gdLst/>
             <a:ahLst/>
             <a:cxnLst/>
-            <a:rect r="r" b="b" t="t" l="l"/>
+            <a:rect l="l" t="t" r="r" b="b"/>
             <a:pathLst>
-              <a:path h="931134" w="7112830">
+              <a:path w="7112830" h="931134">
                 <a:moveTo>
                   <a:pt x="7112830" y="0"/>
                 </a:moveTo>
@@ -7817,19 +8144,26 @@
               </a:extLst>
             </a:blip>
             <a:stretch>
-              <a:fillRect l="0" t="0" r="0" b="0"/>
+              <a:fillRect/>
             </a:stretch>
           </a:blipFill>
         </p:spPr>
-      </p:sp>
-      <p:sp>
-        <p:nvSpPr>
-          <p:cNvPr name="Freeform 8" id="8"/>
+        <p:txBody>
+          <a:bodyPr/>
+          <a:lstStyle/>
+          <a:p>
+            <a:endParaRPr lang="vi-VN"/>
+          </a:p>
+        </p:txBody>
+      </p:sp>
+      <p:sp>
+        <p:nvSpPr>
+          <p:cNvPr id="8" name="Freeform 8"/>
           <p:cNvSpPr/>
           <p:nvPr/>
         </p:nvSpPr>
         <p:spPr>
-          <a:xfrm flipH="false" flipV="false" rot="0">
+          <a:xfrm>
             <a:off x="9144000" y="9105243"/>
             <a:ext cx="1172391" cy="1572719"/>
           </a:xfrm>
@@ -7838,9 +8172,9 @@
             <a:gdLst/>
             <a:ahLst/>
             <a:cxnLst/>
-            <a:rect r="r" b="b" t="t" l="l"/>
+            <a:rect l="l" t="t" r="r" b="b"/>
             <a:pathLst>
-              <a:path h="1572719" w="1172391">
+              <a:path w="1172391" h="1572719">
                 <a:moveTo>
                   <a:pt x="0" y="0"/>
                 </a:moveTo>
@@ -7869,19 +8203,26 @@
               </a:extLst>
             </a:blip>
             <a:stretch>
-              <a:fillRect l="0" t="0" r="0" b="0"/>
+              <a:fillRect/>
             </a:stretch>
           </a:blipFill>
         </p:spPr>
-      </p:sp>
-      <p:sp>
-        <p:nvSpPr>
-          <p:cNvPr name="TextBox 9" id="9"/>
-          <p:cNvSpPr txBox="true"/>
-          <p:nvPr/>
-        </p:nvSpPr>
-        <p:spPr>
-          <a:xfrm rot="0">
+        <p:txBody>
+          <a:bodyPr/>
+          <a:lstStyle/>
+          <a:p>
+            <a:endParaRPr lang="vi-VN"/>
+          </a:p>
+        </p:txBody>
+      </p:sp>
+      <p:sp>
+        <p:nvSpPr>
+          <p:cNvPr id="9" name="TextBox 9"/>
+          <p:cNvSpPr txBox="1"/>
+          <p:nvPr/>
+        </p:nvSpPr>
+        <p:spPr>
+          <a:xfrm>
             <a:off x="17259300" y="9220200"/>
             <a:ext cx="152400" cy="190500"/>
           </a:xfrm>
@@ -7890,7 +8231,7 @@
           </a:prstGeom>
         </p:spPr>
         <p:txBody>
-          <a:bodyPr anchor="t" rtlCol="false" tIns="0" lIns="0" bIns="0" rIns="0" wrap="none">
+          <a:bodyPr wrap="none" lIns="0" tIns="0" rIns="0" bIns="0" rtlCol="0" anchor="t">
             <a:spAutoFit/>
           </a:bodyPr>
           <a:lstStyle/>
@@ -7927,7 +8268,7 @@
 </file>
 
 <file path=ppt/slides/slide20.xml><?xml version="1.0" encoding="utf-8"?>
-<p:sld xmlns:p="http://schemas.openxmlformats.org/presentationml/2006/main" xmlns:a="http://schemas.openxmlformats.org/drawingml/2006/main" xmlns:r="http://schemas.openxmlformats.org/officeDocument/2006/relationships">
+<p:sld xmlns:a="http://schemas.openxmlformats.org/drawingml/2006/main" xmlns:r="http://schemas.openxmlformats.org/officeDocument/2006/relationships" xmlns:p="http://schemas.openxmlformats.org/presentationml/2006/main">
   <p:cSld>
     <p:spTree>
       <p:nvGrpSpPr>
@@ -7945,12 +8286,12 @@
       </p:grpSpPr>
       <p:grpSp>
         <p:nvGrpSpPr>
-          <p:cNvPr name="Group 2" id="2"/>
+          <p:cNvPr id="2" name="Group 2"/>
           <p:cNvGrpSpPr/>
           <p:nvPr/>
         </p:nvGrpSpPr>
         <p:grpSpPr>
-          <a:xfrm rot="0">
+          <a:xfrm>
             <a:off x="-1590643" y="-377767"/>
             <a:ext cx="8085151" cy="11042534"/>
             <a:chOff x="0" y="0"/>
@@ -7959,12 +8300,12 @@
         </p:grpSpPr>
         <p:sp>
           <p:nvSpPr>
-            <p:cNvPr name="Freeform 3" id="3"/>
+            <p:cNvPr id="3" name="Freeform 3"/>
             <p:cNvSpPr/>
             <p:nvPr/>
           </p:nvSpPr>
           <p:spPr>
-            <a:xfrm flipH="false" flipV="false" rot="0">
+            <a:xfrm>
               <a:off x="72390" y="72390"/>
               <a:ext cx="54241430" cy="74134789"/>
             </a:xfrm>
@@ -7973,9 +8314,9 @@
               <a:gdLst/>
               <a:ahLst/>
               <a:cxnLst/>
-              <a:rect r="r" b="b" t="t" l="l"/>
+              <a:rect l="l" t="t" r="r" b="b"/>
               <a:pathLst>
-                <a:path h="74134789" w="54241430">
+                <a:path w="54241430" h="74134789">
                   <a:moveTo>
                     <a:pt x="0" y="0"/>
                   </a:moveTo>
@@ -7999,15 +8340,22 @@
               <a:srgbClr val="F5F2E0"/>
             </a:solidFill>
           </p:spPr>
+          <p:txBody>
+            <a:bodyPr/>
+            <a:lstStyle/>
+            <a:p>
+              <a:endParaRPr lang="vi-VN"/>
+            </a:p>
+          </p:txBody>
         </p:sp>
         <p:sp>
           <p:nvSpPr>
-            <p:cNvPr name="Freeform 4" id="4"/>
+            <p:cNvPr id="4" name="Freeform 4"/>
             <p:cNvSpPr/>
             <p:nvPr/>
           </p:nvSpPr>
           <p:spPr>
-            <a:xfrm flipH="false" flipV="false" rot="0">
+            <a:xfrm>
               <a:off x="0" y="0"/>
               <a:ext cx="54386206" cy="74279571"/>
             </a:xfrm>
@@ -8016,9 +8364,9 @@
               <a:gdLst/>
               <a:ahLst/>
               <a:cxnLst/>
-              <a:rect r="r" b="b" t="t" l="l"/>
+              <a:rect l="l" t="t" r="r" b="b"/>
               <a:pathLst>
-                <a:path h="74279571" w="54386206">
+                <a:path w="54386206" h="74279571">
                   <a:moveTo>
                     <a:pt x="54241427" y="74134793"/>
                   </a:moveTo>
@@ -8154,16 +8502,23 @@
               <a:srgbClr val="A6CD70"/>
             </a:solidFill>
           </p:spPr>
+          <p:txBody>
+            <a:bodyPr/>
+            <a:lstStyle/>
+            <a:p>
+              <a:endParaRPr lang="vi-VN"/>
+            </a:p>
+          </p:txBody>
         </p:sp>
       </p:grpSp>
       <p:sp>
         <p:nvSpPr>
-          <p:cNvPr name="Freeform 5" id="5"/>
+          <p:cNvPr id="5" name="Freeform 5"/>
           <p:cNvSpPr/>
           <p:nvPr/>
         </p:nvSpPr>
         <p:spPr>
-          <a:xfrm flipH="false" flipV="false" rot="0">
+          <a:xfrm>
             <a:off x="251704" y="8548810"/>
             <a:ext cx="5227623" cy="684343"/>
           </a:xfrm>
@@ -8172,9 +8527,9 @@
             <a:gdLst/>
             <a:ahLst/>
             <a:cxnLst/>
-            <a:rect r="r" b="b" t="t" l="l"/>
+            <a:rect l="l" t="t" r="r" b="b"/>
             <a:pathLst>
-              <a:path h="684343" w="5227623">
+              <a:path w="5227623" h="684343">
                 <a:moveTo>
                   <a:pt x="0" y="0"/>
                 </a:moveTo>
@@ -8203,19 +8558,26 @@
               </a:extLst>
             </a:blip>
             <a:stretch>
-              <a:fillRect l="0" t="0" r="0" b="0"/>
+              <a:fillRect/>
             </a:stretch>
           </a:blipFill>
         </p:spPr>
-      </p:sp>
-      <p:sp>
-        <p:nvSpPr>
-          <p:cNvPr name="Freeform 6" id="6"/>
+        <p:txBody>
+          <a:bodyPr/>
+          <a:lstStyle/>
+          <a:p>
+            <a:endParaRPr lang="vi-VN"/>
+          </a:p>
+        </p:txBody>
+      </p:sp>
+      <p:sp>
+        <p:nvSpPr>
+          <p:cNvPr id="6" name="Freeform 6"/>
           <p:cNvSpPr/>
           <p:nvPr/>
         </p:nvSpPr>
         <p:spPr>
-          <a:xfrm flipH="false" flipV="false" rot="0">
+          <a:xfrm>
             <a:off x="6693081" y="3194838"/>
             <a:ext cx="11301259" cy="5353971"/>
           </a:xfrm>
@@ -8224,9 +8586,9 @@
             <a:gdLst/>
             <a:ahLst/>
             <a:cxnLst/>
-            <a:rect r="r" b="b" t="t" l="l"/>
+            <a:rect l="l" t="t" r="r" b="b"/>
             <a:pathLst>
-              <a:path h="5353971" w="11301259">
+              <a:path w="11301259" h="5353971">
                 <a:moveTo>
                   <a:pt x="0" y="0"/>
                 </a:moveTo>
@@ -8249,19 +8611,26 @@
           <a:blipFill>
             <a:blip r:embed="rId4"/>
             <a:stretch>
-              <a:fillRect l="0" t="0" r="0" b="0"/>
+              <a:fillRect/>
             </a:stretch>
           </a:blipFill>
         </p:spPr>
-      </p:sp>
-      <p:sp>
-        <p:nvSpPr>
-          <p:cNvPr name="TextBox 7" id="7"/>
-          <p:cNvSpPr txBox="true"/>
-          <p:nvPr/>
-        </p:nvSpPr>
-        <p:spPr>
-          <a:xfrm rot="0">
+        <p:txBody>
+          <a:bodyPr/>
+          <a:lstStyle/>
+          <a:p>
+            <a:endParaRPr lang="vi-VN"/>
+          </a:p>
+        </p:txBody>
+      </p:sp>
+      <p:sp>
+        <p:nvSpPr>
+          <p:cNvPr id="7" name="TextBox 7"/>
+          <p:cNvSpPr txBox="1"/>
+          <p:nvPr/>
+        </p:nvSpPr>
+        <p:spPr>
+          <a:xfrm>
             <a:off x="1028700" y="3442868"/>
             <a:ext cx="4749313" cy="2552700"/>
           </a:xfrm>
@@ -8270,7 +8639,7 @@
           </a:prstGeom>
         </p:spPr>
         <p:txBody>
-          <a:bodyPr anchor="t" rtlCol="false" tIns="0" lIns="0" bIns="0" rIns="0">
+          <a:bodyPr lIns="0" tIns="0" rIns="0" bIns="0" rtlCol="0" anchor="t">
             <a:spAutoFit/>
           </a:bodyPr>
           <a:lstStyle/>
@@ -8281,7 +8650,7 @@
               </a:lnSpc>
             </a:pPr>
             <a:r>
-              <a:rPr lang="en-US" b="true" sz="9000">
+              <a:rPr lang="en-US" sz="9000" b="1">
                 <a:solidFill>
                   <a:srgbClr val="2E2E2E"/>
                 </a:solidFill>
@@ -8297,12 +8666,12 @@
       </p:sp>
       <p:sp>
         <p:nvSpPr>
-          <p:cNvPr name="TextBox 8" id="8"/>
-          <p:cNvSpPr txBox="true"/>
-          <p:nvPr/>
-        </p:nvSpPr>
-        <p:spPr>
-          <a:xfrm rot="0">
+          <p:cNvPr id="8" name="TextBox 8"/>
+          <p:cNvSpPr txBox="1"/>
+          <p:nvPr/>
+        </p:nvSpPr>
+        <p:spPr>
+          <a:xfrm>
             <a:off x="6908938" y="796443"/>
             <a:ext cx="10869544" cy="2124075"/>
           </a:xfrm>
@@ -8311,7 +8680,7 @@
           </a:prstGeom>
         </p:spPr>
         <p:txBody>
-          <a:bodyPr anchor="t" rtlCol="false" tIns="0" lIns="0" bIns="0" rIns="0">
+          <a:bodyPr lIns="0" tIns="0" rIns="0" bIns="0" rtlCol="0" anchor="t">
             <a:spAutoFit/>
           </a:bodyPr>
           <a:lstStyle/>
@@ -8322,7 +8691,7 @@
               </a:lnSpc>
             </a:pPr>
             <a:r>
-              <a:rPr lang="en-US" sz="3000" b="true">
+              <a:rPr lang="en-US" sz="3000" b="1">
                 <a:solidFill>
                   <a:srgbClr val="2E2E2E"/>
                 </a:solidFill>
@@ -8335,7 +8704,7 @@
             </a:r>
           </a:p>
           <a:p>
-            <a:pPr algn="l" marL="0" indent="0" lvl="0">
+            <a:pPr marL="0" lvl="0" indent="0" algn="l">
               <a:lnSpc>
                 <a:spcPts val="4200"/>
               </a:lnSpc>
@@ -8343,17 +8712,26 @@
                 <a:spcPct val="0"/>
               </a:spcBef>
             </a:pPr>
-          </a:p>
-        </p:txBody>
-      </p:sp>
-      <p:sp>
-        <p:nvSpPr>
-          <p:cNvPr name="TextBox 9" id="9"/>
-          <p:cNvSpPr txBox="true"/>
-          <p:nvPr/>
-        </p:nvSpPr>
-        <p:spPr>
-          <a:xfrm rot="0">
+            <a:endParaRPr lang="en-US" sz="3000" b="1">
+              <a:solidFill>
+                <a:srgbClr val="2E2E2E"/>
+              </a:solidFill>
+              <a:latin typeface="Cabin Bold"/>
+              <a:ea typeface="Cabin Bold"/>
+              <a:cs typeface="Cabin Bold"/>
+              <a:sym typeface="Cabin Bold"/>
+            </a:endParaRPr>
+          </a:p>
+        </p:txBody>
+      </p:sp>
+      <p:sp>
+        <p:nvSpPr>
+          <p:cNvPr id="9" name="TextBox 9"/>
+          <p:cNvSpPr txBox="1"/>
+          <p:nvPr/>
+        </p:nvSpPr>
+        <p:spPr>
+          <a:xfrm>
             <a:off x="17259300" y="9210675"/>
             <a:ext cx="152400" cy="200025"/>
           </a:xfrm>
@@ -8362,7 +8740,7 @@
           </a:prstGeom>
         </p:spPr>
         <p:txBody>
-          <a:bodyPr anchor="t" rtlCol="false" tIns="0" lIns="0" bIns="0" rIns="0" wrap="none">
+          <a:bodyPr wrap="none" lIns="0" tIns="0" rIns="0" bIns="0" rtlCol="0" anchor="t">
             <a:spAutoFit/>
           </a:bodyPr>
           <a:lstStyle/>
@@ -8399,7 +8777,7 @@
 </file>
 
 <file path=ppt/slides/slide21.xml><?xml version="1.0" encoding="utf-8"?>
-<p:sld xmlns:p="http://schemas.openxmlformats.org/presentationml/2006/main" xmlns:a="http://schemas.openxmlformats.org/drawingml/2006/main" xmlns:r="http://schemas.openxmlformats.org/officeDocument/2006/relationships">
+<p:sld xmlns:a="http://schemas.openxmlformats.org/drawingml/2006/main" xmlns:r="http://schemas.openxmlformats.org/officeDocument/2006/relationships" xmlns:p="http://schemas.openxmlformats.org/presentationml/2006/main">
   <p:cSld>
     <p:spTree>
       <p:nvGrpSpPr>
@@ -8417,12 +8795,12 @@
       </p:grpSpPr>
       <p:sp>
         <p:nvSpPr>
-          <p:cNvPr name="Freeform 2" id="2"/>
+          <p:cNvPr id="2" name="Freeform 2"/>
           <p:cNvSpPr/>
           <p:nvPr/>
         </p:nvSpPr>
         <p:spPr>
-          <a:xfrm flipH="false" flipV="false" rot="0">
+          <a:xfrm>
             <a:off x="0" y="0"/>
             <a:ext cx="18288000" cy="10287000"/>
           </a:xfrm>
@@ -8431,9 +8809,9 @@
             <a:gdLst/>
             <a:ahLst/>
             <a:cxnLst/>
-            <a:rect r="r" b="b" t="t" l="l"/>
+            <a:rect l="l" t="t" r="r" b="b"/>
             <a:pathLst>
-              <a:path h="10287000" w="18288000">
+              <a:path w="18288000" h="10287000">
                 <a:moveTo>
                   <a:pt x="0" y="0"/>
                 </a:moveTo>
@@ -8456,19 +8834,26 @@
           <a:blipFill>
             <a:blip r:embed="rId2"/>
             <a:stretch>
-              <a:fillRect l="0" t="-9222" r="0" b="-9222"/>
+              <a:fillRect t="-9222" b="-9222"/>
             </a:stretch>
           </a:blipFill>
         </p:spPr>
-      </p:sp>
-      <p:sp>
-        <p:nvSpPr>
-          <p:cNvPr name="TextBox 3" id="3"/>
-          <p:cNvSpPr txBox="true"/>
-          <p:nvPr/>
-        </p:nvSpPr>
-        <p:spPr>
-          <a:xfrm rot="0">
+        <p:txBody>
+          <a:bodyPr/>
+          <a:lstStyle/>
+          <a:p>
+            <a:endParaRPr lang="vi-VN"/>
+          </a:p>
+        </p:txBody>
+      </p:sp>
+      <p:sp>
+        <p:nvSpPr>
+          <p:cNvPr id="3" name="TextBox 3"/>
+          <p:cNvSpPr txBox="1"/>
+          <p:nvPr/>
+        </p:nvSpPr>
+        <p:spPr>
+          <a:xfrm>
             <a:off x="17259300" y="9210675"/>
             <a:ext cx="152400" cy="200025"/>
           </a:xfrm>
@@ -8477,7 +8862,7 @@
           </a:prstGeom>
         </p:spPr>
         <p:txBody>
-          <a:bodyPr anchor="t" rtlCol="false" tIns="0" lIns="0" bIns="0" rIns="0" wrap="none">
+          <a:bodyPr wrap="none" lIns="0" tIns="0" rIns="0" bIns="0" rtlCol="0" anchor="t">
             <a:spAutoFit/>
           </a:bodyPr>
           <a:lstStyle/>
@@ -8514,7 +8899,7 @@
 </file>
 
 <file path=ppt/slides/slide3.xml><?xml version="1.0" encoding="utf-8"?>
-<p:sld xmlns:p="http://schemas.openxmlformats.org/presentationml/2006/main" xmlns:a="http://schemas.openxmlformats.org/drawingml/2006/main" xmlns:r="http://schemas.openxmlformats.org/officeDocument/2006/relationships">
+<p:sld xmlns:a="http://schemas.openxmlformats.org/drawingml/2006/main" xmlns:r="http://schemas.openxmlformats.org/officeDocument/2006/relationships" xmlns:p="http://schemas.openxmlformats.org/presentationml/2006/main">
   <p:cSld>
     <p:spTree>
       <p:nvGrpSpPr>
@@ -8532,12 +8917,12 @@
       </p:grpSpPr>
       <p:sp>
         <p:nvSpPr>
-          <p:cNvPr name="Freeform 2" id="2"/>
+          <p:cNvPr id="2" name="Freeform 2"/>
           <p:cNvSpPr/>
           <p:nvPr/>
         </p:nvSpPr>
         <p:spPr>
-          <a:xfrm flipH="false" flipV="false" rot="-199484">
+          <a:xfrm rot="-199484">
             <a:off x="-807521" y="1905520"/>
             <a:ext cx="6335897" cy="1543655"/>
           </a:xfrm>
@@ -8546,9 +8931,9 @@
             <a:gdLst/>
             <a:ahLst/>
             <a:cxnLst/>
-            <a:rect r="r" b="b" t="t" l="l"/>
+            <a:rect l="l" t="t" r="r" b="b"/>
             <a:pathLst>
-              <a:path h="1543655" w="6335897">
+              <a:path w="6335897" h="1543655">
                 <a:moveTo>
                   <a:pt x="0" y="0"/>
                 </a:moveTo>
@@ -8577,19 +8962,26 @@
               </a:extLst>
             </a:blip>
             <a:stretch>
-              <a:fillRect l="0" t="0" r="0" b="0"/>
+              <a:fillRect/>
             </a:stretch>
           </a:blipFill>
         </p:spPr>
+        <p:txBody>
+          <a:bodyPr/>
+          <a:lstStyle/>
+          <a:p>
+            <a:endParaRPr lang="vi-VN"/>
+          </a:p>
+        </p:txBody>
       </p:sp>
       <p:grpSp>
         <p:nvGrpSpPr>
-          <p:cNvPr name="Group 3" id="3"/>
+          <p:cNvPr id="3" name="Group 3"/>
           <p:cNvGrpSpPr/>
           <p:nvPr/>
         </p:nvGrpSpPr>
         <p:grpSpPr>
-          <a:xfrm rot="0">
+          <a:xfrm>
             <a:off x="209583" y="2677347"/>
             <a:ext cx="5651829" cy="5404395"/>
             <a:chOff x="0" y="0"/>
@@ -8598,12 +8990,12 @@
         </p:grpSpPr>
         <p:sp>
           <p:nvSpPr>
-            <p:cNvPr name="Freeform 4" id="4"/>
+            <p:cNvPr id="4" name="Freeform 4"/>
             <p:cNvSpPr/>
             <p:nvPr/>
           </p:nvSpPr>
           <p:spPr>
-            <a:xfrm flipH="false" flipV="false" rot="0">
+            <a:xfrm>
               <a:off x="0" y="0"/>
               <a:ext cx="4263821" cy="4077153"/>
             </a:xfrm>
@@ -8612,9 +9004,9 @@
               <a:gdLst/>
               <a:ahLst/>
               <a:cxnLst/>
-              <a:rect r="r" b="b" t="t" l="l"/>
+              <a:rect l="l" t="t" r="r" b="b"/>
               <a:pathLst>
-                <a:path h="4077153" w="4263821">
+                <a:path w="4263821" h="4077153">
                   <a:moveTo>
                     <a:pt x="41094" y="0"/>
                   </a:moveTo>
@@ -8673,11 +9065,18 @@
               <a:round/>
             </a:ln>
           </p:spPr>
+          <p:txBody>
+            <a:bodyPr/>
+            <a:lstStyle/>
+            <a:p>
+              <a:endParaRPr lang="vi-VN"/>
+            </a:p>
+          </p:txBody>
         </p:sp>
         <p:sp>
           <p:nvSpPr>
-            <p:cNvPr name="TextBox 5" id="5"/>
-            <p:cNvSpPr txBox="true"/>
+            <p:cNvPr id="5" name="TextBox 5"/>
+            <p:cNvSpPr txBox="1"/>
             <p:nvPr/>
           </p:nvSpPr>
           <p:spPr>
@@ -8690,7 +9089,7 @@
             </a:prstGeom>
           </p:spPr>
           <p:txBody>
-            <a:bodyPr anchor="ctr" rtlCol="false" tIns="254000" lIns="254000" bIns="254000" rIns="254000"/>
+            <a:bodyPr lIns="254000" tIns="254000" rIns="254000" bIns="254000" rtlCol="0" anchor="ctr"/>
             <a:lstStyle/>
             <a:p>
               <a:pPr algn="l">
@@ -8699,7 +9098,7 @@
                 </a:lnSpc>
               </a:pPr>
               <a:r>
-                <a:rPr lang="en-US" sz="3399" b="true">
+                <a:rPr lang="en-US" sz="3399" b="1">
                   <a:solidFill>
                     <a:srgbClr val="2E2E2E"/>
                   </a:solidFill>
@@ -8712,7 +9111,7 @@
               </a:r>
             </a:p>
             <a:p>
-              <a:pPr algn="l" marL="734051" indent="-367026" lvl="1">
+              <a:pPr marL="734051" lvl="1" indent="-367026" algn="l">
                 <a:lnSpc>
                   <a:spcPts val="4759"/>
                 </a:lnSpc>
@@ -8720,7 +9119,7 @@
                 <a:buChar char="•"/>
               </a:pPr>
               <a:r>
-                <a:rPr lang="en-US" b="true" sz="3399">
+                <a:rPr lang="en-US" sz="3399" b="1">
                   <a:solidFill>
                     <a:srgbClr val="2E2E2E"/>
                   </a:solidFill>
@@ -8733,7 +9132,7 @@
               </a:r>
             </a:p>
             <a:p>
-              <a:pPr algn="l" marL="734051" indent="-367026" lvl="1">
+              <a:pPr marL="734051" lvl="1" indent="-367026" algn="l">
                 <a:lnSpc>
                   <a:spcPts val="4759"/>
                 </a:lnSpc>
@@ -8741,7 +9140,7 @@
                 <a:buChar char="•"/>
               </a:pPr>
               <a:r>
-                <a:rPr lang="en-US" b="true" sz="3399">
+                <a:rPr lang="en-US" sz="3399" b="1">
                   <a:solidFill>
                     <a:srgbClr val="2E2E2E"/>
                   </a:solidFill>
@@ -8754,7 +9153,7 @@
               </a:r>
             </a:p>
             <a:p>
-              <a:pPr algn="l" marL="734051" indent="-367026" lvl="1">
+              <a:pPr marL="734051" lvl="1" indent="-367026" algn="l">
                 <a:lnSpc>
                   <a:spcPts val="4759"/>
                 </a:lnSpc>
@@ -8762,7 +9161,7 @@
                 <a:buChar char="•"/>
               </a:pPr>
               <a:r>
-                <a:rPr lang="en-US" b="true" sz="3399">
+                <a:rPr lang="en-US" sz="3399" b="1">
                   <a:solidFill>
                     <a:srgbClr val="2E2E2E"/>
                   </a:solidFill>
@@ -8780,6 +9179,15 @@
                   <a:spcPts val="4759"/>
                 </a:lnSpc>
               </a:pPr>
+              <a:endParaRPr lang="en-US" sz="3399" b="1">
+                <a:solidFill>
+                  <a:srgbClr val="2E2E2E"/>
+                </a:solidFill>
+                <a:latin typeface="Cabin Bold"/>
+                <a:ea typeface="Cabin Bold"/>
+                <a:cs typeface="Cabin Bold"/>
+                <a:sym typeface="Cabin Bold"/>
+              </a:endParaRPr>
             </a:p>
             <a:p>
               <a:pPr algn="l">
@@ -8787,18 +9195,27 @@
                   <a:spcPts val="4619"/>
                 </a:lnSpc>
               </a:pPr>
+              <a:endParaRPr lang="en-US" sz="3399" b="1">
+                <a:solidFill>
+                  <a:srgbClr val="2E2E2E"/>
+                </a:solidFill>
+                <a:latin typeface="Cabin Bold"/>
+                <a:ea typeface="Cabin Bold"/>
+                <a:cs typeface="Cabin Bold"/>
+                <a:sym typeface="Cabin Bold"/>
+              </a:endParaRPr>
             </a:p>
           </p:txBody>
         </p:sp>
       </p:grpSp>
       <p:sp>
         <p:nvSpPr>
-          <p:cNvPr name="Freeform 6" id="6"/>
+          <p:cNvPr id="6" name="Freeform 6"/>
           <p:cNvSpPr/>
           <p:nvPr/>
         </p:nvSpPr>
         <p:spPr>
-          <a:xfrm flipH="true" flipV="false" rot="-1262787">
+          <a:xfrm rot="-1262787" flipH="1">
             <a:off x="16285969" y="571726"/>
             <a:ext cx="7112830" cy="931134"/>
           </a:xfrm>
@@ -8807,9 +9224,9 @@
             <a:gdLst/>
             <a:ahLst/>
             <a:cxnLst/>
-            <a:rect r="r" b="b" t="t" l="l"/>
+            <a:rect l="l" t="t" r="r" b="b"/>
             <a:pathLst>
-              <a:path h="931134" w="7112830">
+              <a:path w="7112830" h="931134">
                 <a:moveTo>
                   <a:pt x="7112830" y="0"/>
                 </a:moveTo>
@@ -8838,19 +9255,26 @@
               </a:extLst>
             </a:blip>
             <a:stretch>
-              <a:fillRect l="0" t="0" r="0" b="0"/>
+              <a:fillRect/>
             </a:stretch>
           </a:blipFill>
         </p:spPr>
-      </p:sp>
-      <p:sp>
-        <p:nvSpPr>
-          <p:cNvPr name="Freeform 7" id="7"/>
+        <p:txBody>
+          <a:bodyPr/>
+          <a:lstStyle/>
+          <a:p>
+            <a:endParaRPr lang="vi-VN"/>
+          </a:p>
+        </p:txBody>
+      </p:sp>
+      <p:sp>
+        <p:nvSpPr>
+          <p:cNvPr id="7" name="Freeform 7"/>
           <p:cNvSpPr/>
           <p:nvPr/>
         </p:nvSpPr>
         <p:spPr>
-          <a:xfrm flipH="false" flipV="false" rot="0">
+          <a:xfrm>
             <a:off x="9144000" y="9105243"/>
             <a:ext cx="1172391" cy="1572719"/>
           </a:xfrm>
@@ -8859,9 +9283,9 @@
             <a:gdLst/>
             <a:ahLst/>
             <a:cxnLst/>
-            <a:rect r="r" b="b" t="t" l="l"/>
+            <a:rect l="l" t="t" r="r" b="b"/>
             <a:pathLst>
-              <a:path h="1572719" w="1172391">
+              <a:path w="1172391" h="1572719">
                 <a:moveTo>
                   <a:pt x="0" y="0"/>
                 </a:moveTo>
@@ -8890,19 +9314,26 @@
               </a:extLst>
             </a:blip>
             <a:stretch>
-              <a:fillRect l="0" t="0" r="0" b="0"/>
+              <a:fillRect/>
             </a:stretch>
           </a:blipFill>
         </p:spPr>
-      </p:sp>
-      <p:sp>
-        <p:nvSpPr>
-          <p:cNvPr name="Freeform 8" id="8"/>
+        <p:txBody>
+          <a:bodyPr/>
+          <a:lstStyle/>
+          <a:p>
+            <a:endParaRPr lang="vi-VN"/>
+          </a:p>
+        </p:txBody>
+      </p:sp>
+      <p:sp>
+        <p:nvSpPr>
+          <p:cNvPr id="8" name="Freeform 8"/>
           <p:cNvSpPr/>
           <p:nvPr/>
         </p:nvSpPr>
         <p:spPr>
-          <a:xfrm flipH="false" flipV="false" rot="0">
+          <a:xfrm>
             <a:off x="6439612" y="624351"/>
             <a:ext cx="5852508" cy="3167908"/>
           </a:xfrm>
@@ -8911,9 +9342,9 @@
             <a:gdLst/>
             <a:ahLst/>
             <a:cxnLst/>
-            <a:rect r="r" b="b" t="t" l="l"/>
+            <a:rect l="l" t="t" r="r" b="b"/>
             <a:pathLst>
-              <a:path h="3167908" w="5852508">
+              <a:path w="5852508" h="3167908">
                 <a:moveTo>
                   <a:pt x="0" y="0"/>
                 </a:moveTo>
@@ -8936,19 +9367,26 @@
           <a:blipFill>
             <a:blip r:embed="rId8"/>
             <a:stretch>
-              <a:fillRect l="-8252" t="0" r="-28885" b="-4447"/>
+              <a:fillRect l="-8252" r="-28885" b="-4447"/>
             </a:stretch>
           </a:blipFill>
         </p:spPr>
-      </p:sp>
-      <p:sp>
-        <p:nvSpPr>
-          <p:cNvPr name="Freeform 9" id="9"/>
+        <p:txBody>
+          <a:bodyPr/>
+          <a:lstStyle/>
+          <a:p>
+            <a:endParaRPr lang="vi-VN"/>
+          </a:p>
+        </p:txBody>
+      </p:sp>
+      <p:sp>
+        <p:nvSpPr>
+          <p:cNvPr id="9" name="Freeform 9"/>
           <p:cNvSpPr/>
           <p:nvPr/>
         </p:nvSpPr>
         <p:spPr>
-          <a:xfrm flipH="false" flipV="false" rot="0">
+          <a:xfrm>
             <a:off x="6439612" y="6060409"/>
             <a:ext cx="5852508" cy="3385216"/>
           </a:xfrm>
@@ -8957,9 +9395,9 @@
             <a:gdLst/>
             <a:ahLst/>
             <a:cxnLst/>
-            <a:rect r="r" b="b" t="t" l="l"/>
+            <a:rect l="l" t="t" r="r" b="b"/>
             <a:pathLst>
-              <a:path h="3385216" w="5852508">
+              <a:path w="5852508" h="3385216">
                 <a:moveTo>
                   <a:pt x="0" y="0"/>
                 </a:moveTo>
@@ -8982,19 +9420,26 @@
           <a:blipFill>
             <a:blip r:embed="rId9"/>
             <a:stretch>
-              <a:fillRect l="-11328" t="0" r="-29029" b="0"/>
+              <a:fillRect l="-11328" r="-29029"/>
             </a:stretch>
           </a:blipFill>
         </p:spPr>
-      </p:sp>
-      <p:sp>
-        <p:nvSpPr>
-          <p:cNvPr name="Freeform 10" id="10"/>
+        <p:txBody>
+          <a:bodyPr/>
+          <a:lstStyle/>
+          <a:p>
+            <a:endParaRPr lang="vi-VN"/>
+          </a:p>
+        </p:txBody>
+      </p:sp>
+      <p:sp>
+        <p:nvSpPr>
+          <p:cNvPr id="10" name="Freeform 10"/>
           <p:cNvSpPr/>
           <p:nvPr/>
         </p:nvSpPr>
         <p:spPr>
-          <a:xfrm flipH="false" flipV="false" rot="0">
+          <a:xfrm>
             <a:off x="12470400" y="624351"/>
             <a:ext cx="4629670" cy="8850840"/>
           </a:xfrm>
@@ -9003,9 +9448,9 @@
             <a:gdLst/>
             <a:ahLst/>
             <a:cxnLst/>
-            <a:rect r="r" b="b" t="t" l="l"/>
+            <a:rect l="l" t="t" r="r" b="b"/>
             <a:pathLst>
-              <a:path h="8850840" w="4629670">
+              <a:path w="4629670" h="8850840">
                 <a:moveTo>
                   <a:pt x="0" y="0"/>
                 </a:moveTo>
@@ -9028,19 +9473,26 @@
           <a:blipFill>
             <a:blip r:embed="rId10"/>
             <a:stretch>
-              <a:fillRect l="0" t="0" r="0" b="0"/>
+              <a:fillRect/>
             </a:stretch>
           </a:blipFill>
         </p:spPr>
-      </p:sp>
-      <p:sp>
-        <p:nvSpPr>
-          <p:cNvPr name="TextBox 11" id="11"/>
-          <p:cNvSpPr txBox="true"/>
-          <p:nvPr/>
-        </p:nvSpPr>
-        <p:spPr>
-          <a:xfrm rot="0">
+        <p:txBody>
+          <a:bodyPr/>
+          <a:lstStyle/>
+          <a:p>
+            <a:endParaRPr lang="vi-VN"/>
+          </a:p>
+        </p:txBody>
+      </p:sp>
+      <p:sp>
+        <p:nvSpPr>
+          <p:cNvPr id="11" name="TextBox 11"/>
+          <p:cNvSpPr txBox="1"/>
+          <p:nvPr/>
+        </p:nvSpPr>
+        <p:spPr>
+          <a:xfrm>
             <a:off x="-613222" y="427693"/>
             <a:ext cx="7663584" cy="1295400"/>
           </a:xfrm>
@@ -9049,18 +9501,18 @@
           </a:prstGeom>
         </p:spPr>
         <p:txBody>
-          <a:bodyPr anchor="t" rtlCol="false" tIns="0" lIns="0" bIns="0" rIns="0">
+          <a:bodyPr lIns="0" tIns="0" rIns="0" bIns="0" rtlCol="0" anchor="t">
             <a:spAutoFit/>
           </a:bodyPr>
           <a:lstStyle/>
           <a:p>
-            <a:pPr algn="ctr" marL="0" indent="0" lvl="0">
+            <a:pPr marL="0" lvl="0" indent="0" algn="ctr">
               <a:lnSpc>
                 <a:spcPts val="9900"/>
               </a:lnSpc>
             </a:pPr>
             <a:r>
-              <a:rPr lang="en-US" b="true" sz="9000">
+              <a:rPr lang="en-US" sz="9000" b="1">
                 <a:solidFill>
                   <a:srgbClr val="2E2E2E"/>
                 </a:solidFill>
@@ -9076,12 +9528,12 @@
       </p:sp>
       <p:sp>
         <p:nvSpPr>
-          <p:cNvPr name="TextBox 12" id="12"/>
-          <p:cNvSpPr txBox="true"/>
-          <p:nvPr/>
-        </p:nvSpPr>
-        <p:spPr>
-          <a:xfrm rot="0">
+          <p:cNvPr id="12" name="TextBox 12"/>
+          <p:cNvSpPr txBox="1"/>
+          <p:nvPr/>
+        </p:nvSpPr>
+        <p:spPr>
+          <a:xfrm>
             <a:off x="17259300" y="9220200"/>
             <a:ext cx="152400" cy="190500"/>
           </a:xfrm>
@@ -9090,7 +9542,7 @@
           </a:prstGeom>
         </p:spPr>
         <p:txBody>
-          <a:bodyPr anchor="t" rtlCol="false" tIns="0" lIns="0" bIns="0" rIns="0" wrap="none">
+          <a:bodyPr wrap="none" lIns="0" tIns="0" rIns="0" bIns="0" rtlCol="0" anchor="t">
             <a:spAutoFit/>
           </a:bodyPr>
           <a:lstStyle/>
@@ -9127,13 +9579,14 @@
 </file>
 
 <file path=ppt/slides/slide4.xml><?xml version="1.0" encoding="utf-8"?>
-<p:sld xmlns:p="http://schemas.openxmlformats.org/presentationml/2006/main" xmlns:a="http://schemas.openxmlformats.org/drawingml/2006/main" xmlns:r="http://schemas.openxmlformats.org/officeDocument/2006/relationships">
+<p:sld xmlns:a="http://schemas.openxmlformats.org/drawingml/2006/main" xmlns:r="http://schemas.openxmlformats.org/officeDocument/2006/relationships" xmlns:p="http://schemas.openxmlformats.org/presentationml/2006/main">
   <p:cSld>
     <p:bg>
       <p:bgPr>
         <a:solidFill>
           <a:srgbClr val="F5F2E0"/>
         </a:solidFill>
+        <a:effectLst/>
       </p:bgPr>
     </p:bg>
     <p:spTree>
@@ -9152,12 +9605,12 @@
       </p:grpSpPr>
       <p:sp>
         <p:nvSpPr>
-          <p:cNvPr name="Freeform 2" id="2"/>
+          <p:cNvPr id="2" name="Freeform 2"/>
           <p:cNvSpPr/>
           <p:nvPr/>
         </p:nvSpPr>
         <p:spPr>
-          <a:xfrm flipH="false" flipV="false" rot="0">
+          <a:xfrm>
             <a:off x="10026862" y="2629369"/>
             <a:ext cx="8261138" cy="1922592"/>
           </a:xfrm>
@@ -9166,9 +9619,9 @@
             <a:gdLst/>
             <a:ahLst/>
             <a:cxnLst/>
-            <a:rect r="r" b="b" t="t" l="l"/>
+            <a:rect l="l" t="t" r="r" b="b"/>
             <a:pathLst>
-              <a:path h="1922592" w="8261138">
+              <a:path w="8261138" h="1922592">
                 <a:moveTo>
                   <a:pt x="0" y="0"/>
                 </a:moveTo>
@@ -9197,19 +9650,26 @@
               </a:extLst>
             </a:blip>
             <a:stretch>
-              <a:fillRect l="0" t="0" r="0" b="0"/>
+              <a:fillRect/>
             </a:stretch>
           </a:blipFill>
         </p:spPr>
-      </p:sp>
-      <p:sp>
-        <p:nvSpPr>
-          <p:cNvPr name="Freeform 3" id="3"/>
+        <p:txBody>
+          <a:bodyPr/>
+          <a:lstStyle/>
+          <a:p>
+            <a:endParaRPr lang="vi-VN"/>
+          </a:p>
+        </p:txBody>
+      </p:sp>
+      <p:sp>
+        <p:nvSpPr>
+          <p:cNvPr id="3" name="Freeform 3"/>
           <p:cNvSpPr/>
           <p:nvPr/>
         </p:nvSpPr>
         <p:spPr>
-          <a:xfrm flipH="false" flipV="false" rot="0">
+          <a:xfrm>
             <a:off x="9144000" y="1438508"/>
             <a:ext cx="7686075" cy="6226908"/>
           </a:xfrm>
@@ -9218,9 +9678,9 @@
             <a:gdLst/>
             <a:ahLst/>
             <a:cxnLst/>
-            <a:rect r="r" b="b" t="t" l="l"/>
+            <a:rect l="l" t="t" r="r" b="b"/>
             <a:pathLst>
-              <a:path h="6226908" w="7686075">
+              <a:path w="7686075" h="6226908">
                 <a:moveTo>
                   <a:pt x="0" y="0"/>
                 </a:moveTo>
@@ -9243,19 +9703,26 @@
           <a:blipFill>
             <a:blip r:embed="rId4"/>
             <a:stretch>
-              <a:fillRect l="0" t="0" r="0" b="0"/>
+              <a:fillRect/>
             </a:stretch>
           </a:blipFill>
         </p:spPr>
-      </p:sp>
-      <p:sp>
-        <p:nvSpPr>
-          <p:cNvPr name="TextBox 4" id="4"/>
-          <p:cNvSpPr txBox="true"/>
-          <p:nvPr/>
-        </p:nvSpPr>
-        <p:spPr>
-          <a:xfrm rot="0">
+        <p:txBody>
+          <a:bodyPr/>
+          <a:lstStyle/>
+          <a:p>
+            <a:endParaRPr lang="vi-VN"/>
+          </a:p>
+        </p:txBody>
+      </p:sp>
+      <p:sp>
+        <p:nvSpPr>
+          <p:cNvPr id="4" name="TextBox 4"/>
+          <p:cNvSpPr txBox="1"/>
+          <p:nvPr/>
+        </p:nvSpPr>
+        <p:spPr>
+          <a:xfrm>
             <a:off x="17259300" y="9201150"/>
             <a:ext cx="152400" cy="209550"/>
           </a:xfrm>
@@ -9264,7 +9731,7 @@
           </a:prstGeom>
         </p:spPr>
         <p:txBody>
-          <a:bodyPr anchor="t" rtlCol="false" tIns="0" lIns="0" bIns="0" rIns="0" wrap="none">
+          <a:bodyPr wrap="none" lIns="0" tIns="0" rIns="0" bIns="0" rtlCol="0" anchor="t">
             <a:spAutoFit/>
           </a:bodyPr>
           <a:lstStyle/>
@@ -9294,12 +9761,12 @@
       </p:sp>
       <p:sp>
         <p:nvSpPr>
-          <p:cNvPr name="TextBox 5" id="5"/>
-          <p:cNvSpPr txBox="true"/>
-          <p:nvPr/>
-        </p:nvSpPr>
-        <p:spPr>
-          <a:xfrm rot="0">
+          <p:cNvPr id="5" name="TextBox 5"/>
+          <p:cNvSpPr txBox="1"/>
+          <p:nvPr/>
+        </p:nvSpPr>
+        <p:spPr>
+          <a:xfrm>
             <a:off x="361375" y="1228725"/>
             <a:ext cx="7761335" cy="9058275"/>
           </a:xfrm>
@@ -9308,7 +9775,7 @@
           </a:prstGeom>
         </p:spPr>
         <p:txBody>
-          <a:bodyPr anchor="t" rtlCol="false" tIns="0" lIns="0" bIns="0" rIns="0">
+          <a:bodyPr lIns="0" tIns="0" rIns="0" bIns="0" rtlCol="0" anchor="t">
             <a:spAutoFit/>
           </a:bodyPr>
           <a:lstStyle/>
@@ -9319,7 +9786,7 @@
               </a:lnSpc>
             </a:pPr>
             <a:r>
-              <a:rPr lang="en-US" sz="3000" b="true">
+              <a:rPr lang="en-US" sz="3000" b="1">
                 <a:solidFill>
                   <a:srgbClr val="2E2E2E"/>
                 </a:solidFill>
@@ -9328,23 +9795,11 @@
                 <a:cs typeface="Cabin Bold"/>
                 <a:sym typeface="Cabin Bold"/>
               </a:rPr>
-              <a:t>C</a:t>
-            </a:r>
-            <a:r>
-              <a:rPr lang="en-US" b="true" sz="3000">
-                <a:solidFill>
-                  <a:srgbClr val="2E2E2E"/>
-                </a:solidFill>
-                <a:latin typeface="Cabin Bold"/>
-                <a:ea typeface="Cabin Bold"/>
-                <a:cs typeface="Cabin Bold"/>
-                <a:sym typeface="Cabin Bold"/>
-              </a:rPr>
-              <a:t>ác chức năng chính:</a:t>
-            </a:r>
-          </a:p>
-          <a:p>
-            <a:pPr algn="l" marL="647700" indent="-323850" lvl="1">
+              <a:t>Các chức năng chính:</a:t>
+            </a:r>
+          </a:p>
+          <a:p>
+            <a:pPr marL="647700" lvl="1" indent="-323850" algn="l">
               <a:lnSpc>
                 <a:spcPts val="4200"/>
               </a:lnSpc>
@@ -9352,7 +9807,7 @@
               <a:buChar char="•"/>
             </a:pPr>
             <a:r>
-              <a:rPr lang="en-US" b="true" sz="3000">
+              <a:rPr lang="en-US" sz="3000" b="1">
                 <a:solidFill>
                   <a:srgbClr val="2E2E2E"/>
                 </a:solidFill>
@@ -9365,7 +9820,7 @@
             </a:r>
           </a:p>
           <a:p>
-            <a:pPr algn="l" marL="647700" indent="-323850" lvl="1">
+            <a:pPr marL="647700" lvl="1" indent="-323850" algn="l">
               <a:lnSpc>
                 <a:spcPts val="4200"/>
               </a:lnSpc>
@@ -9373,7 +9828,7 @@
               <a:buChar char="•"/>
             </a:pPr>
             <a:r>
-              <a:rPr lang="en-US" b="true" sz="3000">
+              <a:rPr lang="en-US" sz="3000" b="1">
                 <a:solidFill>
                   <a:srgbClr val="2E2E2E"/>
                 </a:solidFill>
@@ -9386,7 +9841,7 @@
             </a:r>
           </a:p>
           <a:p>
-            <a:pPr algn="l" marL="647700" indent="-323850" lvl="1">
+            <a:pPr marL="647700" lvl="1" indent="-323850" algn="l">
               <a:lnSpc>
                 <a:spcPts val="4200"/>
               </a:lnSpc>
@@ -9394,7 +9849,7 @@
               <a:buChar char="•"/>
             </a:pPr>
             <a:r>
-              <a:rPr lang="en-US" b="true" sz="3000">
+              <a:rPr lang="en-US" sz="3000" b="1">
                 <a:solidFill>
                   <a:srgbClr val="2E2E2E"/>
                 </a:solidFill>
@@ -9407,7 +9862,7 @@
             </a:r>
           </a:p>
           <a:p>
-            <a:pPr algn="l" marL="647700" indent="-323850" lvl="1">
+            <a:pPr marL="647700" lvl="1" indent="-323850" algn="l">
               <a:lnSpc>
                 <a:spcPts val="4200"/>
               </a:lnSpc>
@@ -9415,7 +9870,7 @@
               <a:buChar char="•"/>
             </a:pPr>
             <a:r>
-              <a:rPr lang="en-US" b="true" sz="3000">
+              <a:rPr lang="en-US" sz="3000" b="1">
                 <a:solidFill>
                   <a:srgbClr val="2E2E2E"/>
                 </a:solidFill>
@@ -9428,7 +9883,7 @@
             </a:r>
           </a:p>
           <a:p>
-            <a:pPr algn="l" marL="647700" indent="-323850" lvl="1">
+            <a:pPr marL="647700" lvl="1" indent="-323850" algn="l">
               <a:lnSpc>
                 <a:spcPts val="4200"/>
               </a:lnSpc>
@@ -9436,7 +9891,7 @@
               <a:buChar char="•"/>
             </a:pPr>
             <a:r>
-              <a:rPr lang="en-US" b="true" sz="3000">
+              <a:rPr lang="en-US" sz="3000" b="1">
                 <a:solidFill>
                   <a:srgbClr val="2E2E2E"/>
                 </a:solidFill>
@@ -9449,7 +9904,7 @@
             </a:r>
           </a:p>
           <a:p>
-            <a:pPr algn="l" marL="647700" indent="-323850" lvl="1">
+            <a:pPr marL="647700" lvl="1" indent="-323850" algn="l">
               <a:lnSpc>
                 <a:spcPts val="4200"/>
               </a:lnSpc>
@@ -9457,7 +9912,7 @@
               <a:buChar char="•"/>
             </a:pPr>
             <a:r>
-              <a:rPr lang="en-US" b="true" sz="3000">
+              <a:rPr lang="en-US" sz="3000" b="1">
                 <a:solidFill>
                   <a:srgbClr val="2E2E2E"/>
                 </a:solidFill>
@@ -9475,17 +9930,26 @@
                 <a:spcPts val="4200"/>
               </a:lnSpc>
             </a:pPr>
-          </a:p>
-        </p:txBody>
-      </p:sp>
-      <p:sp>
-        <p:nvSpPr>
-          <p:cNvPr name="TextBox 6" id="6"/>
-          <p:cNvSpPr txBox="true"/>
-          <p:nvPr/>
-        </p:nvSpPr>
-        <p:spPr>
-          <a:xfrm rot="0">
+            <a:endParaRPr lang="en-US" sz="3000" b="1">
+              <a:solidFill>
+                <a:srgbClr val="2E2E2E"/>
+              </a:solidFill>
+              <a:latin typeface="Cabin Bold"/>
+              <a:ea typeface="Cabin Bold"/>
+              <a:cs typeface="Cabin Bold"/>
+              <a:sym typeface="Cabin Bold"/>
+            </a:endParaRPr>
+          </a:p>
+        </p:txBody>
+      </p:sp>
+      <p:sp>
+        <p:nvSpPr>
+          <p:cNvPr id="6" name="TextBox 6"/>
+          <p:cNvSpPr txBox="1"/>
+          <p:nvPr/>
+        </p:nvSpPr>
+        <p:spPr>
+          <a:xfrm>
             <a:off x="192733" y="242173"/>
             <a:ext cx="5330658" cy="638175"/>
           </a:xfrm>
@@ -9494,18 +9958,18 @@
           </a:prstGeom>
         </p:spPr>
         <p:txBody>
-          <a:bodyPr anchor="t" rtlCol="false" tIns="0" lIns="0" bIns="0" rIns="0">
+          <a:bodyPr lIns="0" tIns="0" rIns="0" bIns="0" rtlCol="0" anchor="t">
             <a:spAutoFit/>
           </a:bodyPr>
           <a:lstStyle/>
           <a:p>
-            <a:pPr algn="ctr" marL="0" indent="0" lvl="0">
+            <a:pPr marL="0" lvl="0" indent="0" algn="ctr">
               <a:lnSpc>
                 <a:spcPts val="4950"/>
               </a:lnSpc>
             </a:pPr>
             <a:r>
-              <a:rPr lang="en-US" b="true" sz="4500">
+              <a:rPr lang="en-US" sz="4500" b="1">
                 <a:solidFill>
                   <a:srgbClr val="2E2E2E"/>
                 </a:solidFill>
@@ -9521,12 +9985,12 @@
       </p:sp>
       <p:sp>
         <p:nvSpPr>
-          <p:cNvPr name="TextBox 7" id="7"/>
-          <p:cNvSpPr txBox="true"/>
-          <p:nvPr/>
-        </p:nvSpPr>
-        <p:spPr>
-          <a:xfrm rot="0">
+          <p:cNvPr id="7" name="TextBox 7"/>
+          <p:cNvSpPr txBox="1"/>
+          <p:nvPr/>
+        </p:nvSpPr>
+        <p:spPr>
+          <a:xfrm>
             <a:off x="9144000" y="8221734"/>
             <a:ext cx="7702143" cy="1590675"/>
           </a:xfrm>
@@ -9535,7 +9999,7 @@
           </a:prstGeom>
         </p:spPr>
         <p:txBody>
-          <a:bodyPr anchor="t" rtlCol="false" tIns="0" lIns="0" bIns="0" rIns="0">
+          <a:bodyPr lIns="0" tIns="0" rIns="0" bIns="0" rtlCol="0" anchor="t">
             <a:spAutoFit/>
           </a:bodyPr>
           <a:lstStyle/>
@@ -9549,7 +10013,7 @@
               </a:spcBef>
             </a:pPr>
             <a:r>
-              <a:rPr lang="en-US" b="true" sz="3000">
+              <a:rPr lang="en-US" sz="3000" b="1">
                 <a:solidFill>
                   <a:srgbClr val="2E2E2E"/>
                 </a:solidFill>
@@ -9572,13 +10036,14 @@
 </file>
 
 <file path=ppt/slides/slide5.xml><?xml version="1.0" encoding="utf-8"?>
-<p:sld xmlns:p="http://schemas.openxmlformats.org/presentationml/2006/main" xmlns:a="http://schemas.openxmlformats.org/drawingml/2006/main" xmlns:r="http://schemas.openxmlformats.org/officeDocument/2006/relationships">
+<p:sld xmlns:a="http://schemas.openxmlformats.org/drawingml/2006/main" xmlns:r="http://schemas.openxmlformats.org/officeDocument/2006/relationships" xmlns:p="http://schemas.openxmlformats.org/presentationml/2006/main">
   <p:cSld>
     <p:bg>
       <p:bgPr>
         <a:solidFill>
           <a:srgbClr val="A6CD70"/>
         </a:solidFill>
+        <a:effectLst/>
       </p:bgPr>
     </p:bg>
     <p:spTree>
@@ -9597,12 +10062,12 @@
       </p:grpSpPr>
       <p:sp>
         <p:nvSpPr>
-          <p:cNvPr name="Freeform 2" id="2"/>
+          <p:cNvPr id="2" name="Freeform 2"/>
           <p:cNvSpPr/>
           <p:nvPr/>
         </p:nvSpPr>
         <p:spPr>
-          <a:xfrm flipH="false" flipV="false" rot="-5589959">
+          <a:xfrm rot="-5589959">
             <a:off x="1891045" y="7843639"/>
             <a:ext cx="453097" cy="3611641"/>
           </a:xfrm>
@@ -9611,9 +10076,9 @@
             <a:gdLst/>
             <a:ahLst/>
             <a:cxnLst/>
-            <a:rect r="r" b="b" t="t" l="l"/>
+            <a:rect l="l" t="t" r="r" b="b"/>
             <a:pathLst>
-              <a:path h="3611641" w="453097">
+              <a:path w="453097" h="3611641">
                 <a:moveTo>
                   <a:pt x="0" y="0"/>
                 </a:moveTo>
@@ -9642,19 +10107,26 @@
               </a:extLst>
             </a:blip>
             <a:stretch>
-              <a:fillRect l="0" t="0" r="0" b="0"/>
+              <a:fillRect/>
             </a:stretch>
           </a:blipFill>
         </p:spPr>
-      </p:sp>
-      <p:sp>
-        <p:nvSpPr>
-          <p:cNvPr name="Freeform 3" id="3"/>
+        <p:txBody>
+          <a:bodyPr/>
+          <a:lstStyle/>
+          <a:p>
+            <a:endParaRPr lang="vi-VN"/>
+          </a:p>
+        </p:txBody>
+      </p:sp>
+      <p:sp>
+        <p:nvSpPr>
+          <p:cNvPr id="3" name="Freeform 3"/>
           <p:cNvSpPr/>
           <p:nvPr/>
         </p:nvSpPr>
         <p:spPr>
-          <a:xfrm flipH="false" flipV="false" rot="0">
+          <a:xfrm>
             <a:off x="13310727" y="-2115057"/>
             <a:ext cx="3400271" cy="4758649"/>
           </a:xfrm>
@@ -9663,9 +10135,9 @@
             <a:gdLst/>
             <a:ahLst/>
             <a:cxnLst/>
-            <a:rect r="r" b="b" t="t" l="l"/>
+            <a:rect l="l" t="t" r="r" b="b"/>
             <a:pathLst>
-              <a:path h="4758649" w="3400271">
+              <a:path w="3400271" h="4758649">
                 <a:moveTo>
                   <a:pt x="0" y="0"/>
                 </a:moveTo>
@@ -9694,19 +10166,26 @@
               </a:extLst>
             </a:blip>
             <a:stretch>
-              <a:fillRect l="0" t="0" r="0" b="0"/>
+              <a:fillRect/>
             </a:stretch>
           </a:blipFill>
         </p:spPr>
-      </p:sp>
-      <p:sp>
-        <p:nvSpPr>
-          <p:cNvPr name="Freeform 4" id="4"/>
+        <p:txBody>
+          <a:bodyPr/>
+          <a:lstStyle/>
+          <a:p>
+            <a:endParaRPr lang="vi-VN"/>
+          </a:p>
+        </p:txBody>
+      </p:sp>
+      <p:sp>
+        <p:nvSpPr>
+          <p:cNvPr id="4" name="Freeform 4"/>
           <p:cNvSpPr/>
           <p:nvPr/>
         </p:nvSpPr>
         <p:spPr>
-          <a:xfrm flipH="false" flipV="false" rot="0">
+          <a:xfrm>
             <a:off x="9144000" y="2643591"/>
             <a:ext cx="7566998" cy="5286667"/>
           </a:xfrm>
@@ -9715,9 +10194,9 @@
             <a:gdLst/>
             <a:ahLst/>
             <a:cxnLst/>
-            <a:rect r="r" b="b" t="t" l="l"/>
+            <a:rect l="l" t="t" r="r" b="b"/>
             <a:pathLst>
-              <a:path h="5286667" w="7566998">
+              <a:path w="7566998" h="5286667">
                 <a:moveTo>
                   <a:pt x="0" y="0"/>
                 </a:moveTo>
@@ -9740,19 +10219,26 @@
           <a:blipFill>
             <a:blip r:embed="rId6"/>
             <a:stretch>
-              <a:fillRect l="-4981" t="0" r="-7245" b="0"/>
+              <a:fillRect l="-4981" r="-7245"/>
             </a:stretch>
           </a:blipFill>
         </p:spPr>
-      </p:sp>
-      <p:sp>
-        <p:nvSpPr>
-          <p:cNvPr name="TextBox 5" id="5"/>
-          <p:cNvSpPr txBox="true"/>
-          <p:nvPr/>
-        </p:nvSpPr>
-        <p:spPr>
-          <a:xfrm rot="0">
+        <p:txBody>
+          <a:bodyPr/>
+          <a:lstStyle/>
+          <a:p>
+            <a:endParaRPr lang="vi-VN"/>
+          </a:p>
+        </p:txBody>
+      </p:sp>
+      <p:sp>
+        <p:nvSpPr>
+          <p:cNvPr id="5" name="TextBox 5"/>
+          <p:cNvSpPr txBox="1"/>
+          <p:nvPr/>
+        </p:nvSpPr>
+        <p:spPr>
+          <a:xfrm>
             <a:off x="302017" y="390525"/>
             <a:ext cx="6009070" cy="638175"/>
           </a:xfrm>
@@ -9761,7 +10247,7 @@
           </a:prstGeom>
         </p:spPr>
         <p:txBody>
-          <a:bodyPr anchor="t" rtlCol="false" tIns="0" lIns="0" bIns="0" rIns="0">
+          <a:bodyPr lIns="0" tIns="0" rIns="0" bIns="0" rtlCol="0" anchor="t">
             <a:spAutoFit/>
           </a:bodyPr>
           <a:lstStyle/>
@@ -9772,7 +10258,7 @@
               </a:lnSpc>
             </a:pPr>
             <a:r>
-              <a:rPr lang="en-US" sz="4500" b="true">
+              <a:rPr lang="en-US" sz="4500" b="1">
                 <a:solidFill>
                   <a:srgbClr val="2E2E2E"/>
                 </a:solidFill>
@@ -9788,12 +10274,12 @@
       </p:sp>
       <p:sp>
         <p:nvSpPr>
-          <p:cNvPr name="TextBox 6" id="6"/>
-          <p:cNvSpPr txBox="true"/>
-          <p:nvPr/>
-        </p:nvSpPr>
-        <p:spPr>
-          <a:xfrm rot="0">
+          <p:cNvPr id="6" name="TextBox 6"/>
+          <p:cNvSpPr txBox="1"/>
+          <p:nvPr/>
+        </p:nvSpPr>
+        <p:spPr>
+          <a:xfrm>
             <a:off x="773599" y="1391285"/>
             <a:ext cx="7817951" cy="8524875"/>
           </a:xfrm>
@@ -9802,7 +10288,7 @@
           </a:prstGeom>
         </p:spPr>
         <p:txBody>
-          <a:bodyPr anchor="t" rtlCol="false" tIns="0" lIns="0" bIns="0" rIns="0">
+          <a:bodyPr lIns="0" tIns="0" rIns="0" bIns="0" rtlCol="0" anchor="t">
             <a:spAutoFit/>
           </a:bodyPr>
           <a:lstStyle/>
@@ -9813,7 +10299,7 @@
               </a:lnSpc>
             </a:pPr>
             <a:r>
-              <a:rPr lang="en-US" sz="3000" b="true">
+              <a:rPr lang="en-US" sz="3000" b="1">
                 <a:solidFill>
                   <a:srgbClr val="2E2E2E"/>
                 </a:solidFill>
@@ -9826,7 +10312,7 @@
             </a:r>
           </a:p>
           <a:p>
-            <a:pPr algn="l" marL="647700" indent="-323850" lvl="1">
+            <a:pPr marL="647700" lvl="1" indent="-323850" algn="l">
               <a:lnSpc>
                 <a:spcPts val="4200"/>
               </a:lnSpc>
@@ -9834,7 +10320,7 @@
               <a:buChar char="•"/>
             </a:pPr>
             <a:r>
-              <a:rPr lang="en-US" b="true" sz="3000">
+              <a:rPr lang="en-US" sz="3000" b="1">
                 <a:solidFill>
                   <a:srgbClr val="2E2E2E"/>
                 </a:solidFill>
@@ -9843,23 +10329,11 @@
                 <a:cs typeface="Cabin Bold"/>
                 <a:sym typeface="Cabin Bold"/>
               </a:rPr>
-              <a:t>IsUserLoggedIn: Kiểm tra </a:t>
-            </a:r>
-            <a:r>
-              <a:rPr lang="en-US" b="true" sz="3000">
-                <a:solidFill>
-                  <a:srgbClr val="2E2E2E"/>
-                </a:solidFill>
-                <a:latin typeface="Cabin Bold"/>
-                <a:ea typeface="Cabin Bold"/>
-                <a:cs typeface="Cabin Bold"/>
-                <a:sym typeface="Cabin Bold"/>
-              </a:rPr>
-              <a:t>trạng thái đăng nhập.</a:t>
-            </a:r>
-          </a:p>
-          <a:p>
-            <a:pPr algn="l" marL="647700" indent="-323850" lvl="1">
+              <a:t>IsUserLoggedIn: Kiểm tra trạng thái đăng nhập.</a:t>
+            </a:r>
+          </a:p>
+          <a:p>
+            <a:pPr marL="647700" lvl="1" indent="-323850" algn="l">
               <a:lnSpc>
                 <a:spcPts val="4200"/>
               </a:lnSpc>
@@ -9867,7 +10341,7 @@
               <a:buChar char="•"/>
             </a:pPr>
             <a:r>
-              <a:rPr lang="en-US" b="true" sz="3000">
+              <a:rPr lang="en-US" sz="3000" b="1">
                 <a:solidFill>
                   <a:srgbClr val="2E2E2E"/>
                 </a:solidFill>
@@ -9880,7 +10354,7 @@
             </a:r>
           </a:p>
           <a:p>
-            <a:pPr algn="l" marL="647700" indent="-323850" lvl="1">
+            <a:pPr marL="647700" lvl="1" indent="-323850" algn="l">
               <a:lnSpc>
                 <a:spcPts val="4200"/>
               </a:lnSpc>
@@ -9888,7 +10362,7 @@
               <a:buChar char="•"/>
             </a:pPr>
             <a:r>
-              <a:rPr lang="en-US" b="true" sz="3000">
+              <a:rPr lang="en-US" sz="3000" b="1">
                 <a:solidFill>
                   <a:srgbClr val="2E2E2E"/>
                 </a:solidFill>
@@ -9901,7 +10375,7 @@
             </a:r>
           </a:p>
           <a:p>
-            <a:pPr algn="l" marL="647700" indent="-323850" lvl="1">
+            <a:pPr marL="647700" lvl="1" indent="-323850" algn="l">
               <a:lnSpc>
                 <a:spcPts val="4200"/>
               </a:lnSpc>
@@ -9909,7 +10383,7 @@
               <a:buChar char="•"/>
             </a:pPr>
             <a:r>
-              <a:rPr lang="en-US" b="true" sz="3000">
+              <a:rPr lang="en-US" sz="3000" b="1">
                 <a:solidFill>
                   <a:srgbClr val="2E2E2E"/>
                 </a:solidFill>
@@ -9922,7 +10396,7 @@
             </a:r>
           </a:p>
           <a:p>
-            <a:pPr algn="l" marL="647700" indent="-323850" lvl="1">
+            <a:pPr marL="647700" lvl="1" indent="-323850" algn="l">
               <a:lnSpc>
                 <a:spcPts val="4200"/>
               </a:lnSpc>
@@ -9930,7 +10404,7 @@
               <a:buChar char="•"/>
             </a:pPr>
             <a:r>
-              <a:rPr lang="en-US" b="true" sz="3000">
+              <a:rPr lang="en-US" sz="3000" b="1">
                 <a:solidFill>
                   <a:srgbClr val="2E2E2E"/>
                 </a:solidFill>
@@ -9943,7 +10417,7 @@
             </a:r>
           </a:p>
           <a:p>
-            <a:pPr algn="l" marL="647700" indent="-323850" lvl="1">
+            <a:pPr marL="647700" lvl="1" indent="-323850" algn="l">
               <a:lnSpc>
                 <a:spcPts val="4200"/>
               </a:lnSpc>
@@ -9951,7 +10425,7 @@
               <a:buChar char="•"/>
             </a:pPr>
             <a:r>
-              <a:rPr lang="en-US" b="true" sz="3000">
+              <a:rPr lang="en-US" sz="3000" b="1">
                 <a:solidFill>
                   <a:srgbClr val="2E2E2E"/>
                 </a:solidFill>
@@ -9970,7 +10444,7 @@
               </a:lnSpc>
             </a:pPr>
             <a:r>
-              <a:rPr lang="en-US" sz="3000" b="true">
+              <a:rPr lang="en-US" sz="3000" b="1">
                 <a:solidFill>
                   <a:srgbClr val="2E2E2E"/>
                 </a:solidFill>
@@ -9988,17 +10462,26 @@
                 <a:spcPts val="4200"/>
               </a:lnSpc>
             </a:pPr>
-          </a:p>
-        </p:txBody>
-      </p:sp>
-      <p:sp>
-        <p:nvSpPr>
-          <p:cNvPr name="TextBox 7" id="7"/>
-          <p:cNvSpPr txBox="true"/>
-          <p:nvPr/>
-        </p:nvSpPr>
-        <p:spPr>
-          <a:xfrm rot="0">
+            <a:endParaRPr lang="en-US" sz="3000" b="1">
+              <a:solidFill>
+                <a:srgbClr val="2E2E2E"/>
+              </a:solidFill>
+              <a:latin typeface="Cabin Bold"/>
+              <a:ea typeface="Cabin Bold"/>
+              <a:cs typeface="Cabin Bold"/>
+              <a:sym typeface="Cabin Bold"/>
+            </a:endParaRPr>
+          </a:p>
+        </p:txBody>
+      </p:sp>
+      <p:sp>
+        <p:nvSpPr>
+          <p:cNvPr id="7" name="TextBox 7"/>
+          <p:cNvSpPr txBox="1"/>
+          <p:nvPr/>
+        </p:nvSpPr>
+        <p:spPr>
+          <a:xfrm>
             <a:off x="17259300" y="9201150"/>
             <a:ext cx="152400" cy="209550"/>
           </a:xfrm>
@@ -10007,7 +10490,7 @@
           </a:prstGeom>
         </p:spPr>
         <p:txBody>
-          <a:bodyPr anchor="t" rtlCol="false" tIns="0" lIns="0" bIns="0" rIns="0" wrap="none">
+          <a:bodyPr wrap="none" lIns="0" tIns="0" rIns="0" bIns="0" rtlCol="0" anchor="t">
             <a:spAutoFit/>
           </a:bodyPr>
           <a:lstStyle/>
@@ -10044,13 +10527,14 @@
 </file>
 
 <file path=ppt/slides/slide6.xml><?xml version="1.0" encoding="utf-8"?>
-<p:sld xmlns:p="http://schemas.openxmlformats.org/presentationml/2006/main" xmlns:a="http://schemas.openxmlformats.org/drawingml/2006/main" xmlns:r="http://schemas.openxmlformats.org/officeDocument/2006/relationships">
+<p:sld xmlns:a="http://schemas.openxmlformats.org/drawingml/2006/main" xmlns:r="http://schemas.openxmlformats.org/officeDocument/2006/relationships" xmlns:p="http://schemas.openxmlformats.org/presentationml/2006/main">
   <p:cSld>
     <p:bg>
       <p:bgPr>
         <a:solidFill>
           <a:srgbClr val="F5F2E0"/>
         </a:solidFill>
+        <a:effectLst/>
       </p:bgPr>
     </p:bg>
     <p:spTree>
@@ -10069,12 +10553,12 @@
       </p:grpSpPr>
       <p:sp>
         <p:nvSpPr>
-          <p:cNvPr name="Freeform 2" id="2"/>
+          <p:cNvPr id="2" name="Freeform 2"/>
           <p:cNvSpPr/>
           <p:nvPr/>
         </p:nvSpPr>
         <p:spPr>
-          <a:xfrm flipH="false" flipV="false" rot="0">
+          <a:xfrm>
             <a:off x="10026862" y="2629369"/>
             <a:ext cx="8261138" cy="1922592"/>
           </a:xfrm>
@@ -10083,9 +10567,9 @@
             <a:gdLst/>
             <a:ahLst/>
             <a:cxnLst/>
-            <a:rect r="r" b="b" t="t" l="l"/>
+            <a:rect l="l" t="t" r="r" b="b"/>
             <a:pathLst>
-              <a:path h="1922592" w="8261138">
+              <a:path w="8261138" h="1922592">
                 <a:moveTo>
                   <a:pt x="0" y="0"/>
                 </a:moveTo>
@@ -10114,19 +10598,26 @@
               </a:extLst>
             </a:blip>
             <a:stretch>
-              <a:fillRect l="0" t="0" r="0" b="0"/>
+              <a:fillRect/>
             </a:stretch>
           </a:blipFill>
         </p:spPr>
-      </p:sp>
-      <p:sp>
-        <p:nvSpPr>
-          <p:cNvPr name="TextBox 3" id="3"/>
-          <p:cNvSpPr txBox="true"/>
-          <p:nvPr/>
-        </p:nvSpPr>
-        <p:spPr>
-          <a:xfrm rot="0">
+        <p:txBody>
+          <a:bodyPr/>
+          <a:lstStyle/>
+          <a:p>
+            <a:endParaRPr lang="vi-VN"/>
+          </a:p>
+        </p:txBody>
+      </p:sp>
+      <p:sp>
+        <p:nvSpPr>
+          <p:cNvPr id="3" name="TextBox 3"/>
+          <p:cNvSpPr txBox="1"/>
+          <p:nvPr/>
+        </p:nvSpPr>
+        <p:spPr>
+          <a:xfrm>
             <a:off x="17259300" y="9201150"/>
             <a:ext cx="152400" cy="209550"/>
           </a:xfrm>
@@ -10135,7 +10626,7 @@
           </a:prstGeom>
         </p:spPr>
         <p:txBody>
-          <a:bodyPr anchor="t" rtlCol="false" tIns="0" lIns="0" bIns="0" rIns="0" wrap="none">
+          <a:bodyPr wrap="none" lIns="0" tIns="0" rIns="0" bIns="0" rtlCol="0" anchor="t">
             <a:spAutoFit/>
           </a:bodyPr>
           <a:lstStyle/>
@@ -10165,12 +10656,12 @@
       </p:sp>
       <p:sp>
         <p:nvSpPr>
-          <p:cNvPr name="Freeform 4" id="4"/>
+          <p:cNvPr id="4" name="Freeform 4"/>
           <p:cNvSpPr/>
           <p:nvPr/>
         </p:nvSpPr>
         <p:spPr>
-          <a:xfrm flipH="false" flipV="false" rot="-5589959">
+          <a:xfrm rot="-5589959">
             <a:off x="1891045" y="7843639"/>
             <a:ext cx="453097" cy="3611641"/>
           </a:xfrm>
@@ -10179,9 +10670,9 @@
             <a:gdLst/>
             <a:ahLst/>
             <a:cxnLst/>
-            <a:rect r="r" b="b" t="t" l="l"/>
+            <a:rect l="l" t="t" r="r" b="b"/>
             <a:pathLst>
-              <a:path h="3611641" w="453097">
+              <a:path w="453097" h="3611641">
                 <a:moveTo>
                   <a:pt x="0" y="0"/>
                 </a:moveTo>
@@ -10210,19 +10701,26 @@
               </a:extLst>
             </a:blip>
             <a:stretch>
-              <a:fillRect l="0" t="0" r="0" b="0"/>
+              <a:fillRect/>
             </a:stretch>
           </a:blipFill>
         </p:spPr>
-      </p:sp>
-      <p:sp>
-        <p:nvSpPr>
-          <p:cNvPr name="Freeform 5" id="5"/>
+        <p:txBody>
+          <a:bodyPr/>
+          <a:lstStyle/>
+          <a:p>
+            <a:endParaRPr lang="vi-VN"/>
+          </a:p>
+        </p:txBody>
+      </p:sp>
+      <p:sp>
+        <p:nvSpPr>
+          <p:cNvPr id="5" name="Freeform 5"/>
           <p:cNvSpPr/>
           <p:nvPr/>
         </p:nvSpPr>
         <p:spPr>
-          <a:xfrm flipH="false" flipV="false" rot="0">
+          <a:xfrm>
             <a:off x="13310727" y="-2115057"/>
             <a:ext cx="3400271" cy="4758649"/>
           </a:xfrm>
@@ -10231,9 +10729,9 @@
             <a:gdLst/>
             <a:ahLst/>
             <a:cxnLst/>
-            <a:rect r="r" b="b" t="t" l="l"/>
+            <a:rect l="l" t="t" r="r" b="b"/>
             <a:pathLst>
-              <a:path h="4758649" w="3400271">
+              <a:path w="3400271" h="4758649">
                 <a:moveTo>
                   <a:pt x="0" y="0"/>
                 </a:moveTo>
@@ -10262,19 +10760,26 @@
               </a:extLst>
             </a:blip>
             <a:stretch>
-              <a:fillRect l="0" t="0" r="0" b="0"/>
+              <a:fillRect/>
             </a:stretch>
           </a:blipFill>
         </p:spPr>
-      </p:sp>
-      <p:sp>
-        <p:nvSpPr>
-          <p:cNvPr name="Freeform 6" id="6"/>
+        <p:txBody>
+          <a:bodyPr/>
+          <a:lstStyle/>
+          <a:p>
+            <a:endParaRPr lang="vi-VN"/>
+          </a:p>
+        </p:txBody>
+      </p:sp>
+      <p:sp>
+        <p:nvSpPr>
+          <p:cNvPr id="6" name="Freeform 6"/>
           <p:cNvSpPr/>
           <p:nvPr/>
         </p:nvSpPr>
         <p:spPr>
-          <a:xfrm flipH="false" flipV="false" rot="0">
+          <a:xfrm>
             <a:off x="9144000" y="1457960"/>
             <a:ext cx="7566998" cy="5286667"/>
           </a:xfrm>
@@ -10283,9 +10788,9 @@
             <a:gdLst/>
             <a:ahLst/>
             <a:cxnLst/>
-            <a:rect r="r" b="b" t="t" l="l"/>
+            <a:rect l="l" t="t" r="r" b="b"/>
             <a:pathLst>
-              <a:path h="5286667" w="7566998">
+              <a:path w="7566998" h="5286667">
                 <a:moveTo>
                   <a:pt x="0" y="0"/>
                 </a:moveTo>
@@ -10308,19 +10813,26 @@
           <a:blipFill>
             <a:blip r:embed="rId8"/>
             <a:stretch>
-              <a:fillRect l="-7846" t="0" r="-7846" b="0"/>
+              <a:fillRect l="-7846" r="-7846"/>
             </a:stretch>
           </a:blipFill>
         </p:spPr>
-      </p:sp>
-      <p:sp>
-        <p:nvSpPr>
-          <p:cNvPr name="TextBox 7" id="7"/>
-          <p:cNvSpPr txBox="true"/>
-          <p:nvPr/>
-        </p:nvSpPr>
-        <p:spPr>
-          <a:xfrm rot="0">
+        <p:txBody>
+          <a:bodyPr/>
+          <a:lstStyle/>
+          <a:p>
+            <a:endParaRPr lang="vi-VN"/>
+          </a:p>
+        </p:txBody>
+      </p:sp>
+      <p:sp>
+        <p:nvSpPr>
+          <p:cNvPr id="7" name="TextBox 7"/>
+          <p:cNvSpPr txBox="1"/>
+          <p:nvPr/>
+        </p:nvSpPr>
+        <p:spPr>
+          <a:xfrm>
             <a:off x="302017" y="390525"/>
             <a:ext cx="6009070" cy="638175"/>
           </a:xfrm>
@@ -10329,7 +10841,7 @@
           </a:prstGeom>
         </p:spPr>
         <p:txBody>
-          <a:bodyPr anchor="t" rtlCol="false" tIns="0" lIns="0" bIns="0" rIns="0">
+          <a:bodyPr lIns="0" tIns="0" rIns="0" bIns="0" rtlCol="0" anchor="t">
             <a:spAutoFit/>
           </a:bodyPr>
           <a:lstStyle/>
@@ -10340,7 +10852,7 @@
               </a:lnSpc>
             </a:pPr>
             <a:r>
-              <a:rPr lang="en-US" sz="4500" b="true">
+              <a:rPr lang="en-US" sz="4500" b="1">
                 <a:solidFill>
                   <a:srgbClr val="2E2E2E"/>
                 </a:solidFill>
@@ -10356,12 +10868,12 @@
       </p:sp>
       <p:sp>
         <p:nvSpPr>
-          <p:cNvPr name="TextBox 8" id="8"/>
-          <p:cNvSpPr txBox="true"/>
-          <p:nvPr/>
-        </p:nvSpPr>
-        <p:spPr>
-          <a:xfrm rot="0">
+          <p:cNvPr id="8" name="TextBox 8"/>
+          <p:cNvSpPr txBox="1"/>
+          <p:nvPr/>
+        </p:nvSpPr>
+        <p:spPr>
+          <a:xfrm>
             <a:off x="773599" y="1391285"/>
             <a:ext cx="7817951" cy="8524875"/>
           </a:xfrm>
@@ -10370,7 +10882,7 @@
           </a:prstGeom>
         </p:spPr>
         <p:txBody>
-          <a:bodyPr anchor="t" rtlCol="false" tIns="0" lIns="0" bIns="0" rIns="0">
+          <a:bodyPr lIns="0" tIns="0" rIns="0" bIns="0" rtlCol="0" anchor="t">
             <a:spAutoFit/>
           </a:bodyPr>
           <a:lstStyle/>
@@ -10381,7 +10893,7 @@
               </a:lnSpc>
             </a:pPr>
             <a:r>
-              <a:rPr lang="en-US" sz="3000" b="true">
+              <a:rPr lang="en-US" sz="3000" b="1">
                 <a:solidFill>
                   <a:srgbClr val="000000"/>
                 </a:solidFill>
@@ -10394,7 +10906,7 @@
             </a:r>
           </a:p>
           <a:p>
-            <a:pPr algn="l" marL="647700" indent="-323850" lvl="1">
+            <a:pPr marL="647700" lvl="1" indent="-323850" algn="l">
               <a:lnSpc>
                 <a:spcPts val="4200"/>
               </a:lnSpc>
@@ -10402,7 +10914,7 @@
               <a:buChar char="•"/>
             </a:pPr>
             <a:r>
-              <a:rPr lang="en-US" b="true" sz="3000">
+              <a:rPr lang="en-US" sz="3000" b="1">
                 <a:solidFill>
                   <a:srgbClr val="000000"/>
                 </a:solidFill>
@@ -10415,7 +10927,7 @@
             </a:r>
           </a:p>
           <a:p>
-            <a:pPr algn="l" marL="647700" indent="-323850" lvl="1">
+            <a:pPr marL="647700" lvl="1" indent="-323850" algn="l">
               <a:lnSpc>
                 <a:spcPts val="4200"/>
               </a:lnSpc>
@@ -10423,7 +10935,7 @@
               <a:buChar char="•"/>
             </a:pPr>
             <a:r>
-              <a:rPr lang="en-US" b="true" sz="3000">
+              <a:rPr lang="en-US" sz="3000" b="1">
                 <a:solidFill>
                   <a:srgbClr val="000000"/>
                 </a:solidFill>
@@ -10436,7 +10948,7 @@
             </a:r>
           </a:p>
           <a:p>
-            <a:pPr algn="l" marL="647700" indent="-323850" lvl="1">
+            <a:pPr marL="647700" lvl="1" indent="-323850" algn="l">
               <a:lnSpc>
                 <a:spcPts val="4200"/>
               </a:lnSpc>
@@ -10444,7 +10956,7 @@
               <a:buChar char="•"/>
             </a:pPr>
             <a:r>
-              <a:rPr lang="en-US" b="true" sz="3000">
+              <a:rPr lang="en-US" sz="3000" b="1">
                 <a:solidFill>
                   <a:srgbClr val="000000"/>
                 </a:solidFill>
@@ -10457,7 +10969,7 @@
             </a:r>
           </a:p>
           <a:p>
-            <a:pPr algn="l" marL="647700" indent="-323850" lvl="1">
+            <a:pPr marL="647700" lvl="1" indent="-323850" algn="l">
               <a:lnSpc>
                 <a:spcPts val="4200"/>
               </a:lnSpc>
@@ -10465,7 +10977,7 @@
               <a:buChar char="•"/>
             </a:pPr>
             <a:r>
-              <a:rPr lang="en-US" b="true" sz="3000">
+              <a:rPr lang="en-US" sz="3000" b="1">
                 <a:solidFill>
                   <a:srgbClr val="000000"/>
                 </a:solidFill>
@@ -10478,7 +10990,7 @@
             </a:r>
           </a:p>
           <a:p>
-            <a:pPr algn="l" marL="647700" indent="-323850" lvl="1">
+            <a:pPr marL="647700" lvl="1" indent="-323850" algn="l">
               <a:lnSpc>
                 <a:spcPts val="4200"/>
               </a:lnSpc>
@@ -10486,7 +10998,7 @@
               <a:buChar char="•"/>
             </a:pPr>
             <a:r>
-              <a:rPr lang="en-US" b="true" sz="3000">
+              <a:rPr lang="en-US" sz="3000" b="1">
                 <a:solidFill>
                   <a:srgbClr val="000000"/>
                 </a:solidFill>
@@ -10499,7 +11011,7 @@
             </a:r>
           </a:p>
           <a:p>
-            <a:pPr algn="l" marL="647700" indent="-323850" lvl="1">
+            <a:pPr marL="647700" lvl="1" indent="-323850" algn="l">
               <a:lnSpc>
                 <a:spcPts val="4200"/>
               </a:lnSpc>
@@ -10507,7 +11019,7 @@
               <a:buChar char="•"/>
             </a:pPr>
             <a:r>
-              <a:rPr lang="en-US" b="true" sz="3000">
+              <a:rPr lang="en-US" sz="3000" b="1">
                 <a:solidFill>
                   <a:srgbClr val="000000"/>
                 </a:solidFill>
@@ -10525,6 +11037,15 @@
                 <a:spcPts val="4200"/>
               </a:lnSpc>
             </a:pPr>
+            <a:endParaRPr lang="en-US" sz="3000" b="1">
+              <a:solidFill>
+                <a:srgbClr val="000000"/>
+              </a:solidFill>
+              <a:latin typeface="Cabin Bold"/>
+              <a:ea typeface="Cabin Bold"/>
+              <a:cs typeface="Cabin Bold"/>
+              <a:sym typeface="Cabin Bold"/>
+            </a:endParaRPr>
           </a:p>
           <a:p>
             <a:pPr algn="l">
@@ -10532,17 +11053,26 @@
                 <a:spcPts val="4200"/>
               </a:lnSpc>
             </a:pPr>
-          </a:p>
-        </p:txBody>
-      </p:sp>
-      <p:sp>
-        <p:nvSpPr>
-          <p:cNvPr name="TextBox 9" id="9"/>
-          <p:cNvSpPr txBox="true"/>
-          <p:nvPr/>
-        </p:nvSpPr>
-        <p:spPr>
-          <a:xfrm rot="0">
+            <a:endParaRPr lang="en-US" sz="3000" b="1">
+              <a:solidFill>
+                <a:srgbClr val="000000"/>
+              </a:solidFill>
+              <a:latin typeface="Cabin Bold"/>
+              <a:ea typeface="Cabin Bold"/>
+              <a:cs typeface="Cabin Bold"/>
+              <a:sym typeface="Cabin Bold"/>
+            </a:endParaRPr>
+          </a:p>
+        </p:txBody>
+      </p:sp>
+      <p:sp>
+        <p:nvSpPr>
+          <p:cNvPr id="9" name="TextBox 9"/>
+          <p:cNvSpPr txBox="1"/>
+          <p:nvPr/>
+        </p:nvSpPr>
+        <p:spPr>
+          <a:xfrm>
             <a:off x="8709914" y="7705724"/>
             <a:ext cx="8641719" cy="1552576"/>
           </a:xfrm>
@@ -10551,7 +11081,7 @@
           </a:prstGeom>
         </p:spPr>
         <p:txBody>
-          <a:bodyPr anchor="t" rtlCol="false" tIns="0" lIns="0" bIns="0" rIns="0">
+          <a:bodyPr lIns="0" tIns="0" rIns="0" bIns="0" rtlCol="0" anchor="t">
             <a:spAutoFit/>
           </a:bodyPr>
           <a:lstStyle/>
@@ -10565,7 +11095,7 @@
               </a:spcBef>
             </a:pPr>
             <a:r>
-              <a:rPr lang="en-US" b="true" sz="2999">
+              <a:rPr lang="en-US" sz="2999" b="1">
                 <a:solidFill>
                   <a:srgbClr val="000000"/>
                 </a:solidFill>
@@ -10588,13 +11118,14 @@
 </file>
 
 <file path=ppt/slides/slide7.xml><?xml version="1.0" encoding="utf-8"?>
-<p:sld xmlns:p="http://schemas.openxmlformats.org/presentationml/2006/main" xmlns:a="http://schemas.openxmlformats.org/drawingml/2006/main" xmlns:r="http://schemas.openxmlformats.org/officeDocument/2006/relationships">
+<p:sld xmlns:a="http://schemas.openxmlformats.org/drawingml/2006/main" xmlns:r="http://schemas.openxmlformats.org/officeDocument/2006/relationships" xmlns:p="http://schemas.openxmlformats.org/presentationml/2006/main">
   <p:cSld>
     <p:bg>
       <p:bgPr>
         <a:solidFill>
           <a:srgbClr val="A6CD70"/>
         </a:solidFill>
+        <a:effectLst/>
       </p:bgPr>
     </p:bg>
     <p:spTree>
@@ -10613,12 +11144,12 @@
       </p:grpSpPr>
       <p:sp>
         <p:nvSpPr>
-          <p:cNvPr name="Freeform 2" id="2"/>
+          <p:cNvPr id="2" name="Freeform 2"/>
           <p:cNvSpPr/>
           <p:nvPr/>
         </p:nvSpPr>
         <p:spPr>
-          <a:xfrm flipH="false" flipV="false" rot="-5589959">
+          <a:xfrm rot="-5589959">
             <a:off x="1891045" y="7843639"/>
             <a:ext cx="453097" cy="3611641"/>
           </a:xfrm>
@@ -10627,9 +11158,9 @@
             <a:gdLst/>
             <a:ahLst/>
             <a:cxnLst/>
-            <a:rect r="r" b="b" t="t" l="l"/>
+            <a:rect l="l" t="t" r="r" b="b"/>
             <a:pathLst>
-              <a:path h="3611641" w="453097">
+              <a:path w="453097" h="3611641">
                 <a:moveTo>
                   <a:pt x="0" y="0"/>
                 </a:moveTo>
@@ -10658,19 +11189,26 @@
               </a:extLst>
             </a:blip>
             <a:stretch>
-              <a:fillRect l="0" t="0" r="0" b="0"/>
+              <a:fillRect/>
             </a:stretch>
           </a:blipFill>
         </p:spPr>
-      </p:sp>
-      <p:sp>
-        <p:nvSpPr>
-          <p:cNvPr name="Freeform 3" id="3"/>
+        <p:txBody>
+          <a:bodyPr/>
+          <a:lstStyle/>
+          <a:p>
+            <a:endParaRPr lang="vi-VN"/>
+          </a:p>
+        </p:txBody>
+      </p:sp>
+      <p:sp>
+        <p:nvSpPr>
+          <p:cNvPr id="3" name="Freeform 3"/>
           <p:cNvSpPr/>
           <p:nvPr/>
         </p:nvSpPr>
         <p:spPr>
-          <a:xfrm flipH="false" flipV="false" rot="0">
+          <a:xfrm>
             <a:off x="13310727" y="-2115057"/>
             <a:ext cx="3400271" cy="4758649"/>
           </a:xfrm>
@@ -10679,9 +11217,9 @@
             <a:gdLst/>
             <a:ahLst/>
             <a:cxnLst/>
-            <a:rect r="r" b="b" t="t" l="l"/>
+            <a:rect l="l" t="t" r="r" b="b"/>
             <a:pathLst>
-              <a:path h="4758649" w="3400271">
+              <a:path w="3400271" h="4758649">
                 <a:moveTo>
                   <a:pt x="0" y="0"/>
                 </a:moveTo>
@@ -10710,19 +11248,26 @@
               </a:extLst>
             </a:blip>
             <a:stretch>
-              <a:fillRect l="0" t="0" r="0" b="0"/>
+              <a:fillRect/>
             </a:stretch>
           </a:blipFill>
         </p:spPr>
-      </p:sp>
-      <p:sp>
-        <p:nvSpPr>
-          <p:cNvPr name="Freeform 4" id="4"/>
+        <p:txBody>
+          <a:bodyPr/>
+          <a:lstStyle/>
+          <a:p>
+            <a:endParaRPr lang="vi-VN"/>
+          </a:p>
+        </p:txBody>
+      </p:sp>
+      <p:sp>
+        <p:nvSpPr>
+          <p:cNvPr id="4" name="Freeform 4"/>
           <p:cNvSpPr/>
           <p:nvPr/>
         </p:nvSpPr>
         <p:spPr>
-          <a:xfrm flipH="false" flipV="false" rot="0">
+          <a:xfrm>
             <a:off x="9016057" y="2304203"/>
             <a:ext cx="8589340" cy="2839297"/>
           </a:xfrm>
@@ -10731,9 +11276,9 @@
             <a:gdLst/>
             <a:ahLst/>
             <a:cxnLst/>
-            <a:rect r="r" b="b" t="t" l="l"/>
+            <a:rect l="l" t="t" r="r" b="b"/>
             <a:pathLst>
-              <a:path h="2839297" w="8589340">
+              <a:path w="8589340" h="2839297">
                 <a:moveTo>
                   <a:pt x="0" y="0"/>
                 </a:moveTo>
@@ -10756,19 +11301,26 @@
           <a:blipFill>
             <a:blip r:embed="rId6"/>
             <a:stretch>
-              <a:fillRect l="-7853" t="0" r="-12902" b="0"/>
+              <a:fillRect l="-7853" r="-12902"/>
             </a:stretch>
           </a:blipFill>
         </p:spPr>
-      </p:sp>
-      <p:sp>
-        <p:nvSpPr>
-          <p:cNvPr name="TextBox 5" id="5"/>
-          <p:cNvSpPr txBox="true"/>
-          <p:nvPr/>
-        </p:nvSpPr>
-        <p:spPr>
-          <a:xfrm rot="0">
+        <p:txBody>
+          <a:bodyPr/>
+          <a:lstStyle/>
+          <a:p>
+            <a:endParaRPr lang="vi-VN"/>
+          </a:p>
+        </p:txBody>
+      </p:sp>
+      <p:sp>
+        <p:nvSpPr>
+          <p:cNvPr id="5" name="TextBox 5"/>
+          <p:cNvSpPr txBox="1"/>
+          <p:nvPr/>
+        </p:nvSpPr>
+        <p:spPr>
+          <a:xfrm>
             <a:off x="302017" y="390525"/>
             <a:ext cx="6009070" cy="638175"/>
           </a:xfrm>
@@ -10777,7 +11329,7 @@
           </a:prstGeom>
         </p:spPr>
         <p:txBody>
-          <a:bodyPr anchor="t" rtlCol="false" tIns="0" lIns="0" bIns="0" rIns="0">
+          <a:bodyPr lIns="0" tIns="0" rIns="0" bIns="0" rtlCol="0" anchor="t">
             <a:spAutoFit/>
           </a:bodyPr>
           <a:lstStyle/>
@@ -10788,7 +11340,7 @@
               </a:lnSpc>
             </a:pPr>
             <a:r>
-              <a:rPr lang="en-US" sz="4500" b="true">
+              <a:rPr lang="en-US" sz="4500" b="1">
                 <a:solidFill>
                   <a:srgbClr val="000000"/>
                 </a:solidFill>
@@ -10804,12 +11356,12 @@
       </p:sp>
       <p:sp>
         <p:nvSpPr>
-          <p:cNvPr name="TextBox 6" id="6"/>
-          <p:cNvSpPr txBox="true"/>
-          <p:nvPr/>
-        </p:nvSpPr>
-        <p:spPr>
-          <a:xfrm rot="0">
+          <p:cNvPr id="6" name="TextBox 6"/>
+          <p:cNvSpPr txBox="1"/>
+          <p:nvPr/>
+        </p:nvSpPr>
+        <p:spPr>
+          <a:xfrm>
             <a:off x="302017" y="1608110"/>
             <a:ext cx="7817951" cy="8524875"/>
           </a:xfrm>
@@ -10818,7 +11370,7 @@
           </a:prstGeom>
         </p:spPr>
         <p:txBody>
-          <a:bodyPr anchor="t" rtlCol="false" tIns="0" lIns="0" bIns="0" rIns="0">
+          <a:bodyPr lIns="0" tIns="0" rIns="0" bIns="0" rtlCol="0" anchor="t">
             <a:spAutoFit/>
           </a:bodyPr>
           <a:lstStyle/>
@@ -10829,7 +11381,7 @@
               </a:lnSpc>
             </a:pPr>
             <a:r>
-              <a:rPr lang="en-US" sz="3000" b="true">
+              <a:rPr lang="en-US" sz="3000" b="1">
                 <a:solidFill>
                   <a:srgbClr val="000000"/>
                 </a:solidFill>
@@ -10842,7 +11394,7 @@
             </a:r>
           </a:p>
           <a:p>
-            <a:pPr algn="l" marL="647700" indent="-323850" lvl="1">
+            <a:pPr marL="647700" lvl="1" indent="-323850" algn="l">
               <a:lnSpc>
                 <a:spcPts val="4200"/>
               </a:lnSpc>
@@ -10850,7 +11402,7 @@
               <a:buChar char="•"/>
             </a:pPr>
             <a:r>
-              <a:rPr lang="en-US" b="true" sz="3000">
+              <a:rPr lang="en-US" sz="3000" b="1">
                 <a:solidFill>
                   <a:srgbClr val="000000"/>
                 </a:solidFill>
@@ -10863,7 +11415,7 @@
             </a:r>
           </a:p>
           <a:p>
-            <a:pPr algn="l" marL="647700" indent="-323850" lvl="1">
+            <a:pPr marL="647700" lvl="1" indent="-323850" algn="l">
               <a:lnSpc>
                 <a:spcPts val="4200"/>
               </a:lnSpc>
@@ -10871,7 +11423,7 @@
               <a:buChar char="•"/>
             </a:pPr>
             <a:r>
-              <a:rPr lang="en-US" b="true" sz="3000">
+              <a:rPr lang="en-US" sz="3000" b="1">
                 <a:solidFill>
                   <a:srgbClr val="000000"/>
                 </a:solidFill>
@@ -10884,7 +11436,7 @@
             </a:r>
           </a:p>
           <a:p>
-            <a:pPr algn="l" marL="1295400" indent="-431800" lvl="2">
+            <a:pPr marL="1295400" lvl="2" indent="-431800" algn="l">
               <a:lnSpc>
                 <a:spcPts val="4200"/>
               </a:lnSpc>
@@ -10892,7 +11444,7 @@
               <a:buChar char="⚬"/>
             </a:pPr>
             <a:r>
-              <a:rPr lang="en-US" b="true" sz="3000">
+              <a:rPr lang="en-US" sz="3000" b="1">
                 <a:solidFill>
                   <a:srgbClr val="000000"/>
                 </a:solidFill>
@@ -10905,7 +11457,7 @@
             </a:r>
           </a:p>
           <a:p>
-            <a:pPr algn="l" marL="1295400" indent="-431800" lvl="2">
+            <a:pPr marL="1295400" lvl="2" indent="-431800" algn="l">
               <a:lnSpc>
                 <a:spcPts val="4200"/>
               </a:lnSpc>
@@ -10913,7 +11465,7 @@
               <a:buChar char="⚬"/>
             </a:pPr>
             <a:r>
-              <a:rPr lang="en-US" b="true" sz="3000">
+              <a:rPr lang="en-US" sz="3000" b="1">
                 <a:solidFill>
                   <a:srgbClr val="000000"/>
                 </a:solidFill>
@@ -10922,10 +11474,19 @@
                 <a:cs typeface="Cabin Bold"/>
                 <a:sym typeface="Cabin Bold"/>
               </a:rPr>
-              <a:t>T</a:t>
-            </a:r>
-            <a:r>
-              <a:rPr lang="en-US" b="true" sz="3000">
+              <a:t>Truy xuất danh sách văn bản đến (VanBanDen) và văn bản đi (VanBanDi).</a:t>
+            </a:r>
+          </a:p>
+          <a:p>
+            <a:pPr marL="1295400" lvl="2" indent="-431800" algn="l">
+              <a:lnSpc>
+                <a:spcPts val="4200"/>
+              </a:lnSpc>
+              <a:buFont typeface="Arial"/>
+              <a:buChar char="⚬"/>
+            </a:pPr>
+            <a:r>
+              <a:rPr lang="en-US" sz="3000" b="1">
                 <a:solidFill>
                   <a:srgbClr val="000000"/>
                 </a:solidFill>
@@ -10934,11 +11495,11 @@
                 <a:cs typeface="Cabin Bold"/>
                 <a:sym typeface="Cabin Bold"/>
               </a:rPr>
-              <a:t>ruy xuất danh sách văn bản đến (VanBanDen) và văn bản đi (VanBanDi).</a:t>
-            </a:r>
-          </a:p>
-          <a:p>
-            <a:pPr algn="l" marL="1295400" indent="-431800" lvl="2">
+              <a:t>Thực hiện tìm kiếm theo điều kiện nếu có từ khóa (searchString).</a:t>
+            </a:r>
+          </a:p>
+          <a:p>
+            <a:pPr marL="1295400" lvl="2" indent="-431800" algn="l">
               <a:lnSpc>
                 <a:spcPts val="4200"/>
               </a:lnSpc>
@@ -10946,40 +11507,7 @@
               <a:buChar char="⚬"/>
             </a:pPr>
             <a:r>
-              <a:rPr lang="en-US" b="true" sz="3000">
-                <a:solidFill>
-                  <a:srgbClr val="000000"/>
-                </a:solidFill>
-                <a:latin typeface="Cabin Bold"/>
-                <a:ea typeface="Cabin Bold"/>
-                <a:cs typeface="Cabin Bold"/>
-                <a:sym typeface="Cabin Bold"/>
-              </a:rPr>
-              <a:t>Thực h</a:t>
-            </a:r>
-            <a:r>
-              <a:rPr lang="en-US" b="true" sz="3000">
-                <a:solidFill>
-                  <a:srgbClr val="000000"/>
-                </a:solidFill>
-                <a:latin typeface="Cabin Bold"/>
-                <a:ea typeface="Cabin Bold"/>
-                <a:cs typeface="Cabin Bold"/>
-                <a:sym typeface="Cabin Bold"/>
-              </a:rPr>
-              <a:t>iện tìm kiếm theo điều kiện nếu có từ khóa (searchString).</a:t>
-            </a:r>
-          </a:p>
-          <a:p>
-            <a:pPr algn="l" marL="1295400" indent="-431800" lvl="2">
-              <a:lnSpc>
-                <a:spcPts val="4200"/>
-              </a:lnSpc>
-              <a:buFont typeface="Arial"/>
-              <a:buChar char="⚬"/>
-            </a:pPr>
-            <a:r>
-              <a:rPr lang="en-US" b="true" sz="3000">
+              <a:rPr lang="en-US" sz="3000" b="1">
                 <a:solidFill>
                   <a:srgbClr val="000000"/>
                 </a:solidFill>
@@ -10997,6 +11525,15 @@
                 <a:spcPts val="4200"/>
               </a:lnSpc>
             </a:pPr>
+            <a:endParaRPr lang="en-US" sz="3000" b="1">
+              <a:solidFill>
+                <a:srgbClr val="000000"/>
+              </a:solidFill>
+              <a:latin typeface="Cabin Bold"/>
+              <a:ea typeface="Cabin Bold"/>
+              <a:cs typeface="Cabin Bold"/>
+              <a:sym typeface="Cabin Bold"/>
+            </a:endParaRPr>
           </a:p>
           <a:p>
             <a:pPr algn="l">
@@ -11004,17 +11541,26 @@
                 <a:spcPts val="4200"/>
               </a:lnSpc>
             </a:pPr>
-          </a:p>
-        </p:txBody>
-      </p:sp>
-      <p:sp>
-        <p:nvSpPr>
-          <p:cNvPr name="TextBox 7" id="7"/>
-          <p:cNvSpPr txBox="true"/>
-          <p:nvPr/>
-        </p:nvSpPr>
-        <p:spPr>
-          <a:xfrm rot="0">
+            <a:endParaRPr lang="en-US" sz="3000" b="1">
+              <a:solidFill>
+                <a:srgbClr val="000000"/>
+              </a:solidFill>
+              <a:latin typeface="Cabin Bold"/>
+              <a:ea typeface="Cabin Bold"/>
+              <a:cs typeface="Cabin Bold"/>
+              <a:sym typeface="Cabin Bold"/>
+            </a:endParaRPr>
+          </a:p>
+        </p:txBody>
+      </p:sp>
+      <p:sp>
+        <p:nvSpPr>
+          <p:cNvPr id="7" name="TextBox 7"/>
+          <p:cNvSpPr txBox="1"/>
+          <p:nvPr/>
+        </p:nvSpPr>
+        <p:spPr>
+          <a:xfrm>
             <a:off x="17259300" y="9201150"/>
             <a:ext cx="152400" cy="209550"/>
           </a:xfrm>
@@ -11023,7 +11569,7 @@
           </a:prstGeom>
         </p:spPr>
         <p:txBody>
-          <a:bodyPr anchor="t" rtlCol="false" tIns="0" lIns="0" bIns="0" rIns="0" wrap="none">
+          <a:bodyPr wrap="none" lIns="0" tIns="0" rIns="0" bIns="0" rtlCol="0" anchor="t">
             <a:spAutoFit/>
           </a:bodyPr>
           <a:lstStyle/>
@@ -11053,12 +11599,12 @@
       </p:sp>
       <p:sp>
         <p:nvSpPr>
-          <p:cNvPr name="TextBox 8" id="8"/>
-          <p:cNvSpPr txBox="true"/>
-          <p:nvPr/>
-        </p:nvSpPr>
-        <p:spPr>
-          <a:xfrm rot="0">
+          <p:cNvPr id="8" name="TextBox 8"/>
+          <p:cNvSpPr txBox="1"/>
+          <p:nvPr/>
+        </p:nvSpPr>
+        <p:spPr>
+          <a:xfrm>
             <a:off x="8802247" y="7079340"/>
             <a:ext cx="8641719" cy="1552576"/>
           </a:xfrm>
@@ -11067,7 +11613,7 @@
           </a:prstGeom>
         </p:spPr>
         <p:txBody>
-          <a:bodyPr anchor="t" rtlCol="false" tIns="0" lIns="0" bIns="0" rIns="0">
+          <a:bodyPr lIns="0" tIns="0" rIns="0" bIns="0" rtlCol="0" anchor="t">
             <a:spAutoFit/>
           </a:bodyPr>
           <a:lstStyle/>
@@ -11081,7 +11627,7 @@
               </a:spcBef>
             </a:pPr>
             <a:r>
-              <a:rPr lang="en-US" b="true" sz="2999">
+              <a:rPr lang="en-US" sz="2999" b="1">
                 <a:solidFill>
                   <a:srgbClr val="000000"/>
                 </a:solidFill>
@@ -11104,7 +11650,7 @@
 </file>
 
 <file path=ppt/slides/slide8.xml><?xml version="1.0" encoding="utf-8"?>
-<p:sld xmlns:p="http://schemas.openxmlformats.org/presentationml/2006/main" xmlns:a="http://schemas.openxmlformats.org/drawingml/2006/main" xmlns:r="http://schemas.openxmlformats.org/officeDocument/2006/relationships">
+<p:sld xmlns:a="http://schemas.openxmlformats.org/drawingml/2006/main" xmlns:r="http://schemas.openxmlformats.org/officeDocument/2006/relationships" xmlns:p="http://schemas.openxmlformats.org/presentationml/2006/main">
   <p:cSld>
     <p:spTree>
       <p:nvGrpSpPr>
@@ -11122,12 +11668,12 @@
       </p:grpSpPr>
       <p:sp>
         <p:nvSpPr>
-          <p:cNvPr name="Freeform 2" id="2"/>
+          <p:cNvPr id="2" name="Freeform 2"/>
           <p:cNvSpPr/>
           <p:nvPr/>
         </p:nvSpPr>
         <p:spPr>
-          <a:xfrm flipH="false" flipV="false" rot="-5589959">
+          <a:xfrm rot="-5589959">
             <a:off x="1891045" y="7843639"/>
             <a:ext cx="453097" cy="3611641"/>
           </a:xfrm>
@@ -11136,9 +11682,9 @@
             <a:gdLst/>
             <a:ahLst/>
             <a:cxnLst/>
-            <a:rect r="r" b="b" t="t" l="l"/>
+            <a:rect l="l" t="t" r="r" b="b"/>
             <a:pathLst>
-              <a:path h="3611641" w="453097">
+              <a:path w="453097" h="3611641">
                 <a:moveTo>
                   <a:pt x="0" y="0"/>
                 </a:moveTo>
@@ -11167,19 +11713,26 @@
               </a:extLst>
             </a:blip>
             <a:stretch>
-              <a:fillRect l="0" t="0" r="0" b="0"/>
+              <a:fillRect/>
             </a:stretch>
           </a:blipFill>
         </p:spPr>
-      </p:sp>
-      <p:sp>
-        <p:nvSpPr>
-          <p:cNvPr name="Freeform 3" id="3"/>
+        <p:txBody>
+          <a:bodyPr/>
+          <a:lstStyle/>
+          <a:p>
+            <a:endParaRPr lang="vi-VN"/>
+          </a:p>
+        </p:txBody>
+      </p:sp>
+      <p:sp>
+        <p:nvSpPr>
+          <p:cNvPr id="3" name="Freeform 3"/>
           <p:cNvSpPr/>
           <p:nvPr/>
         </p:nvSpPr>
         <p:spPr>
-          <a:xfrm flipH="false" flipV="false" rot="0">
+          <a:xfrm>
             <a:off x="13310727" y="-2115057"/>
             <a:ext cx="3400271" cy="4758649"/>
           </a:xfrm>
@@ -11188,9 +11741,9 @@
             <a:gdLst/>
             <a:ahLst/>
             <a:cxnLst/>
-            <a:rect r="r" b="b" t="t" l="l"/>
+            <a:rect l="l" t="t" r="r" b="b"/>
             <a:pathLst>
-              <a:path h="4758649" w="3400271">
+              <a:path w="3400271" h="4758649">
                 <a:moveTo>
                   <a:pt x="0" y="0"/>
                 </a:moveTo>
@@ -11219,19 +11772,26 @@
               </a:extLst>
             </a:blip>
             <a:stretch>
-              <a:fillRect l="0" t="0" r="0" b="0"/>
+              <a:fillRect/>
             </a:stretch>
           </a:blipFill>
         </p:spPr>
-      </p:sp>
-      <p:sp>
-        <p:nvSpPr>
-          <p:cNvPr name="Freeform 4" id="4"/>
+        <p:txBody>
+          <a:bodyPr/>
+          <a:lstStyle/>
+          <a:p>
+            <a:endParaRPr lang="vi-VN"/>
+          </a:p>
+        </p:txBody>
+      </p:sp>
+      <p:sp>
+        <p:nvSpPr>
+          <p:cNvPr id="4" name="Freeform 4"/>
           <p:cNvSpPr/>
           <p:nvPr/>
         </p:nvSpPr>
         <p:spPr>
-          <a:xfrm flipH="false" flipV="false" rot="0">
+          <a:xfrm>
             <a:off x="1245703" y="1405499"/>
             <a:ext cx="6538098" cy="3899313"/>
           </a:xfrm>
@@ -11240,9 +11800,9 @@
             <a:gdLst/>
             <a:ahLst/>
             <a:cxnLst/>
-            <a:rect r="r" b="b" t="t" l="l"/>
+            <a:rect l="l" t="t" r="r" b="b"/>
             <a:pathLst>
-              <a:path h="3899313" w="6538098">
+              <a:path w="6538098" h="3899313">
                 <a:moveTo>
                   <a:pt x="0" y="0"/>
                 </a:moveTo>
@@ -11265,19 +11825,26 @@
           <a:blipFill>
             <a:blip r:embed="rId6"/>
             <a:stretch>
-              <a:fillRect l="-10031" t="0" r="-27671" b="0"/>
+              <a:fillRect l="-10031" r="-27671"/>
             </a:stretch>
           </a:blipFill>
         </p:spPr>
-      </p:sp>
-      <p:sp>
-        <p:nvSpPr>
-          <p:cNvPr name="Freeform 5" id="5"/>
+        <p:txBody>
+          <a:bodyPr/>
+          <a:lstStyle/>
+          <a:p>
+            <a:endParaRPr lang="vi-VN"/>
+          </a:p>
+        </p:txBody>
+      </p:sp>
+      <p:sp>
+        <p:nvSpPr>
+          <p:cNvPr id="5" name="Freeform 5"/>
           <p:cNvSpPr/>
           <p:nvPr/>
         </p:nvSpPr>
         <p:spPr>
-          <a:xfrm flipH="false" flipV="false" rot="0">
+          <a:xfrm>
             <a:off x="9688619" y="1405499"/>
             <a:ext cx="7244218" cy="2265806"/>
           </a:xfrm>
@@ -11286,9 +11853,9 @@
             <a:gdLst/>
             <a:ahLst/>
             <a:cxnLst/>
-            <a:rect r="r" b="b" t="t" l="l"/>
+            <a:rect l="l" t="t" r="r" b="b"/>
             <a:pathLst>
-              <a:path h="2265806" w="7244218">
+              <a:path w="7244218" h="2265806">
                 <a:moveTo>
                   <a:pt x="0" y="0"/>
                 </a:moveTo>
@@ -11311,19 +11878,26 @@
           <a:blipFill>
             <a:blip r:embed="rId7"/>
             <a:stretch>
-              <a:fillRect l="-10031" t="0" r="-28264" b="0"/>
+              <a:fillRect l="-10031" r="-28264"/>
             </a:stretch>
           </a:blipFill>
         </p:spPr>
-      </p:sp>
-      <p:sp>
-        <p:nvSpPr>
-          <p:cNvPr name="Freeform 6" id="6"/>
+        <p:txBody>
+          <a:bodyPr/>
+          <a:lstStyle/>
+          <a:p>
+            <a:endParaRPr lang="vi-VN"/>
+          </a:p>
+        </p:txBody>
+      </p:sp>
+      <p:sp>
+        <p:nvSpPr>
+          <p:cNvPr id="6" name="Freeform 6"/>
           <p:cNvSpPr/>
           <p:nvPr/>
         </p:nvSpPr>
         <p:spPr>
-          <a:xfrm flipH="false" flipV="false" rot="0">
+          <a:xfrm>
             <a:off x="1245703" y="5955273"/>
             <a:ext cx="6538098" cy="3771575"/>
           </a:xfrm>
@@ -11332,9 +11906,9 @@
             <a:gdLst/>
             <a:ahLst/>
             <a:cxnLst/>
-            <a:rect r="r" b="b" t="t" l="l"/>
+            <a:rect l="l" t="t" r="r" b="b"/>
             <a:pathLst>
-              <a:path h="3771575" w="6538098">
+              <a:path w="6538098" h="3771575">
                 <a:moveTo>
                   <a:pt x="0" y="0"/>
                 </a:moveTo>
@@ -11357,19 +11931,26 @@
           <a:blipFill>
             <a:blip r:embed="rId8"/>
             <a:stretch>
-              <a:fillRect l="-8374" t="0" r="-26901" b="0"/>
+              <a:fillRect l="-8374" r="-26901"/>
             </a:stretch>
           </a:blipFill>
         </p:spPr>
-      </p:sp>
-      <p:sp>
-        <p:nvSpPr>
-          <p:cNvPr name="Freeform 7" id="7"/>
+        <p:txBody>
+          <a:bodyPr/>
+          <a:lstStyle/>
+          <a:p>
+            <a:endParaRPr lang="vi-VN"/>
+          </a:p>
+        </p:txBody>
+      </p:sp>
+      <p:sp>
+        <p:nvSpPr>
+          <p:cNvPr id="7" name="Freeform 7"/>
           <p:cNvSpPr/>
           <p:nvPr/>
         </p:nvSpPr>
         <p:spPr>
-          <a:xfrm flipH="false" flipV="false" rot="0">
+          <a:xfrm>
             <a:off x="9989587" y="5312114"/>
             <a:ext cx="6943249" cy="4337346"/>
           </a:xfrm>
@@ -11378,9 +11959,9 @@
             <a:gdLst/>
             <a:ahLst/>
             <a:cxnLst/>
-            <a:rect r="r" b="b" t="t" l="l"/>
+            <a:rect l="l" t="t" r="r" b="b"/>
             <a:pathLst>
-              <a:path h="4337346" w="6943249">
+              <a:path w="6943249" h="4337346">
                 <a:moveTo>
                   <a:pt x="0" y="0"/>
                 </a:moveTo>
@@ -11403,19 +11984,26 @@
           <a:blipFill>
             <a:blip r:embed="rId9"/>
             <a:stretch>
-              <a:fillRect l="-4637" t="0" r="-39959" b="0"/>
+              <a:fillRect l="-4637" r="-39959"/>
             </a:stretch>
           </a:blipFill>
         </p:spPr>
-      </p:sp>
-      <p:sp>
-        <p:nvSpPr>
-          <p:cNvPr name="TextBox 8" id="8"/>
-          <p:cNvSpPr txBox="true"/>
-          <p:nvPr/>
-        </p:nvSpPr>
-        <p:spPr>
-          <a:xfrm rot="0">
+        <p:txBody>
+          <a:bodyPr/>
+          <a:lstStyle/>
+          <a:p>
+            <a:endParaRPr lang="vi-VN"/>
+          </a:p>
+        </p:txBody>
+      </p:sp>
+      <p:sp>
+        <p:nvSpPr>
+          <p:cNvPr id="8" name="TextBox 8"/>
+          <p:cNvSpPr txBox="1"/>
+          <p:nvPr/>
+        </p:nvSpPr>
+        <p:spPr>
+          <a:xfrm>
             <a:off x="302017" y="390525"/>
             <a:ext cx="6009070" cy="638175"/>
           </a:xfrm>
@@ -11424,7 +12012,7 @@
           </a:prstGeom>
         </p:spPr>
         <p:txBody>
-          <a:bodyPr anchor="t" rtlCol="false" tIns="0" lIns="0" bIns="0" rIns="0">
+          <a:bodyPr lIns="0" tIns="0" rIns="0" bIns="0" rtlCol="0" anchor="t">
             <a:spAutoFit/>
           </a:bodyPr>
           <a:lstStyle/>
@@ -11435,7 +12023,7 @@
               </a:lnSpc>
             </a:pPr>
             <a:r>
-              <a:rPr lang="en-US" sz="4500" b="true">
+              <a:rPr lang="en-US" sz="4500" b="1">
                 <a:solidFill>
                   <a:srgbClr val="2E2E2E"/>
                 </a:solidFill>
@@ -11451,12 +12039,12 @@
       </p:sp>
       <p:sp>
         <p:nvSpPr>
-          <p:cNvPr name="TextBox 9" id="9"/>
-          <p:cNvSpPr txBox="true"/>
-          <p:nvPr/>
-        </p:nvSpPr>
-        <p:spPr>
-          <a:xfrm rot="0">
+          <p:cNvPr id="9" name="TextBox 9"/>
+          <p:cNvSpPr txBox="1"/>
+          <p:nvPr/>
+        </p:nvSpPr>
+        <p:spPr>
+          <a:xfrm>
             <a:off x="17259300" y="9201150"/>
             <a:ext cx="152400" cy="209550"/>
           </a:xfrm>
@@ -11465,7 +12053,7 @@
           </a:prstGeom>
         </p:spPr>
         <p:txBody>
-          <a:bodyPr anchor="t" rtlCol="false" tIns="0" lIns="0" bIns="0" rIns="0" wrap="none">
+          <a:bodyPr wrap="none" lIns="0" tIns="0" rIns="0" bIns="0" rtlCol="0" anchor="t">
             <a:spAutoFit/>
           </a:bodyPr>
           <a:lstStyle/>
@@ -11502,13 +12090,14 @@
 </file>
 
 <file path=ppt/slides/slide9.xml><?xml version="1.0" encoding="utf-8"?>
-<p:sld xmlns:p="http://schemas.openxmlformats.org/presentationml/2006/main" xmlns:a="http://schemas.openxmlformats.org/drawingml/2006/main" xmlns:r="http://schemas.openxmlformats.org/officeDocument/2006/relationships">
+<p:sld xmlns:a="http://schemas.openxmlformats.org/drawingml/2006/main" xmlns:r="http://schemas.openxmlformats.org/officeDocument/2006/relationships" xmlns:p="http://schemas.openxmlformats.org/presentationml/2006/main">
   <p:cSld>
     <p:bg>
       <p:bgPr>
         <a:solidFill>
           <a:srgbClr val="A6CD70"/>
         </a:solidFill>
+        <a:effectLst/>
       </p:bgPr>
     </p:bg>
     <p:spTree>
@@ -11527,12 +12116,12 @@
       </p:grpSpPr>
       <p:sp>
         <p:nvSpPr>
-          <p:cNvPr name="Freeform 2" id="2"/>
+          <p:cNvPr id="2" name="Freeform 2"/>
           <p:cNvSpPr/>
           <p:nvPr/>
         </p:nvSpPr>
         <p:spPr>
-          <a:xfrm flipH="false" flipV="false" rot="0">
+          <a:xfrm>
             <a:off x="12656734" y="4298255"/>
             <a:ext cx="2220821" cy="2115837"/>
           </a:xfrm>
@@ -11541,9 +12130,9 @@
             <a:gdLst/>
             <a:ahLst/>
             <a:cxnLst/>
-            <a:rect r="r" b="b" t="t" l="l"/>
+            <a:rect l="l" t="t" r="r" b="b"/>
             <a:pathLst>
-              <a:path h="2115837" w="2220821">
+              <a:path w="2220821" h="2115837">
                 <a:moveTo>
                   <a:pt x="0" y="0"/>
                 </a:moveTo>
@@ -11572,19 +12161,26 @@
               </a:extLst>
             </a:blip>
             <a:stretch>
-              <a:fillRect l="0" t="0" r="0" b="0"/>
+              <a:fillRect/>
             </a:stretch>
           </a:blipFill>
         </p:spPr>
-      </p:sp>
-      <p:sp>
-        <p:nvSpPr>
-          <p:cNvPr name="Freeform 3" id="3"/>
+        <p:txBody>
+          <a:bodyPr/>
+          <a:lstStyle/>
+          <a:p>
+            <a:endParaRPr lang="vi-VN"/>
+          </a:p>
+        </p:txBody>
+      </p:sp>
+      <p:sp>
+        <p:nvSpPr>
+          <p:cNvPr id="3" name="Freeform 3"/>
           <p:cNvSpPr/>
           <p:nvPr/>
         </p:nvSpPr>
         <p:spPr>
-          <a:xfrm flipH="true" flipV="true" rot="1983610">
+          <a:xfrm rot="1983610" flipH="1" flipV="1">
             <a:off x="-2904556" y="1035349"/>
             <a:ext cx="4015639" cy="3278221"/>
           </a:xfrm>
@@ -11593,9 +12189,9 @@
             <a:gdLst/>
             <a:ahLst/>
             <a:cxnLst/>
-            <a:rect r="r" b="b" t="t" l="l"/>
+            <a:rect l="l" t="t" r="r" b="b"/>
             <a:pathLst>
-              <a:path h="3278221" w="4015639">
+              <a:path w="4015639" h="3278221">
                 <a:moveTo>
                   <a:pt x="4015639" y="3278221"/>
                 </a:moveTo>
@@ -11624,19 +12220,26 @@
               </a:extLst>
             </a:blip>
             <a:stretch>
-              <a:fillRect l="0" t="0" r="0" b="0"/>
+              <a:fillRect/>
             </a:stretch>
           </a:blipFill>
         </p:spPr>
-      </p:sp>
-      <p:sp>
-        <p:nvSpPr>
-          <p:cNvPr name="Freeform 4" id="4"/>
+        <p:txBody>
+          <a:bodyPr/>
+          <a:lstStyle/>
+          <a:p>
+            <a:endParaRPr lang="vi-VN"/>
+          </a:p>
+        </p:txBody>
+      </p:sp>
+      <p:sp>
+        <p:nvSpPr>
+          <p:cNvPr id="4" name="Freeform 4"/>
           <p:cNvSpPr/>
           <p:nvPr/>
         </p:nvSpPr>
         <p:spPr>
-          <a:xfrm flipH="false" flipV="false" rot="0">
+          <a:xfrm>
             <a:off x="15654170" y="3045285"/>
             <a:ext cx="5083780" cy="2098215"/>
           </a:xfrm>
@@ -11645,9 +12248,9 @@
             <a:gdLst/>
             <a:ahLst/>
             <a:cxnLst/>
-            <a:rect r="r" b="b" t="t" l="l"/>
+            <a:rect l="l" t="t" r="r" b="b"/>
             <a:pathLst>
-              <a:path h="2098215" w="5083780">
+              <a:path w="5083780" h="2098215">
                 <a:moveTo>
                   <a:pt x="0" y="0"/>
                 </a:moveTo>
@@ -11676,19 +12279,26 @@
               </a:extLst>
             </a:blip>
             <a:stretch>
-              <a:fillRect l="0" t="0" r="0" b="0"/>
+              <a:fillRect/>
             </a:stretch>
           </a:blipFill>
         </p:spPr>
-      </p:sp>
-      <p:sp>
-        <p:nvSpPr>
-          <p:cNvPr name="Freeform 5" id="5"/>
+        <p:txBody>
+          <a:bodyPr/>
+          <a:lstStyle/>
+          <a:p>
+            <a:endParaRPr lang="vi-VN"/>
+          </a:p>
+        </p:txBody>
+      </p:sp>
+      <p:sp>
+        <p:nvSpPr>
+          <p:cNvPr id="5" name="Freeform 5"/>
           <p:cNvSpPr/>
           <p:nvPr/>
         </p:nvSpPr>
         <p:spPr>
-          <a:xfrm flipH="false" flipV="false" rot="0">
+          <a:xfrm>
             <a:off x="13031301" y="1028700"/>
             <a:ext cx="4227999" cy="8082940"/>
           </a:xfrm>
@@ -11697,9 +12307,9 @@
             <a:gdLst/>
             <a:ahLst/>
             <a:cxnLst/>
-            <a:rect r="r" b="b" t="t" l="l"/>
+            <a:rect l="l" t="t" r="r" b="b"/>
             <a:pathLst>
-              <a:path h="8082940" w="4227999">
+              <a:path w="4227999" h="8082940">
                 <a:moveTo>
                   <a:pt x="0" y="0"/>
                 </a:moveTo>
@@ -11722,19 +12332,26 @@
           <a:blipFill>
             <a:blip r:embed="rId8"/>
             <a:stretch>
-              <a:fillRect l="0" t="0" r="0" b="0"/>
+              <a:fillRect/>
             </a:stretch>
           </a:blipFill>
         </p:spPr>
-      </p:sp>
-      <p:sp>
-        <p:nvSpPr>
-          <p:cNvPr name="Freeform 6" id="6"/>
+        <p:txBody>
+          <a:bodyPr/>
+          <a:lstStyle/>
+          <a:p>
+            <a:endParaRPr lang="vi-VN"/>
+          </a:p>
+        </p:txBody>
+      </p:sp>
+      <p:sp>
+        <p:nvSpPr>
+          <p:cNvPr id="6" name="Freeform 6"/>
           <p:cNvSpPr/>
           <p:nvPr/>
         </p:nvSpPr>
         <p:spPr>
-          <a:xfrm flipH="false" flipV="false" rot="0">
+          <a:xfrm>
             <a:off x="676379" y="2004697"/>
             <a:ext cx="12096897" cy="6026171"/>
           </a:xfrm>
@@ -11743,9 +12360,9 @@
             <a:gdLst/>
             <a:ahLst/>
             <a:cxnLst/>
-            <a:rect r="r" b="b" t="t" l="l"/>
+            <a:rect l="l" t="t" r="r" b="b"/>
             <a:pathLst>
-              <a:path h="6026171" w="12096897">
+              <a:path w="12096897" h="6026171">
                 <a:moveTo>
                   <a:pt x="0" y="0"/>
                 </a:moveTo>
@@ -11768,19 +12385,26 @@
           <a:blipFill>
             <a:blip r:embed="rId9"/>
             <a:stretch>
-              <a:fillRect l="0" t="0" r="0" b="0"/>
+              <a:fillRect/>
             </a:stretch>
           </a:blipFill>
         </p:spPr>
-      </p:sp>
-      <p:sp>
-        <p:nvSpPr>
-          <p:cNvPr name="TextBox 7" id="7"/>
-          <p:cNvSpPr txBox="true"/>
-          <p:nvPr/>
-        </p:nvSpPr>
-        <p:spPr>
-          <a:xfrm rot="0">
+        <p:txBody>
+          <a:bodyPr/>
+          <a:lstStyle/>
+          <a:p>
+            <a:endParaRPr lang="vi-VN"/>
+          </a:p>
+        </p:txBody>
+      </p:sp>
+      <p:sp>
+        <p:nvSpPr>
+          <p:cNvPr id="7" name="TextBox 7"/>
+          <p:cNvSpPr txBox="1"/>
+          <p:nvPr/>
+        </p:nvSpPr>
+        <p:spPr>
+          <a:xfrm>
             <a:off x="676379" y="733425"/>
             <a:ext cx="7913457" cy="638175"/>
           </a:xfrm>
@@ -11789,7 +12413,7 @@
           </a:prstGeom>
         </p:spPr>
         <p:txBody>
-          <a:bodyPr anchor="t" rtlCol="false" tIns="0" lIns="0" bIns="0" rIns="0">
+          <a:bodyPr lIns="0" tIns="0" rIns="0" bIns="0" rtlCol="0" anchor="t">
             <a:spAutoFit/>
           </a:bodyPr>
           <a:lstStyle/>
@@ -11800,7 +12424,7 @@
               </a:lnSpc>
             </a:pPr>
             <a:r>
-              <a:rPr lang="en-US" b="true" sz="4500">
+              <a:rPr lang="en-US" sz="4500" b="1">
                 <a:solidFill>
                   <a:srgbClr val="2E2E2E"/>
                 </a:solidFill>
@@ -11816,12 +12440,12 @@
       </p:sp>
       <p:sp>
         <p:nvSpPr>
-          <p:cNvPr name="TextBox 8" id="8"/>
-          <p:cNvSpPr txBox="true"/>
-          <p:nvPr/>
-        </p:nvSpPr>
-        <p:spPr>
-          <a:xfrm rot="0">
+          <p:cNvPr id="8" name="TextBox 8"/>
+          <p:cNvSpPr txBox="1"/>
+          <p:nvPr/>
+        </p:nvSpPr>
+        <p:spPr>
+          <a:xfrm>
             <a:off x="17259300" y="9201150"/>
             <a:ext cx="152400" cy="209550"/>
           </a:xfrm>
@@ -11830,7 +12454,7 @@
           </a:prstGeom>
         </p:spPr>
         <p:txBody>
-          <a:bodyPr anchor="t" rtlCol="false" tIns="0" lIns="0" bIns="0" rIns="0" wrap="none">
+          <a:bodyPr wrap="none" lIns="0" tIns="0" rIns="0" bIns="0" rtlCol="0" anchor="t">
             <a:spAutoFit/>
           </a:bodyPr>
           <a:lstStyle/>
@@ -11860,12 +12484,12 @@
       </p:sp>
       <p:sp>
         <p:nvSpPr>
-          <p:cNvPr name="TextBox 9" id="9"/>
-          <p:cNvSpPr txBox="true"/>
-          <p:nvPr/>
-        </p:nvSpPr>
-        <p:spPr>
-          <a:xfrm rot="0">
+          <p:cNvPr id="9" name="TextBox 9"/>
+          <p:cNvSpPr txBox="1"/>
+          <p:nvPr/>
+        </p:nvSpPr>
+        <p:spPr>
+          <a:xfrm>
             <a:off x="1680180" y="8331610"/>
             <a:ext cx="8641719" cy="504826"/>
           </a:xfrm>
@@ -11874,7 +12498,7 @@
           </a:prstGeom>
         </p:spPr>
         <p:txBody>
-          <a:bodyPr anchor="t" rtlCol="false" tIns="0" lIns="0" bIns="0" rIns="0">
+          <a:bodyPr lIns="0" tIns="0" rIns="0" bIns="0" rtlCol="0" anchor="t">
             <a:spAutoFit/>
           </a:bodyPr>
           <a:lstStyle/>
@@ -11888,7 +12512,7 @@
               </a:spcBef>
             </a:pPr>
             <a:r>
-              <a:rPr lang="en-US" b="true" sz="2999">
+              <a:rPr lang="en-US" sz="2999" b="1">
                 <a:solidFill>
                   <a:srgbClr val="000000"/>
                 </a:solidFill>
